--- a/正式课/第 8 周（CSS3）/第 1 天/css3上半部分.pptx
+++ b/正式课/第 8 周（CSS3）/第 1 天/css3上半部分.pptx
@@ -1,25 +1,25 @@
 
 <file path=ppt/presentation.xml><?xml version="1.0" encoding="utf-8"?>
-<p:presentation xmlns:a="http://schemas.openxmlformats.org/drawingml/2006/main" xmlns:r="http://schemas.openxmlformats.org/officeDocument/2006/relationships" xmlns:p="http://schemas.openxmlformats.org/presentationml/2006/main" saveSubsetFonts="1" autoCompressPictures="0">
+<p:presentation xmlns:a="http://schemas.openxmlformats.org/drawingml/2006/main" xmlns:r="http://schemas.openxmlformats.org/officeDocument/2006/relationships" xmlns:p="http://schemas.openxmlformats.org/presentationml/2006/main" autoCompressPictures="0">
   <p:sldMasterIdLst>
     <p:sldMasterId id="2147483648" r:id="rId1"/>
   </p:sldMasterIdLst>
   <p:notesMasterIdLst>
-    <p:notesMasterId r:id="rId14"/>
+    <p:notesMasterId r:id="rId4"/>
   </p:notesMasterIdLst>
   <p:sldIdLst>
-    <p:sldId id="257" r:id="rId2"/>
-    <p:sldId id="259" r:id="rId3"/>
-    <p:sldId id="260" r:id="rId4"/>
-    <p:sldId id="261" r:id="rId5"/>
-    <p:sldId id="262" r:id="rId6"/>
-    <p:sldId id="263" r:id="rId7"/>
-    <p:sldId id="264" r:id="rId8"/>
-    <p:sldId id="265" r:id="rId9"/>
-    <p:sldId id="266" r:id="rId10"/>
-    <p:sldId id="267" r:id="rId11"/>
-    <p:sldId id="268" r:id="rId12"/>
-    <p:sldId id="269" r:id="rId13"/>
+    <p:sldId id="257" r:id="rId3"/>
+    <p:sldId id="259" r:id="rId5"/>
+    <p:sldId id="260" r:id="rId6"/>
+    <p:sldId id="261" r:id="rId7"/>
+    <p:sldId id="262" r:id="rId8"/>
+    <p:sldId id="263" r:id="rId9"/>
+    <p:sldId id="264" r:id="rId10"/>
+    <p:sldId id="265" r:id="rId11"/>
+    <p:sldId id="266" r:id="rId12"/>
+    <p:sldId id="267" r:id="rId13"/>
+    <p:sldId id="268" r:id="rId14"/>
+    <p:sldId id="269" r:id="rId15"/>
   </p:sldIdLst>
   <p:sldSz cx="9144000" cy="6858000" type="screen4x3"/>
   <p:notesSz cx="6858000" cy="9144000"/>
@@ -203,8 +203,6 @@
           <a:p>
             <a:fld id="{1BA958DF-2B6F-E74D-80F6-CDC33EE30BEE}" type="datetimeFigureOut">
               <a:rPr kumimoji="1" lang="zh-CN" altLang="en-US" smtClean="0"/>
-              <a:pPr/>
-              <a:t>2016/11/23</a:t>
             </a:fld>
             <a:endParaRPr kumimoji="1" lang="zh-CN" altLang="en-US"/>
           </a:p>
@@ -271,6 +269,7 @@
               <a:rPr kumimoji="1" lang="zh-CN" altLang="en-US" smtClean="0"/>
               <a:t>单击此处编辑母版文本样式</a:t>
             </a:r>
+            <a:endParaRPr kumimoji="1" lang="zh-CN" altLang="en-US" smtClean="0"/>
           </a:p>
           <a:p>
             <a:pPr lvl="1"/>
@@ -278,6 +277,7 @@
               <a:rPr kumimoji="1" lang="zh-CN" altLang="en-US" smtClean="0"/>
               <a:t>二级</a:t>
             </a:r>
+            <a:endParaRPr kumimoji="1" lang="zh-CN" altLang="en-US" smtClean="0"/>
           </a:p>
           <a:p>
             <a:pPr lvl="2"/>
@@ -285,6 +285,7 @@
               <a:rPr kumimoji="1" lang="zh-CN" altLang="en-US" smtClean="0"/>
               <a:t>三级</a:t>
             </a:r>
+            <a:endParaRPr kumimoji="1" lang="zh-CN" altLang="en-US" smtClean="0"/>
           </a:p>
           <a:p>
             <a:pPr lvl="3"/>
@@ -292,6 +293,7 @@
               <a:rPr kumimoji="1" lang="zh-CN" altLang="en-US" smtClean="0"/>
               <a:t>四级</a:t>
             </a:r>
+            <a:endParaRPr kumimoji="1" lang="zh-CN" altLang="en-US" smtClean="0"/>
           </a:p>
           <a:p>
             <a:pPr lvl="4"/>
@@ -363,19 +365,12 @@
           <a:p>
             <a:fld id="{4B587038-AAAD-0C43-B1B7-F302C9BFF3E9}" type="slidenum">
               <a:rPr kumimoji="1" lang="zh-CN" altLang="en-US" smtClean="0"/>
-              <a:pPr/>
-              <a:t>‹#›</a:t>
             </a:fld>
             <a:endParaRPr kumimoji="1" lang="zh-CN" altLang="en-US"/>
           </a:p>
         </p:txBody>
       </p:sp>
     </p:spTree>
-    <p:extLst>
-      <p:ext uri="{BB962C8B-B14F-4D97-AF65-F5344CB8AC3E}">
-        <p14:creationId xmlns="" xmlns:p14="http://schemas.microsoft.com/office/powerpoint/2010/main" val="1628909100"/>
-      </p:ext>
-    </p:extLst>
   </p:cSld>
   <p:clrMap bg1="lt1" tx1="dk1" bg2="lt2" tx2="dk2" accent1="accent1" accent2="accent2" accent3="accent3" accent4="accent4" accent5="accent5" accent6="accent6" hlink="hlink" folHlink="folHlink"/>
   <p:notesStyle>
@@ -538,19 +533,12 @@
           <a:p>
             <a:fld id="{4B587038-AAAD-0C43-B1B7-F302C9BFF3E9}" type="slidenum">
               <a:rPr kumimoji="1" lang="zh-CN" altLang="en-US" smtClean="0"/>
-              <a:pPr/>
-              <a:t>1</a:t>
             </a:fld>
             <a:endParaRPr kumimoji="1" lang="zh-CN" altLang="en-US"/>
           </a:p>
         </p:txBody>
       </p:sp>
     </p:spTree>
-    <p:extLst>
-      <p:ext uri="{BB962C8B-B14F-4D97-AF65-F5344CB8AC3E}">
-        <p14:creationId xmlns="" xmlns:p14="http://schemas.microsoft.com/office/powerpoint/2010/main" val="28382507"/>
-      </p:ext>
-    </p:extLst>
   </p:cSld>
   <p:clrMapOvr>
     <a:masterClrMapping/>
@@ -739,8 +727,6 @@
           <a:p>
             <a:fld id="{837D91E7-E9FB-124C-A248-FAD78853CED4}" type="datetimeFigureOut">
               <a:rPr kumimoji="1" lang="zh-CN" altLang="en-US" smtClean="0"/>
-              <a:pPr/>
-              <a:t>2016/11/23</a:t>
             </a:fld>
             <a:endParaRPr kumimoji="1" lang="zh-CN" altLang="en-US"/>
           </a:p>
@@ -782,25 +768,18 @@
           <a:p>
             <a:fld id="{CA6E317A-7DF3-6745-96FC-DE11D02A6044}" type="slidenum">
               <a:rPr kumimoji="1" lang="zh-CN" altLang="en-US" smtClean="0"/>
-              <a:pPr/>
-              <a:t>‹#›</a:t>
             </a:fld>
             <a:endParaRPr kumimoji="1" lang="zh-CN" altLang="en-US"/>
           </a:p>
         </p:txBody>
       </p:sp>
     </p:spTree>
-    <p:extLst>
-      <p:ext uri="{BB962C8B-B14F-4D97-AF65-F5344CB8AC3E}">
-        <p14:creationId xmlns="" xmlns:p14="http://schemas.microsoft.com/office/powerpoint/2010/main" val="1931573446"/>
-      </p:ext>
-    </p:extLst>
   </p:cSld>
   <p:clrMapOvr>
     <a:masterClrMapping/>
   </p:clrMapOvr>
   <mc:AlternateContent xmlns:mc="http://schemas.openxmlformats.org/markup-compatibility/2006">
-    <mc:Choice xmlns="" xmlns:p14="http://schemas.microsoft.com/office/powerpoint/2010/main" Requires="p14">
+    <mc:Choice xmlns:p14="http://schemas.microsoft.com/office/powerpoint/2010/main" Requires="p14">
       <p:transition spd="med" p14:dur="700">
         <p:fade/>
       </p:transition>
@@ -874,6 +853,7 @@
               <a:rPr kumimoji="1" lang="zh-CN" altLang="en-US" smtClean="0"/>
               <a:t>单击此处编辑母版文本样式</a:t>
             </a:r>
+            <a:endParaRPr kumimoji="1" lang="zh-CN" altLang="en-US" smtClean="0"/>
           </a:p>
           <a:p>
             <a:pPr lvl="1"/>
@@ -881,6 +861,7 @@
               <a:rPr kumimoji="1" lang="zh-CN" altLang="en-US" smtClean="0"/>
               <a:t>二级</a:t>
             </a:r>
+            <a:endParaRPr kumimoji="1" lang="zh-CN" altLang="en-US" smtClean="0"/>
           </a:p>
           <a:p>
             <a:pPr lvl="2"/>
@@ -888,6 +869,7 @@
               <a:rPr kumimoji="1" lang="zh-CN" altLang="en-US" smtClean="0"/>
               <a:t>三级</a:t>
             </a:r>
+            <a:endParaRPr kumimoji="1" lang="zh-CN" altLang="en-US" smtClean="0"/>
           </a:p>
           <a:p>
             <a:pPr lvl="3"/>
@@ -895,6 +877,7 @@
               <a:rPr kumimoji="1" lang="zh-CN" altLang="en-US" smtClean="0"/>
               <a:t>四级</a:t>
             </a:r>
+            <a:endParaRPr kumimoji="1" lang="zh-CN" altLang="en-US" smtClean="0"/>
           </a:p>
           <a:p>
             <a:pPr lvl="4"/>
@@ -923,8 +906,6 @@
           <a:p>
             <a:fld id="{837D91E7-E9FB-124C-A248-FAD78853CED4}" type="datetimeFigureOut">
               <a:rPr kumimoji="1" lang="zh-CN" altLang="en-US" smtClean="0"/>
-              <a:pPr/>
-              <a:t>2016/11/23</a:t>
             </a:fld>
             <a:endParaRPr kumimoji="1" lang="zh-CN" altLang="en-US"/>
           </a:p>
@@ -966,25 +947,18 @@
           <a:p>
             <a:fld id="{CA6E317A-7DF3-6745-96FC-DE11D02A6044}" type="slidenum">
               <a:rPr kumimoji="1" lang="zh-CN" altLang="en-US" smtClean="0"/>
-              <a:pPr/>
-              <a:t>‹#›</a:t>
             </a:fld>
             <a:endParaRPr kumimoji="1" lang="zh-CN" altLang="en-US"/>
           </a:p>
         </p:txBody>
       </p:sp>
     </p:spTree>
-    <p:extLst>
-      <p:ext uri="{BB962C8B-B14F-4D97-AF65-F5344CB8AC3E}">
-        <p14:creationId xmlns="" xmlns:p14="http://schemas.microsoft.com/office/powerpoint/2010/main" val="2480383143"/>
-      </p:ext>
-    </p:extLst>
   </p:cSld>
   <p:clrMapOvr>
     <a:masterClrMapping/>
   </p:clrMapOvr>
   <mc:AlternateContent xmlns:mc="http://schemas.openxmlformats.org/markup-compatibility/2006">
-    <mc:Choice xmlns="" xmlns:p14="http://schemas.microsoft.com/office/powerpoint/2010/main" Requires="p14">
+    <mc:Choice xmlns:p14="http://schemas.microsoft.com/office/powerpoint/2010/main" Requires="p14">
       <p:transition spd="med" p14:dur="700">
         <p:fade/>
       </p:transition>
@@ -1068,6 +1042,7 @@
               <a:rPr kumimoji="1" lang="zh-CN" altLang="en-US" smtClean="0"/>
               <a:t>单击此处编辑母版文本样式</a:t>
             </a:r>
+            <a:endParaRPr kumimoji="1" lang="zh-CN" altLang="en-US" smtClean="0"/>
           </a:p>
           <a:p>
             <a:pPr lvl="1"/>
@@ -1075,6 +1050,7 @@
               <a:rPr kumimoji="1" lang="zh-CN" altLang="en-US" smtClean="0"/>
               <a:t>二级</a:t>
             </a:r>
+            <a:endParaRPr kumimoji="1" lang="zh-CN" altLang="en-US" smtClean="0"/>
           </a:p>
           <a:p>
             <a:pPr lvl="2"/>
@@ -1082,6 +1058,7 @@
               <a:rPr kumimoji="1" lang="zh-CN" altLang="en-US" smtClean="0"/>
               <a:t>三级</a:t>
             </a:r>
+            <a:endParaRPr kumimoji="1" lang="zh-CN" altLang="en-US" smtClean="0"/>
           </a:p>
           <a:p>
             <a:pPr lvl="3"/>
@@ -1089,6 +1066,7 @@
               <a:rPr kumimoji="1" lang="zh-CN" altLang="en-US" smtClean="0"/>
               <a:t>四级</a:t>
             </a:r>
+            <a:endParaRPr kumimoji="1" lang="zh-CN" altLang="en-US" smtClean="0"/>
           </a:p>
           <a:p>
             <a:pPr lvl="4"/>
@@ -1117,8 +1095,6 @@
           <a:p>
             <a:fld id="{837D91E7-E9FB-124C-A248-FAD78853CED4}" type="datetimeFigureOut">
               <a:rPr kumimoji="1" lang="zh-CN" altLang="en-US" smtClean="0"/>
-              <a:pPr/>
-              <a:t>2016/11/23</a:t>
             </a:fld>
             <a:endParaRPr kumimoji="1" lang="zh-CN" altLang="en-US"/>
           </a:p>
@@ -1160,25 +1136,18 @@
           <a:p>
             <a:fld id="{CA6E317A-7DF3-6745-96FC-DE11D02A6044}" type="slidenum">
               <a:rPr kumimoji="1" lang="zh-CN" altLang="en-US" smtClean="0"/>
-              <a:pPr/>
-              <a:t>‹#›</a:t>
             </a:fld>
             <a:endParaRPr kumimoji="1" lang="zh-CN" altLang="en-US"/>
           </a:p>
         </p:txBody>
       </p:sp>
     </p:spTree>
-    <p:extLst>
-      <p:ext uri="{BB962C8B-B14F-4D97-AF65-F5344CB8AC3E}">
-        <p14:creationId xmlns="" xmlns:p14="http://schemas.microsoft.com/office/powerpoint/2010/main" val="2049100602"/>
-      </p:ext>
-    </p:extLst>
   </p:cSld>
   <p:clrMapOvr>
     <a:masterClrMapping/>
   </p:clrMapOvr>
   <mc:AlternateContent xmlns:mc="http://schemas.openxmlformats.org/markup-compatibility/2006">
-    <mc:Choice xmlns="" xmlns:p14="http://schemas.microsoft.com/office/powerpoint/2010/main" Requires="p14">
+    <mc:Choice xmlns:p14="http://schemas.microsoft.com/office/powerpoint/2010/main" Requires="p14">
       <p:transition spd="med" p14:dur="700">
         <p:fade/>
       </p:transition>
@@ -1252,6 +1221,7 @@
               <a:rPr kumimoji="1" lang="zh-CN" altLang="en-US" smtClean="0"/>
               <a:t>单击此处编辑母版文本样式</a:t>
             </a:r>
+            <a:endParaRPr kumimoji="1" lang="zh-CN" altLang="en-US" smtClean="0"/>
           </a:p>
           <a:p>
             <a:pPr lvl="1"/>
@@ -1259,6 +1229,7 @@
               <a:rPr kumimoji="1" lang="zh-CN" altLang="en-US" smtClean="0"/>
               <a:t>二级</a:t>
             </a:r>
+            <a:endParaRPr kumimoji="1" lang="zh-CN" altLang="en-US" smtClean="0"/>
           </a:p>
           <a:p>
             <a:pPr lvl="2"/>
@@ -1266,6 +1237,7 @@
               <a:rPr kumimoji="1" lang="zh-CN" altLang="en-US" smtClean="0"/>
               <a:t>三级</a:t>
             </a:r>
+            <a:endParaRPr kumimoji="1" lang="zh-CN" altLang="en-US" smtClean="0"/>
           </a:p>
           <a:p>
             <a:pPr lvl="3"/>
@@ -1273,6 +1245,7 @@
               <a:rPr kumimoji="1" lang="zh-CN" altLang="en-US" smtClean="0"/>
               <a:t>四级</a:t>
             </a:r>
+            <a:endParaRPr kumimoji="1" lang="zh-CN" altLang="en-US" smtClean="0"/>
           </a:p>
           <a:p>
             <a:pPr lvl="4"/>
@@ -1301,8 +1274,6 @@
           <a:p>
             <a:fld id="{837D91E7-E9FB-124C-A248-FAD78853CED4}" type="datetimeFigureOut">
               <a:rPr kumimoji="1" lang="zh-CN" altLang="en-US" smtClean="0"/>
-              <a:pPr/>
-              <a:t>2016/11/23</a:t>
             </a:fld>
             <a:endParaRPr kumimoji="1" lang="zh-CN" altLang="en-US"/>
           </a:p>
@@ -1344,25 +1315,18 @@
           <a:p>
             <a:fld id="{CA6E317A-7DF3-6745-96FC-DE11D02A6044}" type="slidenum">
               <a:rPr kumimoji="1" lang="zh-CN" altLang="en-US" smtClean="0"/>
-              <a:pPr/>
-              <a:t>‹#›</a:t>
             </a:fld>
             <a:endParaRPr kumimoji="1" lang="zh-CN" altLang="en-US"/>
           </a:p>
         </p:txBody>
       </p:sp>
     </p:spTree>
-    <p:extLst>
-      <p:ext uri="{BB962C8B-B14F-4D97-AF65-F5344CB8AC3E}">
-        <p14:creationId xmlns="" xmlns:p14="http://schemas.microsoft.com/office/powerpoint/2010/main" val="3649271697"/>
-      </p:ext>
-    </p:extLst>
   </p:cSld>
   <p:clrMapOvr>
     <a:masterClrMapping/>
   </p:clrMapOvr>
   <mc:AlternateContent xmlns:mc="http://schemas.openxmlformats.org/markup-compatibility/2006">
-    <mc:Choice xmlns="" xmlns:p14="http://schemas.microsoft.com/office/powerpoint/2010/main" Requires="p14">
+    <mc:Choice xmlns:p14="http://schemas.microsoft.com/office/powerpoint/2010/main" Requires="p14">
       <p:transition spd="med" p14:dur="700">
         <p:fade/>
       </p:transition>
@@ -1541,6 +1505,7 @@
               <a:rPr kumimoji="1" lang="zh-CN" altLang="en-US" smtClean="0"/>
               <a:t>单击此处编辑母版文本样式</a:t>
             </a:r>
+            <a:endParaRPr kumimoji="1" lang="zh-CN" altLang="en-US" smtClean="0"/>
           </a:p>
         </p:txBody>
       </p:sp>
@@ -1561,8 +1526,6 @@
           <a:p>
             <a:fld id="{837D91E7-E9FB-124C-A248-FAD78853CED4}" type="datetimeFigureOut">
               <a:rPr kumimoji="1" lang="zh-CN" altLang="en-US" smtClean="0"/>
-              <a:pPr/>
-              <a:t>2016/11/23</a:t>
             </a:fld>
             <a:endParaRPr kumimoji="1" lang="zh-CN" altLang="en-US"/>
           </a:p>
@@ -1604,25 +1567,18 @@
           <a:p>
             <a:fld id="{CA6E317A-7DF3-6745-96FC-DE11D02A6044}" type="slidenum">
               <a:rPr kumimoji="1" lang="zh-CN" altLang="en-US" smtClean="0"/>
-              <a:pPr/>
-              <a:t>‹#›</a:t>
             </a:fld>
             <a:endParaRPr kumimoji="1" lang="zh-CN" altLang="en-US"/>
           </a:p>
         </p:txBody>
       </p:sp>
     </p:spTree>
-    <p:extLst>
-      <p:ext uri="{BB962C8B-B14F-4D97-AF65-F5344CB8AC3E}">
-        <p14:creationId xmlns="" xmlns:p14="http://schemas.microsoft.com/office/powerpoint/2010/main" val="2936477356"/>
-      </p:ext>
-    </p:extLst>
   </p:cSld>
   <p:clrMapOvr>
     <a:masterClrMapping/>
   </p:clrMapOvr>
   <mc:AlternateContent xmlns:mc="http://schemas.openxmlformats.org/markup-compatibility/2006">
-    <mc:Choice xmlns="" xmlns:p14="http://schemas.microsoft.com/office/powerpoint/2010/main" Requires="p14">
+    <mc:Choice xmlns:p14="http://schemas.microsoft.com/office/powerpoint/2010/main" Requires="p14">
       <p:transition spd="med" p14:dur="700">
         <p:fade/>
       </p:transition>
@@ -1729,6 +1685,7 @@
               <a:rPr kumimoji="1" lang="zh-CN" altLang="en-US" smtClean="0"/>
               <a:t>单击此处编辑母版文本样式</a:t>
             </a:r>
+            <a:endParaRPr kumimoji="1" lang="zh-CN" altLang="en-US" smtClean="0"/>
           </a:p>
           <a:p>
             <a:pPr lvl="1"/>
@@ -1736,6 +1693,7 @@
               <a:rPr kumimoji="1" lang="zh-CN" altLang="en-US" smtClean="0"/>
               <a:t>二级</a:t>
             </a:r>
+            <a:endParaRPr kumimoji="1" lang="zh-CN" altLang="en-US" smtClean="0"/>
           </a:p>
           <a:p>
             <a:pPr lvl="2"/>
@@ -1743,6 +1701,7 @@
               <a:rPr kumimoji="1" lang="zh-CN" altLang="en-US" smtClean="0"/>
               <a:t>三级</a:t>
             </a:r>
+            <a:endParaRPr kumimoji="1" lang="zh-CN" altLang="en-US" smtClean="0"/>
           </a:p>
           <a:p>
             <a:pPr lvl="3"/>
@@ -1750,6 +1709,7 @@
               <a:rPr kumimoji="1" lang="zh-CN" altLang="en-US" smtClean="0"/>
               <a:t>四级</a:t>
             </a:r>
+            <a:endParaRPr kumimoji="1" lang="zh-CN" altLang="en-US" smtClean="0"/>
           </a:p>
           <a:p>
             <a:pPr lvl="4"/>
@@ -1814,6 +1774,7 @@
               <a:rPr kumimoji="1" lang="zh-CN" altLang="en-US" smtClean="0"/>
               <a:t>单击此处编辑母版文本样式</a:t>
             </a:r>
+            <a:endParaRPr kumimoji="1" lang="zh-CN" altLang="en-US" smtClean="0"/>
           </a:p>
           <a:p>
             <a:pPr lvl="1"/>
@@ -1821,6 +1782,7 @@
               <a:rPr kumimoji="1" lang="zh-CN" altLang="en-US" smtClean="0"/>
               <a:t>二级</a:t>
             </a:r>
+            <a:endParaRPr kumimoji="1" lang="zh-CN" altLang="en-US" smtClean="0"/>
           </a:p>
           <a:p>
             <a:pPr lvl="2"/>
@@ -1828,6 +1790,7 @@
               <a:rPr kumimoji="1" lang="zh-CN" altLang="en-US" smtClean="0"/>
               <a:t>三级</a:t>
             </a:r>
+            <a:endParaRPr kumimoji="1" lang="zh-CN" altLang="en-US" smtClean="0"/>
           </a:p>
           <a:p>
             <a:pPr lvl="3"/>
@@ -1835,6 +1798,7 @@
               <a:rPr kumimoji="1" lang="zh-CN" altLang="en-US" smtClean="0"/>
               <a:t>四级</a:t>
             </a:r>
+            <a:endParaRPr kumimoji="1" lang="zh-CN" altLang="en-US" smtClean="0"/>
           </a:p>
           <a:p>
             <a:pPr lvl="4"/>
@@ -1863,8 +1827,6 @@
           <a:p>
             <a:fld id="{837D91E7-E9FB-124C-A248-FAD78853CED4}" type="datetimeFigureOut">
               <a:rPr kumimoji="1" lang="zh-CN" altLang="en-US" smtClean="0"/>
-              <a:pPr/>
-              <a:t>2016/11/23</a:t>
             </a:fld>
             <a:endParaRPr kumimoji="1" lang="zh-CN" altLang="en-US"/>
           </a:p>
@@ -1906,25 +1868,18 @@
           <a:p>
             <a:fld id="{CA6E317A-7DF3-6745-96FC-DE11D02A6044}" type="slidenum">
               <a:rPr kumimoji="1" lang="zh-CN" altLang="en-US" smtClean="0"/>
-              <a:pPr/>
-              <a:t>‹#›</a:t>
             </a:fld>
             <a:endParaRPr kumimoji="1" lang="zh-CN" altLang="en-US"/>
           </a:p>
         </p:txBody>
       </p:sp>
     </p:spTree>
-    <p:extLst>
-      <p:ext uri="{BB962C8B-B14F-4D97-AF65-F5344CB8AC3E}">
-        <p14:creationId xmlns="" xmlns:p14="http://schemas.microsoft.com/office/powerpoint/2010/main" val="1993328247"/>
-      </p:ext>
-    </p:extLst>
   </p:cSld>
   <p:clrMapOvr>
     <a:masterClrMapping/>
   </p:clrMapOvr>
   <mc:AlternateContent xmlns:mc="http://schemas.openxmlformats.org/markup-compatibility/2006">
-    <mc:Choice xmlns="" xmlns:p14="http://schemas.microsoft.com/office/powerpoint/2010/main" Requires="p14">
+    <mc:Choice xmlns:p14="http://schemas.microsoft.com/office/powerpoint/2010/main" Requires="p14">
       <p:transition spd="med" p14:dur="700">
         <p:fade/>
       </p:transition>
@@ -2044,6 +1999,7 @@
               <a:rPr kumimoji="1" lang="zh-CN" altLang="en-US" smtClean="0"/>
               <a:t>单击此处编辑母版文本样式</a:t>
             </a:r>
+            <a:endParaRPr kumimoji="1" lang="zh-CN" altLang="en-US" smtClean="0"/>
           </a:p>
         </p:txBody>
       </p:sp>
@@ -2100,6 +2056,7 @@
               <a:rPr kumimoji="1" lang="zh-CN" altLang="en-US" smtClean="0"/>
               <a:t>单击此处编辑母版文本样式</a:t>
             </a:r>
+            <a:endParaRPr kumimoji="1" lang="zh-CN" altLang="en-US" smtClean="0"/>
           </a:p>
           <a:p>
             <a:pPr lvl="1"/>
@@ -2107,6 +2064,7 @@
               <a:rPr kumimoji="1" lang="zh-CN" altLang="en-US" smtClean="0"/>
               <a:t>二级</a:t>
             </a:r>
+            <a:endParaRPr kumimoji="1" lang="zh-CN" altLang="en-US" smtClean="0"/>
           </a:p>
           <a:p>
             <a:pPr lvl="2"/>
@@ -2114,6 +2072,7 @@
               <a:rPr kumimoji="1" lang="zh-CN" altLang="en-US" smtClean="0"/>
               <a:t>三级</a:t>
             </a:r>
+            <a:endParaRPr kumimoji="1" lang="zh-CN" altLang="en-US" smtClean="0"/>
           </a:p>
           <a:p>
             <a:pPr lvl="3"/>
@@ -2121,6 +2080,7 @@
               <a:rPr kumimoji="1" lang="zh-CN" altLang="en-US" smtClean="0"/>
               <a:t>四级</a:t>
             </a:r>
+            <a:endParaRPr kumimoji="1" lang="zh-CN" altLang="en-US" smtClean="0"/>
           </a:p>
           <a:p>
             <a:pPr lvl="4"/>
@@ -2194,6 +2154,7 @@
               <a:rPr kumimoji="1" lang="zh-CN" altLang="en-US" smtClean="0"/>
               <a:t>单击此处编辑母版文本样式</a:t>
             </a:r>
+            <a:endParaRPr kumimoji="1" lang="zh-CN" altLang="en-US" smtClean="0"/>
           </a:p>
         </p:txBody>
       </p:sp>
@@ -2250,6 +2211,7 @@
               <a:rPr kumimoji="1" lang="zh-CN" altLang="en-US" smtClean="0"/>
               <a:t>单击此处编辑母版文本样式</a:t>
             </a:r>
+            <a:endParaRPr kumimoji="1" lang="zh-CN" altLang="en-US" smtClean="0"/>
           </a:p>
           <a:p>
             <a:pPr lvl="1"/>
@@ -2257,6 +2219,7 @@
               <a:rPr kumimoji="1" lang="zh-CN" altLang="en-US" smtClean="0"/>
               <a:t>二级</a:t>
             </a:r>
+            <a:endParaRPr kumimoji="1" lang="zh-CN" altLang="en-US" smtClean="0"/>
           </a:p>
           <a:p>
             <a:pPr lvl="2"/>
@@ -2264,6 +2227,7 @@
               <a:rPr kumimoji="1" lang="zh-CN" altLang="en-US" smtClean="0"/>
               <a:t>三级</a:t>
             </a:r>
+            <a:endParaRPr kumimoji="1" lang="zh-CN" altLang="en-US" smtClean="0"/>
           </a:p>
           <a:p>
             <a:pPr lvl="3"/>
@@ -2271,6 +2235,7 @@
               <a:rPr kumimoji="1" lang="zh-CN" altLang="en-US" smtClean="0"/>
               <a:t>四级</a:t>
             </a:r>
+            <a:endParaRPr kumimoji="1" lang="zh-CN" altLang="en-US" smtClean="0"/>
           </a:p>
           <a:p>
             <a:pPr lvl="4"/>
@@ -2299,8 +2264,6 @@
           <a:p>
             <a:fld id="{837D91E7-E9FB-124C-A248-FAD78853CED4}" type="datetimeFigureOut">
               <a:rPr kumimoji="1" lang="zh-CN" altLang="en-US" smtClean="0"/>
-              <a:pPr/>
-              <a:t>2016/11/23</a:t>
             </a:fld>
             <a:endParaRPr kumimoji="1" lang="zh-CN" altLang="en-US"/>
           </a:p>
@@ -2342,25 +2305,18 @@
           <a:p>
             <a:fld id="{CA6E317A-7DF3-6745-96FC-DE11D02A6044}" type="slidenum">
               <a:rPr kumimoji="1" lang="zh-CN" altLang="en-US" smtClean="0"/>
-              <a:pPr/>
-              <a:t>‹#›</a:t>
             </a:fld>
             <a:endParaRPr kumimoji="1" lang="zh-CN" altLang="en-US"/>
           </a:p>
         </p:txBody>
       </p:sp>
     </p:spTree>
-    <p:extLst>
-      <p:ext uri="{BB962C8B-B14F-4D97-AF65-F5344CB8AC3E}">
-        <p14:creationId xmlns="" xmlns:p14="http://schemas.microsoft.com/office/powerpoint/2010/main" val="3476570462"/>
-      </p:ext>
-    </p:extLst>
   </p:cSld>
   <p:clrMapOvr>
     <a:masterClrMapping/>
   </p:clrMapOvr>
   <mc:AlternateContent xmlns:mc="http://schemas.openxmlformats.org/markup-compatibility/2006">
-    <mc:Choice xmlns="" xmlns:p14="http://schemas.microsoft.com/office/powerpoint/2010/main" Requires="p14">
+    <mc:Choice xmlns:p14="http://schemas.microsoft.com/office/powerpoint/2010/main" Requires="p14">
       <p:transition spd="med" p14:dur="700">
         <p:fade/>
       </p:transition>
@@ -2431,8 +2387,6 @@
           <a:p>
             <a:fld id="{837D91E7-E9FB-124C-A248-FAD78853CED4}" type="datetimeFigureOut">
               <a:rPr kumimoji="1" lang="zh-CN" altLang="en-US" smtClean="0"/>
-              <a:pPr/>
-              <a:t>2016/11/23</a:t>
             </a:fld>
             <a:endParaRPr kumimoji="1" lang="zh-CN" altLang="en-US"/>
           </a:p>
@@ -2474,25 +2428,18 @@
           <a:p>
             <a:fld id="{CA6E317A-7DF3-6745-96FC-DE11D02A6044}" type="slidenum">
               <a:rPr kumimoji="1" lang="zh-CN" altLang="en-US" smtClean="0"/>
-              <a:pPr/>
-              <a:t>‹#›</a:t>
             </a:fld>
             <a:endParaRPr kumimoji="1" lang="zh-CN" altLang="en-US"/>
           </a:p>
         </p:txBody>
       </p:sp>
     </p:spTree>
-    <p:extLst>
-      <p:ext uri="{BB962C8B-B14F-4D97-AF65-F5344CB8AC3E}">
-        <p14:creationId xmlns="" xmlns:p14="http://schemas.microsoft.com/office/powerpoint/2010/main" val="4269493854"/>
-      </p:ext>
-    </p:extLst>
   </p:cSld>
   <p:clrMapOvr>
     <a:masterClrMapping/>
   </p:clrMapOvr>
   <mc:AlternateContent xmlns:mc="http://schemas.openxmlformats.org/markup-compatibility/2006">
-    <mc:Choice xmlns="" xmlns:p14="http://schemas.microsoft.com/office/powerpoint/2010/main" Requires="p14">
+    <mc:Choice xmlns:p14="http://schemas.microsoft.com/office/powerpoint/2010/main" Requires="p14">
       <p:transition spd="med" p14:dur="700">
         <p:fade/>
       </p:transition>
@@ -2540,8 +2487,6 @@
           <a:p>
             <a:fld id="{837D91E7-E9FB-124C-A248-FAD78853CED4}" type="datetimeFigureOut">
               <a:rPr kumimoji="1" lang="zh-CN" altLang="en-US" smtClean="0"/>
-              <a:pPr/>
-              <a:t>2016/11/23</a:t>
             </a:fld>
             <a:endParaRPr kumimoji="1" lang="zh-CN" altLang="en-US"/>
           </a:p>
@@ -2583,25 +2528,18 @@
           <a:p>
             <a:fld id="{CA6E317A-7DF3-6745-96FC-DE11D02A6044}" type="slidenum">
               <a:rPr kumimoji="1" lang="zh-CN" altLang="en-US" smtClean="0"/>
-              <a:pPr/>
-              <a:t>‹#›</a:t>
             </a:fld>
             <a:endParaRPr kumimoji="1" lang="zh-CN" altLang="en-US"/>
           </a:p>
         </p:txBody>
       </p:sp>
     </p:spTree>
-    <p:extLst>
-      <p:ext uri="{BB962C8B-B14F-4D97-AF65-F5344CB8AC3E}">
-        <p14:creationId xmlns="" xmlns:p14="http://schemas.microsoft.com/office/powerpoint/2010/main" val="775111121"/>
-      </p:ext>
-    </p:extLst>
   </p:cSld>
   <p:clrMapOvr>
     <a:masterClrMapping/>
   </p:clrMapOvr>
   <mc:AlternateContent xmlns:mc="http://schemas.openxmlformats.org/markup-compatibility/2006">
-    <mc:Choice xmlns="" xmlns:p14="http://schemas.microsoft.com/office/powerpoint/2010/main" Requires="p14">
+    <mc:Choice xmlns:p14="http://schemas.microsoft.com/office/powerpoint/2010/main" Requires="p14">
       <p:transition spd="med" p14:dur="700">
         <p:fade/>
       </p:transition>
@@ -2717,6 +2655,7 @@
               <a:rPr kumimoji="1" lang="zh-CN" altLang="en-US" smtClean="0"/>
               <a:t>单击此处编辑母版文本样式</a:t>
             </a:r>
+            <a:endParaRPr kumimoji="1" lang="zh-CN" altLang="en-US" smtClean="0"/>
           </a:p>
           <a:p>
             <a:pPr lvl="1"/>
@@ -2724,6 +2663,7 @@
               <a:rPr kumimoji="1" lang="zh-CN" altLang="en-US" smtClean="0"/>
               <a:t>二级</a:t>
             </a:r>
+            <a:endParaRPr kumimoji="1" lang="zh-CN" altLang="en-US" smtClean="0"/>
           </a:p>
           <a:p>
             <a:pPr lvl="2"/>
@@ -2731,6 +2671,7 @@
               <a:rPr kumimoji="1" lang="zh-CN" altLang="en-US" smtClean="0"/>
               <a:t>三级</a:t>
             </a:r>
+            <a:endParaRPr kumimoji="1" lang="zh-CN" altLang="en-US" smtClean="0"/>
           </a:p>
           <a:p>
             <a:pPr lvl="3"/>
@@ -2738,6 +2679,7 @@
               <a:rPr kumimoji="1" lang="zh-CN" altLang="en-US" smtClean="0"/>
               <a:t>四级</a:t>
             </a:r>
+            <a:endParaRPr kumimoji="1" lang="zh-CN" altLang="en-US" smtClean="0"/>
           </a:p>
           <a:p>
             <a:pPr lvl="4"/>
@@ -2811,6 +2753,7 @@
               <a:rPr kumimoji="1" lang="zh-CN" altLang="en-US" smtClean="0"/>
               <a:t>单击此处编辑母版文本样式</a:t>
             </a:r>
+            <a:endParaRPr kumimoji="1" lang="zh-CN" altLang="en-US" smtClean="0"/>
           </a:p>
         </p:txBody>
       </p:sp>
@@ -2831,8 +2774,6 @@
           <a:p>
             <a:fld id="{837D91E7-E9FB-124C-A248-FAD78853CED4}" type="datetimeFigureOut">
               <a:rPr kumimoji="1" lang="zh-CN" altLang="en-US" smtClean="0"/>
-              <a:pPr/>
-              <a:t>2016/11/23</a:t>
             </a:fld>
             <a:endParaRPr kumimoji="1" lang="zh-CN" altLang="en-US"/>
           </a:p>
@@ -2874,25 +2815,18 @@
           <a:p>
             <a:fld id="{CA6E317A-7DF3-6745-96FC-DE11D02A6044}" type="slidenum">
               <a:rPr kumimoji="1" lang="zh-CN" altLang="en-US" smtClean="0"/>
-              <a:pPr/>
-              <a:t>‹#›</a:t>
             </a:fld>
             <a:endParaRPr kumimoji="1" lang="zh-CN" altLang="en-US"/>
           </a:p>
         </p:txBody>
       </p:sp>
     </p:spTree>
-    <p:extLst>
-      <p:ext uri="{BB962C8B-B14F-4D97-AF65-F5344CB8AC3E}">
-        <p14:creationId xmlns="" xmlns:p14="http://schemas.microsoft.com/office/powerpoint/2010/main" val="3992239273"/>
-      </p:ext>
-    </p:extLst>
   </p:cSld>
   <p:clrMapOvr>
     <a:masterClrMapping/>
   </p:clrMapOvr>
   <mc:AlternateContent xmlns:mc="http://schemas.openxmlformats.org/markup-compatibility/2006">
-    <mc:Choice xmlns="" xmlns:p14="http://schemas.microsoft.com/office/powerpoint/2010/main" Requires="p14">
+    <mc:Choice xmlns:p14="http://schemas.microsoft.com/office/powerpoint/2010/main" Requires="p14">
       <p:transition spd="med" p14:dur="700">
         <p:fade/>
       </p:transition>
@@ -3078,6 +3012,7 @@
               <a:rPr kumimoji="1" lang="zh-CN" altLang="en-US" smtClean="0"/>
               <a:t>单击此处编辑母版文本样式</a:t>
             </a:r>
+            <a:endParaRPr kumimoji="1" lang="zh-CN" altLang="en-US" smtClean="0"/>
           </a:p>
         </p:txBody>
       </p:sp>
@@ -3098,8 +3033,6 @@
           <a:p>
             <a:fld id="{837D91E7-E9FB-124C-A248-FAD78853CED4}" type="datetimeFigureOut">
               <a:rPr kumimoji="1" lang="zh-CN" altLang="en-US" smtClean="0"/>
-              <a:pPr/>
-              <a:t>2016/11/23</a:t>
             </a:fld>
             <a:endParaRPr kumimoji="1" lang="zh-CN" altLang="en-US"/>
           </a:p>
@@ -3141,25 +3074,18 @@
           <a:p>
             <a:fld id="{CA6E317A-7DF3-6745-96FC-DE11D02A6044}" type="slidenum">
               <a:rPr kumimoji="1" lang="zh-CN" altLang="en-US" smtClean="0"/>
-              <a:pPr/>
-              <a:t>‹#›</a:t>
             </a:fld>
             <a:endParaRPr kumimoji="1" lang="zh-CN" altLang="en-US"/>
           </a:p>
         </p:txBody>
       </p:sp>
     </p:spTree>
-    <p:extLst>
-      <p:ext uri="{BB962C8B-B14F-4D97-AF65-F5344CB8AC3E}">
-        <p14:creationId xmlns="" xmlns:p14="http://schemas.microsoft.com/office/powerpoint/2010/main" val="2932404777"/>
-      </p:ext>
-    </p:extLst>
   </p:cSld>
   <p:clrMapOvr>
     <a:masterClrMapping/>
   </p:clrMapOvr>
   <mc:AlternateContent xmlns:mc="http://schemas.openxmlformats.org/markup-compatibility/2006">
-    <mc:Choice xmlns="" xmlns:p14="http://schemas.microsoft.com/office/powerpoint/2010/main" Requires="p14">
+    <mc:Choice xmlns:p14="http://schemas.microsoft.com/office/powerpoint/2010/main" Requires="p14">
       <p:transition spd="med" p14:dur="700">
         <p:fade/>
       </p:transition>
@@ -3258,6 +3184,7 @@
               <a:rPr kumimoji="1" lang="zh-CN" altLang="en-US" smtClean="0"/>
               <a:t>单击此处编辑母版文本样式</a:t>
             </a:r>
+            <a:endParaRPr kumimoji="1" lang="zh-CN" altLang="en-US" smtClean="0"/>
           </a:p>
           <a:p>
             <a:pPr lvl="1"/>
@@ -3265,6 +3192,7 @@
               <a:rPr kumimoji="1" lang="zh-CN" altLang="en-US" smtClean="0"/>
               <a:t>二级</a:t>
             </a:r>
+            <a:endParaRPr kumimoji="1" lang="zh-CN" altLang="en-US" smtClean="0"/>
           </a:p>
           <a:p>
             <a:pPr lvl="2"/>
@@ -3272,6 +3200,7 @@
               <a:rPr kumimoji="1" lang="zh-CN" altLang="en-US" smtClean="0"/>
               <a:t>三级</a:t>
             </a:r>
+            <a:endParaRPr kumimoji="1" lang="zh-CN" altLang="en-US" smtClean="0"/>
           </a:p>
           <a:p>
             <a:pPr lvl="3"/>
@@ -3279,6 +3208,7 @@
               <a:rPr kumimoji="1" lang="zh-CN" altLang="en-US" smtClean="0"/>
               <a:t>四级</a:t>
             </a:r>
+            <a:endParaRPr kumimoji="1" lang="zh-CN" altLang="en-US" smtClean="0"/>
           </a:p>
           <a:p>
             <a:pPr lvl="4"/>
@@ -3325,8 +3255,6 @@
           <a:p>
             <a:fld id="{837D91E7-E9FB-124C-A248-FAD78853CED4}" type="datetimeFigureOut">
               <a:rPr kumimoji="1" lang="zh-CN" altLang="en-US" smtClean="0"/>
-              <a:pPr/>
-              <a:t>2016/11/23</a:t>
             </a:fld>
             <a:endParaRPr kumimoji="1" lang="zh-CN" altLang="en-US"/>
           </a:p>
@@ -3404,19 +3332,12 @@
           <a:p>
             <a:fld id="{CA6E317A-7DF3-6745-96FC-DE11D02A6044}" type="slidenum">
               <a:rPr kumimoji="1" lang="zh-CN" altLang="en-US" smtClean="0"/>
-              <a:pPr/>
-              <a:t>‹#›</a:t>
             </a:fld>
             <a:endParaRPr kumimoji="1" lang="zh-CN" altLang="en-US"/>
           </a:p>
         </p:txBody>
       </p:sp>
     </p:spTree>
-    <p:extLst>
-      <p:ext uri="{BB962C8B-B14F-4D97-AF65-F5344CB8AC3E}">
-        <p14:creationId xmlns="" xmlns:p14="http://schemas.microsoft.com/office/powerpoint/2010/main" val="1976428673"/>
-      </p:ext>
-    </p:extLst>
   </p:cSld>
   <p:clrMap bg1="lt1" tx1="dk1" bg2="lt2" tx2="dk2" accent1="accent1" accent2="accent2" accent3="accent3" accent4="accent4" accent5="accent5" accent6="accent6" hlink="hlink" folHlink="folHlink"/>
   <p:sldLayoutIdLst>
@@ -3433,7 +3354,7 @@
     <p:sldLayoutId id="2147483659" r:id="rId11"/>
   </p:sldLayoutIdLst>
   <mc:AlternateContent xmlns:mc="http://schemas.openxmlformats.org/markup-compatibility/2006">
-    <mc:Choice xmlns="" xmlns:p14="http://schemas.microsoft.com/office/powerpoint/2010/main" Requires="p14">
+    <mc:Choice xmlns:p14="http://schemas.microsoft.com/office/powerpoint/2010/main" Requires="p14">
       <p:transition spd="med" p14:dur="700">
         <p:fade/>
       </p:transition>
@@ -3466,7 +3387,7 @@
         <a:spcBef>
           <a:spcPct val="20000"/>
         </a:spcBef>
-        <a:buFont typeface="Arial"/>
+        <a:buFont typeface="Arial" panose="020B0604020202020204"/>
         <a:buChar char="•"/>
         <a:defRPr sz="3200" kern="1200">
           <a:solidFill>
@@ -3481,7 +3402,7 @@
         <a:spcBef>
           <a:spcPct val="20000"/>
         </a:spcBef>
-        <a:buFont typeface="Arial"/>
+        <a:buFont typeface="Arial" panose="020B0604020202020204"/>
         <a:buChar char="–"/>
         <a:defRPr sz="2800" kern="1200">
           <a:solidFill>
@@ -3496,7 +3417,7 @@
         <a:spcBef>
           <a:spcPct val="20000"/>
         </a:spcBef>
-        <a:buFont typeface="Arial"/>
+        <a:buFont typeface="Arial" panose="020B0604020202020204"/>
         <a:buChar char="•"/>
         <a:defRPr sz="2400" kern="1200">
           <a:solidFill>
@@ -3511,7 +3432,7 @@
         <a:spcBef>
           <a:spcPct val="20000"/>
         </a:spcBef>
-        <a:buFont typeface="Arial"/>
+        <a:buFont typeface="Arial" panose="020B0604020202020204"/>
         <a:buChar char="–"/>
         <a:defRPr sz="2000" kern="1200">
           <a:solidFill>
@@ -3526,7 +3447,7 @@
         <a:spcBef>
           <a:spcPct val="20000"/>
         </a:spcBef>
-        <a:buFont typeface="Arial"/>
+        <a:buFont typeface="Arial" panose="020B0604020202020204"/>
         <a:buChar char="»"/>
         <a:defRPr sz="2000" kern="1200">
           <a:solidFill>
@@ -3541,7 +3462,7 @@
         <a:spcBef>
           <a:spcPct val="20000"/>
         </a:spcBef>
-        <a:buFont typeface="Arial"/>
+        <a:buFont typeface="Arial" panose="020B0604020202020204"/>
         <a:buChar char="•"/>
         <a:defRPr sz="2000" kern="1200">
           <a:solidFill>
@@ -3556,7 +3477,7 @@
         <a:spcBef>
           <a:spcPct val="20000"/>
         </a:spcBef>
-        <a:buFont typeface="Arial"/>
+        <a:buFont typeface="Arial" panose="020B0604020202020204"/>
         <a:buChar char="•"/>
         <a:defRPr sz="2000" kern="1200">
           <a:solidFill>
@@ -3571,7 +3492,7 @@
         <a:spcBef>
           <a:spcPct val="20000"/>
         </a:spcBef>
-        <a:buFont typeface="Arial"/>
+        <a:buFont typeface="Arial" panose="020B0604020202020204"/>
         <a:buChar char="•"/>
         <a:defRPr sz="2000" kern="1200">
           <a:solidFill>
@@ -3586,7 +3507,7 @@
         <a:spcBef>
           <a:spcPct val="20000"/>
         </a:spcBef>
-        <a:buFont typeface="Arial"/>
+        <a:buFont typeface="Arial" panose="020B0604020202020204"/>
         <a:buChar char="•"/>
         <a:defRPr sz="2000" kern="1200">
           <a:solidFill>
@@ -3736,9 +3657,9 @@
                 <a:solidFill>
                   <a:srgbClr val="FF0000"/>
                 </a:solidFill>
-                <a:latin typeface="微软雅黑" pitchFamily="34" charset="-122"/>
-                <a:ea typeface="微软雅黑" pitchFamily="34" charset="-122"/>
-                <a:cs typeface="Adobe 楷体 Std R"/>
+                <a:latin typeface="微软雅黑" panose="020B0503020204020204" pitchFamily="34" charset="-122"/>
+                <a:ea typeface="微软雅黑" panose="020B0503020204020204" pitchFamily="34" charset="-122"/>
+                <a:cs typeface="Adobe 楷体 Std R" panose="02020400000000000000" charset="-122"/>
               </a:rPr>
               <a:t>CSS3</a:t>
             </a:r>
@@ -3747,9 +3668,9 @@
                 <a:solidFill>
                   <a:srgbClr val="FF0000"/>
                 </a:solidFill>
-                <a:latin typeface="微软雅黑" pitchFamily="34" charset="-122"/>
-                <a:ea typeface="微软雅黑" pitchFamily="34" charset="-122"/>
-                <a:cs typeface="Adobe 楷体 Std R"/>
+                <a:latin typeface="微软雅黑" panose="020B0503020204020204" pitchFamily="34" charset="-122"/>
+                <a:ea typeface="微软雅黑" panose="020B0503020204020204" pitchFamily="34" charset="-122"/>
+                <a:cs typeface="Adobe 楷体 Std R" panose="02020400000000000000" charset="-122"/>
               </a:rPr>
               <a:t>选择器</a:t>
             </a:r>
@@ -3757,9 +3678,9 @@
               <a:solidFill>
                 <a:srgbClr val="FF0000"/>
               </a:solidFill>
-              <a:latin typeface="微软雅黑" pitchFamily="34" charset="-122"/>
-              <a:ea typeface="微软雅黑" pitchFamily="34" charset="-122"/>
-              <a:cs typeface="Adobe 楷体 Std R"/>
+              <a:latin typeface="微软雅黑" panose="020B0503020204020204" pitchFamily="34" charset="-122"/>
+              <a:ea typeface="微软雅黑" panose="020B0503020204020204" pitchFamily="34" charset="-122"/>
+              <a:cs typeface="Adobe 楷体 Std R" panose="02020400000000000000" charset="-122"/>
             </a:endParaRPr>
           </a:p>
         </p:txBody>
@@ -3796,9 +3717,9 @@
                 <a:solidFill>
                   <a:srgbClr val="FF0000"/>
                 </a:solidFill>
-                <a:latin typeface="微软雅黑" pitchFamily="34" charset="-122"/>
-                <a:ea typeface="微软雅黑" pitchFamily="34" charset="-122"/>
-                <a:cs typeface="Adobe 楷体 Std R"/>
+                <a:latin typeface="微软雅黑" panose="020B0503020204020204" pitchFamily="34" charset="-122"/>
+                <a:ea typeface="微软雅黑" panose="020B0503020204020204" pitchFamily="34" charset="-122"/>
+                <a:cs typeface="Adobe 楷体 Std R" panose="02020400000000000000" charset="-122"/>
               </a:rPr>
               <a:t> 结构选择器</a:t>
             </a:r>
@@ -3806,9 +3727,9 @@
               <a:solidFill>
                 <a:srgbClr val="FF0000"/>
               </a:solidFill>
-              <a:latin typeface="微软雅黑" pitchFamily="34" charset="-122"/>
-              <a:ea typeface="微软雅黑" pitchFamily="34" charset="-122"/>
-              <a:cs typeface="Adobe 楷体 Std R"/>
+              <a:latin typeface="微软雅黑" panose="020B0503020204020204" pitchFamily="34" charset="-122"/>
+              <a:ea typeface="微软雅黑" panose="020B0503020204020204" pitchFamily="34" charset="-122"/>
+              <a:cs typeface="Adobe 楷体 Std R" panose="02020400000000000000" charset="-122"/>
             </a:endParaRPr>
           </a:p>
           <a:p>
@@ -3820,40 +3741,40 @@
             </a:pPr>
             <a:r>
               <a:rPr kumimoji="1" lang="en-US" altLang="zh-CN" sz="2400" dirty="0" smtClean="0">
-                <a:latin typeface="微软雅黑" pitchFamily="34" charset="-122"/>
-                <a:ea typeface="微软雅黑" pitchFamily="34" charset="-122"/>
-                <a:cs typeface="Adobe 楷体 Std R"/>
+                <a:latin typeface="微软雅黑" panose="020B0503020204020204" pitchFamily="34" charset="-122"/>
+                <a:ea typeface="微软雅黑" panose="020B0503020204020204" pitchFamily="34" charset="-122"/>
+                <a:cs typeface="Adobe 楷体 Std R" panose="02020400000000000000" charset="-122"/>
               </a:rPr>
               <a:t>:nth-child(n) </a:t>
             </a:r>
             <a:r>
               <a:rPr kumimoji="1" lang="zh-CN" altLang="en-US" sz="2400" dirty="0" smtClean="0">
-                <a:latin typeface="微软雅黑" pitchFamily="34" charset="-122"/>
-                <a:ea typeface="微软雅黑" pitchFamily="34" charset="-122"/>
-                <a:cs typeface="Adobe 楷体 Std R"/>
+                <a:latin typeface="微软雅黑" panose="020B0503020204020204" pitchFamily="34" charset="-122"/>
+                <a:ea typeface="微软雅黑" panose="020B0503020204020204" pitchFamily="34" charset="-122"/>
+                <a:cs typeface="Adobe 楷体 Std R" panose="02020400000000000000" charset="-122"/>
               </a:rPr>
               <a:t>第几个元素 从</a:t>
             </a:r>
             <a:r>
               <a:rPr kumimoji="1" lang="en-US" altLang="zh-CN" sz="2400" dirty="0" smtClean="0">
-                <a:latin typeface="微软雅黑" pitchFamily="34" charset="-122"/>
-                <a:ea typeface="微软雅黑" pitchFamily="34" charset="-122"/>
-                <a:cs typeface="Adobe 楷体 Std R"/>
+                <a:latin typeface="微软雅黑" panose="020B0503020204020204" pitchFamily="34" charset="-122"/>
+                <a:ea typeface="微软雅黑" panose="020B0503020204020204" pitchFamily="34" charset="-122"/>
+                <a:cs typeface="Adobe 楷体 Std R" panose="02020400000000000000" charset="-122"/>
               </a:rPr>
               <a:t>1</a:t>
             </a:r>
             <a:r>
               <a:rPr kumimoji="1" lang="zh-CN" altLang="en-US" sz="2400" dirty="0" smtClean="0">
-                <a:latin typeface="微软雅黑" pitchFamily="34" charset="-122"/>
-                <a:ea typeface="微软雅黑" pitchFamily="34" charset="-122"/>
-                <a:cs typeface="Adobe 楷体 Std R"/>
+                <a:latin typeface="微软雅黑" panose="020B0503020204020204" pitchFamily="34" charset="-122"/>
+                <a:ea typeface="微软雅黑" panose="020B0503020204020204" pitchFamily="34" charset="-122"/>
+                <a:cs typeface="Adobe 楷体 Std R" panose="02020400000000000000" charset="-122"/>
               </a:rPr>
               <a:t>开始设置</a:t>
             </a:r>
             <a:endParaRPr kumimoji="1" lang="en-US" altLang="zh-CN" sz="2400" dirty="0" smtClean="0">
-              <a:latin typeface="微软雅黑" pitchFamily="34" charset="-122"/>
-              <a:ea typeface="微软雅黑" pitchFamily="34" charset="-122"/>
-              <a:cs typeface="Adobe 楷体 Std R"/>
+              <a:latin typeface="微软雅黑" panose="020B0503020204020204" pitchFamily="34" charset="-122"/>
+              <a:ea typeface="微软雅黑" panose="020B0503020204020204" pitchFamily="34" charset="-122"/>
+              <a:cs typeface="Adobe 楷体 Std R" panose="02020400000000000000" charset="-122"/>
             </a:endParaRPr>
           </a:p>
           <a:p>
@@ -3865,56 +3786,40 @@
             </a:pPr>
             <a:r>
               <a:rPr kumimoji="1" lang="en-US" altLang="zh-CN" sz="2400" dirty="0" smtClean="0">
-                <a:latin typeface="微软雅黑" pitchFamily="34" charset="-122"/>
-                <a:ea typeface="微软雅黑" pitchFamily="34" charset="-122"/>
-                <a:cs typeface="Adobe 楷体 Std R"/>
+                <a:latin typeface="微软雅黑" panose="020B0503020204020204" pitchFamily="34" charset="-122"/>
+                <a:ea typeface="微软雅黑" panose="020B0503020204020204" pitchFamily="34" charset="-122"/>
+                <a:cs typeface="Adobe 楷体 Std R" panose="02020400000000000000" charset="-122"/>
               </a:rPr>
               <a:t>:nth-child(2n) </a:t>
             </a:r>
             <a:r>
               <a:rPr kumimoji="1" lang="zh-CN" altLang="en-US" sz="2400" dirty="0" smtClean="0">
-                <a:latin typeface="微软雅黑" pitchFamily="34" charset="-122"/>
-                <a:ea typeface="微软雅黑" pitchFamily="34" charset="-122"/>
-                <a:cs typeface="Adobe 楷体 Std R"/>
-              </a:rPr>
-              <a:t>偶数元</a:t>
+                <a:latin typeface="微软雅黑" panose="020B0503020204020204" pitchFamily="34" charset="-122"/>
+                <a:ea typeface="微软雅黑" panose="020B0503020204020204" pitchFamily="34" charset="-122"/>
+                <a:cs typeface="Adobe 楷体 Std R" panose="02020400000000000000" charset="-122"/>
+              </a:rPr>
+              <a:t>偶数元素 从</a:t>
+            </a:r>
+            <a:r>
+              <a:rPr kumimoji="1" lang="en-US" altLang="zh-CN" sz="2400" dirty="0" smtClean="0">
+                <a:latin typeface="微软雅黑" panose="020B0503020204020204" pitchFamily="34" charset="-122"/>
+                <a:ea typeface="微软雅黑" panose="020B0503020204020204" pitchFamily="34" charset="-122"/>
+                <a:cs typeface="Adobe 楷体 Std R" panose="02020400000000000000" charset="-122"/>
+              </a:rPr>
+              <a:t>0</a:t>
             </a:r>
             <a:r>
               <a:rPr kumimoji="1" lang="zh-CN" altLang="en-US" sz="2400" dirty="0" smtClean="0">
-                <a:latin typeface="微软雅黑" pitchFamily="34" charset="-122"/>
-                <a:ea typeface="微软雅黑" pitchFamily="34" charset="-122"/>
-                <a:cs typeface="Adobe 楷体 Std R"/>
-              </a:rPr>
-              <a:t>素 </a:t>
-            </a:r>
-            <a:r>
-              <a:rPr kumimoji="1" lang="zh-CN" altLang="en-US" sz="2400" dirty="0" smtClean="0">
-                <a:latin typeface="微软雅黑" pitchFamily="34" charset="-122"/>
-                <a:ea typeface="微软雅黑" pitchFamily="34" charset="-122"/>
-                <a:cs typeface="Adobe 楷体 Std R"/>
-              </a:rPr>
-              <a:t>从</a:t>
-            </a:r>
-            <a:r>
-              <a:rPr kumimoji="1" lang="en-US" altLang="zh-CN" sz="2400" dirty="0" smtClean="0">
-                <a:latin typeface="微软雅黑" pitchFamily="34" charset="-122"/>
-                <a:ea typeface="微软雅黑" pitchFamily="34" charset="-122"/>
-                <a:cs typeface="Adobe 楷体 Std R"/>
-              </a:rPr>
-              <a:t>0</a:t>
-            </a:r>
-            <a:r>
-              <a:rPr kumimoji="1" lang="zh-CN" altLang="en-US" sz="2400" dirty="0" smtClean="0">
-                <a:latin typeface="微软雅黑" pitchFamily="34" charset="-122"/>
-                <a:ea typeface="微软雅黑" pitchFamily="34" charset="-122"/>
-                <a:cs typeface="Adobe 楷体 Std R"/>
+                <a:latin typeface="微软雅黑" panose="020B0503020204020204" pitchFamily="34" charset="-122"/>
+                <a:ea typeface="微软雅黑" panose="020B0503020204020204" pitchFamily="34" charset="-122"/>
+                <a:cs typeface="Adobe 楷体 Std R" panose="02020400000000000000" charset="-122"/>
               </a:rPr>
               <a:t>开始设置</a:t>
             </a:r>
             <a:endParaRPr kumimoji="1" lang="en-US" altLang="zh-CN" sz="2400" dirty="0" smtClean="0">
-              <a:latin typeface="微软雅黑" pitchFamily="34" charset="-122"/>
-              <a:ea typeface="微软雅黑" pitchFamily="34" charset="-122"/>
-              <a:cs typeface="Adobe 楷体 Std R"/>
+              <a:latin typeface="微软雅黑" panose="020B0503020204020204" pitchFamily="34" charset="-122"/>
+              <a:ea typeface="微软雅黑" panose="020B0503020204020204" pitchFamily="34" charset="-122"/>
+              <a:cs typeface="Adobe 楷体 Std R" panose="02020400000000000000" charset="-122"/>
             </a:endParaRPr>
           </a:p>
           <a:p>
@@ -3926,24 +3831,24 @@
             </a:pPr>
             <a:r>
               <a:rPr kumimoji="1" lang="en-US" altLang="zh-CN" sz="2400" dirty="0" smtClean="0">
-                <a:latin typeface="微软雅黑" pitchFamily="34" charset="-122"/>
-                <a:ea typeface="微软雅黑" pitchFamily="34" charset="-122"/>
-                <a:cs typeface="Adobe 楷体 Std R"/>
+                <a:latin typeface="微软雅黑" panose="020B0503020204020204" pitchFamily="34" charset="-122"/>
+                <a:ea typeface="微软雅黑" panose="020B0503020204020204" pitchFamily="34" charset="-122"/>
+                <a:cs typeface="Adobe 楷体 Std R" panose="02020400000000000000" charset="-122"/>
               </a:rPr>
               <a:t>:nth-child(2n+1) </a:t>
             </a:r>
             <a:r>
               <a:rPr kumimoji="1" lang="zh-CN" altLang="en-US" sz="2400" dirty="0" smtClean="0">
-                <a:latin typeface="微软雅黑" pitchFamily="34" charset="-122"/>
-                <a:ea typeface="微软雅黑" pitchFamily="34" charset="-122"/>
-                <a:cs typeface="Adobe 楷体 Std R"/>
+                <a:latin typeface="微软雅黑" panose="020B0503020204020204" pitchFamily="34" charset="-122"/>
+                <a:ea typeface="微软雅黑" panose="020B0503020204020204" pitchFamily="34" charset="-122"/>
+                <a:cs typeface="Adobe 楷体 Std R" panose="02020400000000000000" charset="-122"/>
               </a:rPr>
               <a:t>奇数元素</a:t>
             </a:r>
             <a:endParaRPr kumimoji="1" lang="en-US" altLang="zh-CN" sz="2400" dirty="0" smtClean="0">
-              <a:latin typeface="微软雅黑" pitchFamily="34" charset="-122"/>
-              <a:ea typeface="微软雅黑" pitchFamily="34" charset="-122"/>
-              <a:cs typeface="Adobe 楷体 Std R"/>
+              <a:latin typeface="微软雅黑" panose="020B0503020204020204" pitchFamily="34" charset="-122"/>
+              <a:ea typeface="微软雅黑" panose="020B0503020204020204" pitchFamily="34" charset="-122"/>
+              <a:cs typeface="Adobe 楷体 Std R" panose="02020400000000000000" charset="-122"/>
             </a:endParaRPr>
           </a:p>
           <a:p>
@@ -3955,12 +3860,17 @@
             </a:pPr>
             <a:r>
               <a:rPr kumimoji="1" lang="en-US" altLang="zh-CN" sz="2400" dirty="0" smtClean="0">
-                <a:latin typeface="微软雅黑" pitchFamily="34" charset="-122"/>
-                <a:ea typeface="微软雅黑" pitchFamily="34" charset="-122"/>
-                <a:cs typeface="Adobe 楷体 Std R"/>
+                <a:latin typeface="微软雅黑" panose="020B0503020204020204" pitchFamily="34" charset="-122"/>
+                <a:ea typeface="微软雅黑" panose="020B0503020204020204" pitchFamily="34" charset="-122"/>
+                <a:cs typeface="Adobe 楷体 Std R" panose="02020400000000000000" charset="-122"/>
               </a:rPr>
               <a:t>:nth-of-type(n)  </a:t>
             </a:r>
+            <a:endParaRPr kumimoji="1" lang="en-US" altLang="zh-CN" sz="2400" dirty="0" smtClean="0">
+              <a:latin typeface="微软雅黑" panose="020B0503020204020204" pitchFamily="34" charset="-122"/>
+              <a:ea typeface="微软雅黑" panose="020B0503020204020204" pitchFamily="34" charset="-122"/>
+              <a:cs typeface="Adobe 楷体 Std R" panose="02020400000000000000" charset="-122"/>
+            </a:endParaRPr>
           </a:p>
           <a:p>
             <a:pPr marL="0" indent="0">
@@ -3971,20 +3881,17 @@
             </a:pPr>
             <a:r>
               <a:rPr kumimoji="1" lang="en-US" altLang="zh-CN" sz="2400" dirty="0" smtClean="0">
-                <a:latin typeface="微软雅黑" pitchFamily="34" charset="-122"/>
-                <a:ea typeface="微软雅黑" pitchFamily="34" charset="-122"/>
-                <a:cs typeface="Adobe 楷体 Std R"/>
-              </a:rPr>
-              <a:t>:</a:t>
-            </a:r>
-            <a:r>
-              <a:rPr kumimoji="1" lang="en-US" altLang="zh-CN" sz="2400" dirty="0" smtClean="0">
-                <a:latin typeface="微软雅黑" pitchFamily="34" charset="-122"/>
-                <a:ea typeface="微软雅黑" pitchFamily="34" charset="-122"/>
-                <a:cs typeface="Adobe 楷体 Std R"/>
-              </a:rPr>
-              <a:t>first-child  -&gt;nth-child(1)</a:t>
-            </a:r>
+                <a:latin typeface="微软雅黑" panose="020B0503020204020204" pitchFamily="34" charset="-122"/>
+                <a:ea typeface="微软雅黑" panose="020B0503020204020204" pitchFamily="34" charset="-122"/>
+                <a:cs typeface="Adobe 楷体 Std R" panose="02020400000000000000" charset="-122"/>
+              </a:rPr>
+              <a:t>:first-child  -&gt;nth-child(1)</a:t>
+            </a:r>
+            <a:endParaRPr kumimoji="1" lang="en-US" altLang="zh-CN" sz="2400" dirty="0" smtClean="0">
+              <a:latin typeface="微软雅黑" panose="020B0503020204020204" pitchFamily="34" charset="-122"/>
+              <a:ea typeface="微软雅黑" panose="020B0503020204020204" pitchFamily="34" charset="-122"/>
+              <a:cs typeface="Adobe 楷体 Std R" panose="02020400000000000000" charset="-122"/>
+            </a:endParaRPr>
           </a:p>
           <a:p>
             <a:pPr marL="0" indent="0">
@@ -3995,16 +3902,16 @@
             </a:pPr>
             <a:r>
               <a:rPr kumimoji="1" lang="en-US" altLang="zh-CN" sz="2400" dirty="0" smtClean="0">
-                <a:latin typeface="微软雅黑" pitchFamily="34" charset="-122"/>
-                <a:ea typeface="微软雅黑" pitchFamily="34" charset="-122"/>
-                <a:cs typeface="Adobe 楷体 Std R"/>
+                <a:latin typeface="微软雅黑" panose="020B0503020204020204" pitchFamily="34" charset="-122"/>
+                <a:ea typeface="微软雅黑" panose="020B0503020204020204" pitchFamily="34" charset="-122"/>
+                <a:cs typeface="Adobe 楷体 Std R" panose="02020400000000000000" charset="-122"/>
               </a:rPr>
               <a:t>:first-of-type -&gt;nth-of-type(1)</a:t>
             </a:r>
             <a:endParaRPr kumimoji="1" lang="en-US" altLang="zh-CN" sz="2400" dirty="0" smtClean="0">
-              <a:latin typeface="微软雅黑" pitchFamily="34" charset="-122"/>
-              <a:ea typeface="微软雅黑" pitchFamily="34" charset="-122"/>
-              <a:cs typeface="Adobe 楷体 Std R"/>
+              <a:latin typeface="微软雅黑" panose="020B0503020204020204" pitchFamily="34" charset="-122"/>
+              <a:ea typeface="微软雅黑" panose="020B0503020204020204" pitchFamily="34" charset="-122"/>
+              <a:cs typeface="Adobe 楷体 Std R" panose="02020400000000000000" charset="-122"/>
             </a:endParaRPr>
           </a:p>
           <a:p>
@@ -4016,20 +3923,17 @@
             </a:pPr>
             <a:r>
               <a:rPr kumimoji="1" lang="en-US" altLang="zh-CN" sz="2400" dirty="0" smtClean="0">
-                <a:latin typeface="微软雅黑" pitchFamily="34" charset="-122"/>
-                <a:ea typeface="微软雅黑" pitchFamily="34" charset="-122"/>
-                <a:cs typeface="Adobe 楷体 Std R"/>
-              </a:rPr>
-              <a:t>:</a:t>
-            </a:r>
-            <a:r>
-              <a:rPr kumimoji="1" lang="en-US" altLang="zh-CN" sz="2400" dirty="0" smtClean="0">
-                <a:latin typeface="微软雅黑" pitchFamily="34" charset="-122"/>
-                <a:ea typeface="微软雅黑" pitchFamily="34" charset="-122"/>
-                <a:cs typeface="Adobe 楷体 Std R"/>
-              </a:rPr>
-              <a:t>last-child  </a:t>
-            </a:r>
+                <a:latin typeface="微软雅黑" panose="020B0503020204020204" pitchFamily="34" charset="-122"/>
+                <a:ea typeface="微软雅黑" panose="020B0503020204020204" pitchFamily="34" charset="-122"/>
+                <a:cs typeface="Adobe 楷体 Std R" panose="02020400000000000000" charset="-122"/>
+              </a:rPr>
+              <a:t>:last-child  </a:t>
+            </a:r>
+            <a:endParaRPr kumimoji="1" lang="en-US" altLang="zh-CN" sz="2400" dirty="0" smtClean="0">
+              <a:latin typeface="微软雅黑" panose="020B0503020204020204" pitchFamily="34" charset="-122"/>
+              <a:ea typeface="微软雅黑" panose="020B0503020204020204" pitchFamily="34" charset="-122"/>
+              <a:cs typeface="Adobe 楷体 Std R" panose="02020400000000000000" charset="-122"/>
+            </a:endParaRPr>
           </a:p>
           <a:p>
             <a:pPr marL="0" indent="0">
@@ -4040,16 +3944,16 @@
             </a:pPr>
             <a:r>
               <a:rPr kumimoji="1" lang="en-US" altLang="zh-CN" sz="2400" dirty="0" smtClean="0">
-                <a:latin typeface="微软雅黑" pitchFamily="34" charset="-122"/>
-                <a:ea typeface="微软雅黑" pitchFamily="34" charset="-122"/>
-                <a:cs typeface="Adobe 楷体 Std R"/>
+                <a:latin typeface="微软雅黑" panose="020B0503020204020204" pitchFamily="34" charset="-122"/>
+                <a:ea typeface="微软雅黑" panose="020B0503020204020204" pitchFamily="34" charset="-122"/>
+                <a:cs typeface="Adobe 楷体 Std R" panose="02020400000000000000" charset="-122"/>
               </a:rPr>
               <a:t>:last-of-type</a:t>
             </a:r>
             <a:endParaRPr kumimoji="1" lang="en-US" altLang="zh-CN" sz="2400" dirty="0" smtClean="0">
-              <a:latin typeface="微软雅黑" pitchFamily="34" charset="-122"/>
-              <a:ea typeface="微软雅黑" pitchFamily="34" charset="-122"/>
-              <a:cs typeface="Adobe 楷体 Std R"/>
+              <a:latin typeface="微软雅黑" panose="020B0503020204020204" pitchFamily="34" charset="-122"/>
+              <a:ea typeface="微软雅黑" panose="020B0503020204020204" pitchFamily="34" charset="-122"/>
+              <a:cs typeface="Adobe 楷体 Std R" panose="02020400000000000000" charset="-122"/>
             </a:endParaRPr>
           </a:p>
           <a:p>
@@ -4061,32 +3965,24 @@
             </a:pPr>
             <a:r>
               <a:rPr kumimoji="1" lang="en-US" altLang="zh-CN" sz="2400" dirty="0" smtClean="0">
-                <a:latin typeface="微软雅黑" pitchFamily="34" charset="-122"/>
-                <a:ea typeface="微软雅黑" pitchFamily="34" charset="-122"/>
-                <a:cs typeface="Adobe 楷体 Std R"/>
-              </a:rPr>
-              <a:t>:</a:t>
-            </a:r>
-            <a:r>
-              <a:rPr kumimoji="1" lang="en-US" altLang="zh-CN" sz="2400" dirty="0" smtClean="0">
-                <a:latin typeface="微软雅黑" pitchFamily="34" charset="-122"/>
-                <a:ea typeface="微软雅黑" pitchFamily="34" charset="-122"/>
-                <a:cs typeface="Adobe 楷体 Std R"/>
-              </a:rPr>
-              <a:t>only-child </a:t>
+                <a:latin typeface="微软雅黑" panose="020B0503020204020204" pitchFamily="34" charset="-122"/>
+                <a:ea typeface="微软雅黑" panose="020B0503020204020204" pitchFamily="34" charset="-122"/>
+                <a:cs typeface="Adobe 楷体 Std R" panose="02020400000000000000" charset="-122"/>
+              </a:rPr>
+              <a:t>:only-child </a:t>
             </a:r>
             <a:r>
               <a:rPr kumimoji="1" lang="zh-CN" altLang="en-US" sz="2400" dirty="0" smtClean="0">
-                <a:latin typeface="微软雅黑" pitchFamily="34" charset="-122"/>
-                <a:ea typeface="微软雅黑" pitchFamily="34" charset="-122"/>
-                <a:cs typeface="Adobe 楷体 Std R"/>
+                <a:latin typeface="微软雅黑" panose="020B0503020204020204" pitchFamily="34" charset="-122"/>
+                <a:ea typeface="微软雅黑" panose="020B0503020204020204" pitchFamily="34" charset="-122"/>
+                <a:cs typeface="Adobe 楷体 Std R" panose="02020400000000000000" charset="-122"/>
               </a:rPr>
               <a:t>仅有一个子元素</a:t>
             </a:r>
             <a:endParaRPr kumimoji="1" lang="en-US" altLang="zh-CN" sz="2400" dirty="0" smtClean="0">
-              <a:latin typeface="微软雅黑" pitchFamily="34" charset="-122"/>
-              <a:ea typeface="微软雅黑" pitchFamily="34" charset="-122"/>
-              <a:cs typeface="Adobe 楷体 Std R"/>
+              <a:latin typeface="微软雅黑" panose="020B0503020204020204" pitchFamily="34" charset="-122"/>
+              <a:ea typeface="微软雅黑" panose="020B0503020204020204" pitchFamily="34" charset="-122"/>
+              <a:cs typeface="Adobe 楷体 Std R" panose="02020400000000000000" charset="-122"/>
             </a:endParaRPr>
           </a:p>
           <a:p>
@@ -4098,40 +3994,24 @@
             </a:pPr>
             <a:r>
               <a:rPr kumimoji="1" lang="en-US" altLang="zh-CN" sz="2400" dirty="0" smtClean="0">
-                <a:latin typeface="微软雅黑" pitchFamily="34" charset="-122"/>
-                <a:ea typeface="微软雅黑" pitchFamily="34" charset="-122"/>
-                <a:cs typeface="Adobe 楷体 Std R"/>
-              </a:rPr>
-              <a:t>:</a:t>
-            </a:r>
-            <a:r>
-              <a:rPr kumimoji="1" lang="en-US" altLang="zh-CN" sz="2400" dirty="0" smtClean="0">
-                <a:latin typeface="微软雅黑" pitchFamily="34" charset="-122"/>
-                <a:ea typeface="微软雅黑" pitchFamily="34" charset="-122"/>
-                <a:cs typeface="Adobe 楷体 Std R"/>
-              </a:rPr>
-              <a:t>only-of-type </a:t>
+                <a:latin typeface="微软雅黑" panose="020B0503020204020204" pitchFamily="34" charset="-122"/>
+                <a:ea typeface="微软雅黑" panose="020B0503020204020204" pitchFamily="34" charset="-122"/>
+                <a:cs typeface="Adobe 楷体 Std R" panose="02020400000000000000" charset="-122"/>
+              </a:rPr>
+              <a:t>:only-of-type </a:t>
             </a:r>
             <a:r>
               <a:rPr kumimoji="1" lang="zh-CN" altLang="en-US" sz="2400" dirty="0" smtClean="0">
-                <a:latin typeface="微软雅黑" pitchFamily="34" charset="-122"/>
-                <a:ea typeface="微软雅黑" pitchFamily="34" charset="-122"/>
-                <a:cs typeface="Adobe 楷体 Std R"/>
-              </a:rPr>
-              <a:t>同</a:t>
-            </a:r>
-            <a:r>
-              <a:rPr kumimoji="1" lang="zh-CN" altLang="en-US" sz="2400" dirty="0" smtClean="0">
-                <a:latin typeface="微软雅黑" pitchFamily="34" charset="-122"/>
-                <a:ea typeface="微软雅黑" pitchFamily="34" charset="-122"/>
-                <a:cs typeface="Adobe 楷体 Std R"/>
-              </a:rPr>
-              <a:t>种类型的子元素只有一个</a:t>
+                <a:latin typeface="微软雅黑" panose="020B0503020204020204" pitchFamily="34" charset="-122"/>
+                <a:ea typeface="微软雅黑" panose="020B0503020204020204" pitchFamily="34" charset="-122"/>
+                <a:cs typeface="Adobe 楷体 Std R" panose="02020400000000000000" charset="-122"/>
+              </a:rPr>
+              <a:t>同种类型的子元素只有一个</a:t>
             </a:r>
             <a:endParaRPr kumimoji="1" lang="en-US" altLang="zh-CN" sz="2400" dirty="0" smtClean="0">
-              <a:latin typeface="微软雅黑" pitchFamily="34" charset="-122"/>
-              <a:ea typeface="微软雅黑" pitchFamily="34" charset="-122"/>
-              <a:cs typeface="Adobe 楷体 Std R"/>
+              <a:latin typeface="微软雅黑" panose="020B0503020204020204" pitchFamily="34" charset="-122"/>
+              <a:ea typeface="微软雅黑" panose="020B0503020204020204" pitchFamily="34" charset="-122"/>
+              <a:cs typeface="Adobe 楷体 Std R" panose="02020400000000000000" charset="-122"/>
             </a:endParaRPr>
           </a:p>
           <a:p>
@@ -4143,62 +4023,27 @@
             </a:pPr>
             <a:r>
               <a:rPr kumimoji="1" lang="en-US" altLang="zh-CN" sz="2400" dirty="0" smtClean="0">
-                <a:latin typeface="微软雅黑" pitchFamily="34" charset="-122"/>
-                <a:ea typeface="微软雅黑" pitchFamily="34" charset="-122"/>
-                <a:cs typeface="Adobe 楷体 Std R"/>
+                <a:latin typeface="微软雅黑" panose="020B0503020204020204" pitchFamily="34" charset="-122"/>
+                <a:ea typeface="微软雅黑" panose="020B0503020204020204" pitchFamily="34" charset="-122"/>
+                <a:cs typeface="Adobe 楷体 Std R" panose="02020400000000000000" charset="-122"/>
               </a:rPr>
               <a:t>:empty</a:t>
             </a:r>
             <a:endParaRPr kumimoji="1" lang="zh-CN" altLang="en-US" sz="2400" dirty="0">
-              <a:latin typeface="微软雅黑" pitchFamily="34" charset="-122"/>
-              <a:ea typeface="微软雅黑" pitchFamily="34" charset="-122"/>
-              <a:cs typeface="Adobe 楷体 Std R"/>
+              <a:latin typeface="微软雅黑" panose="020B0503020204020204" pitchFamily="34" charset="-122"/>
+              <a:ea typeface="微软雅黑" panose="020B0503020204020204" pitchFamily="34" charset="-122"/>
+              <a:cs typeface="Adobe 楷体 Std R" panose="02020400000000000000" charset="-122"/>
             </a:endParaRPr>
           </a:p>
         </p:txBody>
       </p:sp>
-      <p:pic>
-        <p:nvPicPr>
-          <p:cNvPr id="5" name="图片 4" descr="logo-new.png"/>
-          <p:cNvPicPr>
-            <a:picLocks noChangeAspect="1"/>
-          </p:cNvPicPr>
-          <p:nvPr/>
-        </p:nvPicPr>
-        <p:blipFill>
-          <a:blip r:embed="rId3">
-            <a:extLst>
-              <a:ext uri="{28A0092B-C50C-407E-A947-70E740481C1C}">
-                <a14:useLocalDpi xmlns="" xmlns:a14="http://schemas.microsoft.com/office/drawing/2010/main" val="0"/>
-              </a:ext>
-            </a:extLst>
-          </a:blip>
-          <a:stretch>
-            <a:fillRect/>
-          </a:stretch>
-        </p:blipFill>
-        <p:spPr>
-          <a:xfrm>
-            <a:off x="6964725" y="5781425"/>
-            <a:ext cx="1743000" cy="900000"/>
-          </a:xfrm>
-          <a:prstGeom prst="rect">
-            <a:avLst/>
-          </a:prstGeom>
-        </p:spPr>
-      </p:pic>
     </p:spTree>
-    <p:extLst>
-      <p:ext uri="{BB962C8B-B14F-4D97-AF65-F5344CB8AC3E}">
-        <p14:creationId xmlns="" xmlns:p14="http://schemas.microsoft.com/office/powerpoint/2010/main" val="1329713134"/>
-      </p:ext>
-    </p:extLst>
   </p:cSld>
   <p:clrMapOvr>
     <a:masterClrMapping/>
   </p:clrMapOvr>
   <mc:AlternateContent xmlns:mc="http://schemas.openxmlformats.org/markup-compatibility/2006">
-    <mc:Choice xmlns="" xmlns:p14="http://schemas.microsoft.com/office/powerpoint/2010/main" Requires="p14">
+    <mc:Choice xmlns:p14="http://schemas.microsoft.com/office/powerpoint/2010/main" Requires="p14">
       <p:transition spd="med" p14:dur="700">
         <p:fade/>
       </p:transition>
@@ -4294,12 +4139,13 @@
             </a:r>
             <a:r>
               <a:rPr lang="en-US" altLang="zh-CN" dirty="0" smtClean="0"/>
-              <a:t> : x y blur  color</a:t>
-            </a:r>
+              <a:t> : x  y  blur  color</a:t>
+            </a:r>
+            <a:endParaRPr lang="en-US" altLang="zh-CN" dirty="0" smtClean="0"/>
           </a:p>
           <a:p>
             <a:pPr lvl="1">
-              <a:buFont typeface="Arial" pitchFamily="34" charset="0"/>
+              <a:buFont typeface="Arial" panose="020B0604020202020204" pitchFamily="34" charset="0"/>
               <a:buChar char="•"/>
             </a:pPr>
             <a:r>
@@ -4318,10 +4164,11 @@
               <a:rPr lang="zh-CN" altLang="en-US" dirty="0" smtClean="0"/>
               <a:t>轴偏移  模糊度  颜色</a:t>
             </a:r>
+            <a:endParaRPr lang="zh-CN" altLang="en-US" dirty="0" smtClean="0"/>
           </a:p>
           <a:p>
             <a:pPr lvl="1">
-              <a:buFont typeface="Arial" pitchFamily="34" charset="0"/>
+              <a:buFont typeface="Arial" panose="020B0604020202020204" pitchFamily="34" charset="0"/>
               <a:buChar char="•"/>
             </a:pPr>
             <a:r>
@@ -4348,14 +4195,14 @@
           </a:p>
           <a:p>
             <a:pPr lvl="1">
-              <a:buFont typeface="Arial" pitchFamily="34" charset="0"/>
+              <a:buFont typeface="Arial" panose="020B0604020202020204" pitchFamily="34" charset="0"/>
               <a:buChar char="•"/>
             </a:pPr>
             <a:endParaRPr lang="en-US" altLang="zh-CN" dirty="0" smtClean="0"/>
           </a:p>
           <a:p>
             <a:pPr>
-              <a:buFont typeface="Arial" pitchFamily="34" charset="0"/>
+              <a:buFont typeface="Arial" panose="020B0604020202020204" pitchFamily="34" charset="0"/>
               <a:buChar char="•"/>
             </a:pPr>
             <a:r>
@@ -4382,12 +4229,13 @@
             </a:r>
             <a:r>
               <a:rPr lang="en-US" altLang="zh-CN" sz="2800" dirty="0" smtClean="0"/>
-              <a:t>: 2px blue</a:t>
-            </a:r>
+              <a:t>: 2px  blue</a:t>
+            </a:r>
+            <a:endParaRPr lang="en-US" altLang="zh-CN" sz="2800" dirty="0" smtClean="0"/>
           </a:p>
           <a:p>
             <a:pPr lvl="1">
-              <a:buFont typeface="Arial" pitchFamily="34" charset="0"/>
+              <a:buFont typeface="Arial" panose="020B0604020202020204" pitchFamily="34" charset="0"/>
               <a:buChar char="•"/>
             </a:pPr>
             <a:r>
@@ -4410,7 +4258,7 @@
           </a:p>
           <a:p>
             <a:pPr lvl="1">
-              <a:buFont typeface="Arial" pitchFamily="34" charset="0"/>
+              <a:buFont typeface="Arial" panose="020B0604020202020204" pitchFamily="34" charset="0"/>
               <a:buChar char="•"/>
             </a:pPr>
             <a:r>
@@ -4425,43 +4273,13 @@
           </a:p>
         </p:txBody>
       </p:sp>
-      <p:pic>
-        <p:nvPicPr>
-          <p:cNvPr id="4" name="图片 3" descr="logo-new.png"/>
-          <p:cNvPicPr>
-            <a:picLocks noChangeAspect="1"/>
-          </p:cNvPicPr>
-          <p:nvPr/>
-        </p:nvPicPr>
-        <p:blipFill>
-          <a:blip r:embed="rId2">
-            <a:extLst>
-              <a:ext uri="{28A0092B-C50C-407E-A947-70E740481C1C}">
-                <a14:useLocalDpi xmlns="" xmlns:a14="http://schemas.microsoft.com/office/drawing/2010/main" val="0"/>
-              </a:ext>
-            </a:extLst>
-          </a:blip>
-          <a:stretch>
-            <a:fillRect/>
-          </a:stretch>
-        </p:blipFill>
-        <p:spPr>
-          <a:xfrm>
-            <a:off x="6964725" y="5781425"/>
-            <a:ext cx="1743000" cy="900000"/>
-          </a:xfrm>
-          <a:prstGeom prst="rect">
-            <a:avLst/>
-          </a:prstGeom>
-        </p:spPr>
-      </p:pic>
     </p:spTree>
   </p:cSld>
   <p:clrMapOvr>
     <a:masterClrMapping/>
   </p:clrMapOvr>
   <mc:AlternateContent xmlns:mc="http://schemas.openxmlformats.org/markup-compatibility/2006">
-    <mc:Choice xmlns="" xmlns:p14="http://schemas.microsoft.com/office/powerpoint/2010/main" Requires="p14">
+    <mc:Choice xmlns:p14="http://schemas.microsoft.com/office/powerpoint/2010/main" Requires="p14">
       <p:transition spd="med" p14:dur="700">
         <p:fade/>
       </p:transition>
@@ -4565,6 +4383,7 @@
               <a:rPr lang="zh-CN" altLang="en-US" sz="2000" dirty="0" smtClean="0"/>
               <a:t>正常</a:t>
             </a:r>
+            <a:endParaRPr lang="zh-CN" altLang="en-US" sz="2000" dirty="0" smtClean="0"/>
           </a:p>
           <a:p>
             <a:r>
@@ -4579,6 +4398,7 @@
               <a:rPr lang="en-US" altLang="zh-CN" sz="2000" dirty="0" smtClean="0"/>
               <a:t>0-1</a:t>
             </a:r>
+            <a:endParaRPr lang="en-US" altLang="zh-CN" sz="2000" dirty="0" smtClean="0"/>
           </a:p>
           <a:p>
             <a:r>
@@ -4593,6 +4413,7 @@
               <a:rPr lang="en-US" altLang="zh-CN" sz="2000" dirty="0" smtClean="0"/>
               <a:t>0-1</a:t>
             </a:r>
+            <a:endParaRPr lang="en-US" altLang="zh-CN" sz="2000" dirty="0" smtClean="0"/>
           </a:p>
           <a:p>
             <a:r>
@@ -4627,6 +4448,7 @@
               <a:rPr lang="zh-CN" altLang="en-US" sz="2000" dirty="0" smtClean="0"/>
               <a:t>为彻底反色之后</a:t>
             </a:r>
+            <a:endParaRPr lang="zh-CN" altLang="en-US" sz="2000" dirty="0" smtClean="0"/>
           </a:p>
           <a:p>
             <a:r>
@@ -4641,6 +4463,7 @@
               <a:rPr lang="en-US" altLang="zh-CN" sz="2000" dirty="0" smtClean="0"/>
               <a:t>0-1</a:t>
             </a:r>
+            <a:endParaRPr lang="en-US" altLang="zh-CN" sz="2000" dirty="0" smtClean="0"/>
           </a:p>
           <a:p>
             <a:r>
@@ -4663,6 +4486,7 @@
               <a:rPr lang="en-US" altLang="zh-CN" sz="2000" dirty="0" smtClean="0"/>
               <a:t>-</a:t>
             </a:r>
+            <a:endParaRPr lang="en-US" altLang="zh-CN" sz="2000" dirty="0" smtClean="0"/>
           </a:p>
           <a:p>
             <a:r>
@@ -4733,6 +4557,7 @@
               <a:rPr lang="zh-CN" altLang="en-US" sz="2000" dirty="0" smtClean="0"/>
               <a:t>红）此处为叠加黄色滤镜</a:t>
             </a:r>
+            <a:endParaRPr lang="zh-CN" altLang="en-US" sz="2000" dirty="0" smtClean="0"/>
           </a:p>
           <a:p>
             <a:r>
@@ -4759,12 +4584,14 @@
               <a:rPr lang="zh-CN" altLang="en-US" sz="2000" dirty="0" smtClean="0"/>
               <a:t>为原图，值越高饱</a:t>
             </a:r>
+            <a:endParaRPr lang="zh-CN" altLang="en-US" sz="2000" dirty="0" smtClean="0"/>
           </a:p>
           <a:p>
             <a:r>
               <a:rPr lang="zh-CN" altLang="en-US" sz="2000" dirty="0" smtClean="0"/>
               <a:t>和度越大</a:t>
             </a:r>
+            <a:endParaRPr lang="zh-CN" altLang="en-US" sz="2000" dirty="0" smtClean="0"/>
           </a:p>
           <a:p>
             <a:r>
@@ -4791,12 +4618,14 @@
               <a:rPr lang="zh-CN" altLang="en-US" sz="2000" dirty="0" smtClean="0"/>
               <a:t>为原图，</a:t>
             </a:r>
+            <a:endParaRPr lang="zh-CN" altLang="en-US" sz="2000" dirty="0" smtClean="0"/>
           </a:p>
           <a:p>
             <a:r>
               <a:rPr lang="zh-CN" altLang="en-US" sz="2000" dirty="0" smtClean="0"/>
               <a:t>值越高对比度越大</a:t>
             </a:r>
+            <a:endParaRPr lang="zh-CN" altLang="en-US" sz="2000" dirty="0" smtClean="0"/>
           </a:p>
           <a:p>
             <a:r>
@@ -4823,6 +4652,7 @@
               <a:rPr lang="zh-CN" altLang="en-US" sz="2000" dirty="0" smtClean="0"/>
               <a:t>为原图</a:t>
             </a:r>
+            <a:endParaRPr lang="zh-CN" altLang="en-US" sz="2000" dirty="0" smtClean="0"/>
           </a:p>
           <a:p>
             <a:r>
@@ -4837,43 +4667,13 @@
           </a:p>
         </p:txBody>
       </p:sp>
-      <p:pic>
-        <p:nvPicPr>
-          <p:cNvPr id="4" name="图片 3" descr="logo-new.png"/>
-          <p:cNvPicPr>
-            <a:picLocks noChangeAspect="1"/>
-          </p:cNvPicPr>
-          <p:nvPr/>
-        </p:nvPicPr>
-        <p:blipFill>
-          <a:blip r:embed="rId2">
-            <a:extLst>
-              <a:ext uri="{28A0092B-C50C-407E-A947-70E740481C1C}">
-                <a14:useLocalDpi xmlns="" xmlns:a14="http://schemas.microsoft.com/office/drawing/2010/main" val="0"/>
-              </a:ext>
-            </a:extLst>
-          </a:blip>
-          <a:stretch>
-            <a:fillRect/>
-          </a:stretch>
-        </p:blipFill>
-        <p:spPr>
-          <a:xfrm>
-            <a:off x="6964725" y="5781425"/>
-            <a:ext cx="1743000" cy="900000"/>
-          </a:xfrm>
-          <a:prstGeom prst="rect">
-            <a:avLst/>
-          </a:prstGeom>
-        </p:spPr>
-      </p:pic>
     </p:spTree>
   </p:cSld>
   <p:clrMapOvr>
     <a:masterClrMapping/>
   </p:clrMapOvr>
   <mc:AlternateContent xmlns:mc="http://schemas.openxmlformats.org/markup-compatibility/2006">
-    <mc:Choice xmlns="" xmlns:p14="http://schemas.microsoft.com/office/powerpoint/2010/main" Requires="p14">
+    <mc:Choice xmlns:p14="http://schemas.microsoft.com/office/powerpoint/2010/main" Requires="p14">
       <p:transition spd="med" p14:dur="700">
         <p:fade/>
       </p:transition>
@@ -4961,7 +4761,7 @@
               <a:buClr>
                 <a:srgbClr val="FF0000"/>
               </a:buClr>
-              <a:buFont typeface="Arial" pitchFamily="34" charset="0"/>
+              <a:buFont typeface="Arial" panose="020B0604020202020204" pitchFamily="34" charset="0"/>
               <a:buChar char="•"/>
             </a:pPr>
             <a:r>
@@ -4969,9 +4769,9 @@
                 <a:solidFill>
                   <a:srgbClr val="3F3F3F"/>
                 </a:solidFill>
-                <a:latin typeface="微软雅黑" pitchFamily="34" charset="-122"/>
-                <a:ea typeface="微软雅黑" pitchFamily="34" charset="-122"/>
-                <a:sym typeface="微软雅黑" pitchFamily="34" charset="-122"/>
+                <a:latin typeface="微软雅黑" panose="020B0503020204020204" pitchFamily="34" charset="-122"/>
+                <a:ea typeface="微软雅黑" panose="020B0503020204020204" pitchFamily="34" charset="-122"/>
+                <a:sym typeface="微软雅黑" panose="020B0503020204020204" pitchFamily="34" charset="-122"/>
               </a:rPr>
               <a:t>mask-image</a:t>
             </a:r>
@@ -4979,9 +4779,9 @@
               <a:solidFill>
                 <a:srgbClr val="3F3F3F"/>
               </a:solidFill>
-              <a:latin typeface="微软雅黑" pitchFamily="34" charset="-122"/>
-              <a:ea typeface="微软雅黑" pitchFamily="34" charset="-122"/>
-              <a:sym typeface="微软雅黑" pitchFamily="34" charset="-122"/>
+              <a:latin typeface="微软雅黑" panose="020B0503020204020204" pitchFamily="34" charset="-122"/>
+              <a:ea typeface="微软雅黑" panose="020B0503020204020204" pitchFamily="34" charset="-122"/>
+              <a:sym typeface="微软雅黑" panose="020B0503020204020204" pitchFamily="34" charset="-122"/>
             </a:endParaRPr>
           </a:p>
           <a:p>
@@ -4989,7 +4789,7 @@
               <a:buClr>
                 <a:srgbClr val="FF0000"/>
               </a:buClr>
-              <a:buFont typeface="Arial" pitchFamily="34" charset="0"/>
+              <a:buFont typeface="Arial" panose="020B0604020202020204" pitchFamily="34" charset="0"/>
               <a:buChar char="•"/>
             </a:pPr>
             <a:r>
@@ -4997,9 +4797,9 @@
                 <a:solidFill>
                   <a:srgbClr val="3F3F3F"/>
                 </a:solidFill>
-                <a:latin typeface="微软雅黑" pitchFamily="34" charset="-122"/>
-                <a:ea typeface="微软雅黑" pitchFamily="34" charset="-122"/>
-                <a:sym typeface="微软雅黑" pitchFamily="34" charset="-122"/>
+                <a:latin typeface="微软雅黑" panose="020B0503020204020204" pitchFamily="34" charset="-122"/>
+                <a:ea typeface="微软雅黑" panose="020B0503020204020204" pitchFamily="34" charset="-122"/>
+                <a:sym typeface="微软雅黑" panose="020B0503020204020204" pitchFamily="34" charset="-122"/>
               </a:rPr>
               <a:t>mask-position</a:t>
             </a:r>
@@ -5007,9 +4807,9 @@
               <a:solidFill>
                 <a:srgbClr val="3F3F3F"/>
               </a:solidFill>
-              <a:latin typeface="微软雅黑" pitchFamily="34" charset="-122"/>
-              <a:ea typeface="微软雅黑" pitchFamily="34" charset="-122"/>
-              <a:sym typeface="微软雅黑" pitchFamily="34" charset="-122"/>
+              <a:latin typeface="微软雅黑" panose="020B0503020204020204" pitchFamily="34" charset="-122"/>
+              <a:ea typeface="微软雅黑" panose="020B0503020204020204" pitchFamily="34" charset="-122"/>
+              <a:sym typeface="微软雅黑" panose="020B0503020204020204" pitchFamily="34" charset="-122"/>
             </a:endParaRPr>
           </a:p>
           <a:p>
@@ -5017,7 +4817,7 @@
               <a:buClr>
                 <a:srgbClr val="FF0000"/>
               </a:buClr>
-              <a:buFont typeface="Arial" pitchFamily="34" charset="0"/>
+              <a:buFont typeface="Arial" panose="020B0604020202020204" pitchFamily="34" charset="0"/>
               <a:buChar char="•"/>
             </a:pPr>
             <a:r>
@@ -5025,9 +4825,9 @@
                 <a:solidFill>
                   <a:srgbClr val="3F3F3F"/>
                 </a:solidFill>
-                <a:latin typeface="微软雅黑" pitchFamily="34" charset="-122"/>
-                <a:ea typeface="微软雅黑" pitchFamily="34" charset="-122"/>
-                <a:sym typeface="微软雅黑" pitchFamily="34" charset="-122"/>
+                <a:latin typeface="微软雅黑" panose="020B0503020204020204" pitchFamily="34" charset="-122"/>
+                <a:ea typeface="微软雅黑" panose="020B0503020204020204" pitchFamily="34" charset="-122"/>
+                <a:sym typeface="微软雅黑" panose="020B0503020204020204" pitchFamily="34" charset="-122"/>
               </a:rPr>
               <a:t>mask-repeat</a:t>
             </a:r>
@@ -5035,9 +4835,9 @@
               <a:solidFill>
                 <a:srgbClr val="3F3F3F"/>
               </a:solidFill>
-              <a:latin typeface="微软雅黑" pitchFamily="34" charset="-122"/>
-              <a:ea typeface="微软雅黑" pitchFamily="34" charset="-122"/>
-              <a:sym typeface="微软雅黑" pitchFamily="34" charset="-122"/>
+              <a:latin typeface="微软雅黑" panose="020B0503020204020204" pitchFamily="34" charset="-122"/>
+              <a:ea typeface="微软雅黑" panose="020B0503020204020204" pitchFamily="34" charset="-122"/>
+              <a:sym typeface="微软雅黑" panose="020B0503020204020204" pitchFamily="34" charset="-122"/>
             </a:endParaRPr>
           </a:p>
           <a:p>
@@ -5045,7 +4845,7 @@
               <a:buClr>
                 <a:srgbClr val="FF0000"/>
               </a:buClr>
-              <a:buFont typeface="Arial" pitchFamily="34" charset="0"/>
+              <a:buFont typeface="Arial" panose="020B0604020202020204" pitchFamily="34" charset="0"/>
               <a:buChar char="•"/>
             </a:pPr>
             <a:r>
@@ -5053,9 +4853,9 @@
                 <a:solidFill>
                   <a:srgbClr val="3F3F3F"/>
                 </a:solidFill>
-                <a:latin typeface="微软雅黑" pitchFamily="34" charset="-122"/>
-                <a:ea typeface="微软雅黑" pitchFamily="34" charset="-122"/>
-                <a:sym typeface="微软雅黑" pitchFamily="34" charset="-122"/>
+                <a:latin typeface="微软雅黑" panose="020B0503020204020204" pitchFamily="34" charset="-122"/>
+                <a:ea typeface="微软雅黑" panose="020B0503020204020204" pitchFamily="34" charset="-122"/>
+                <a:sym typeface="微软雅黑" panose="020B0503020204020204" pitchFamily="34" charset="-122"/>
               </a:rPr>
               <a:t>演示 </a:t>
             </a:r>
@@ -5064,9 +4864,9 @@
                 <a:solidFill>
                   <a:srgbClr val="3F3F3F"/>
                 </a:solidFill>
-                <a:latin typeface="微软雅黑" pitchFamily="34" charset="-122"/>
-                <a:ea typeface="微软雅黑" pitchFamily="34" charset="-122"/>
-                <a:sym typeface="微软雅黑" pitchFamily="34" charset="-122"/>
+                <a:latin typeface="微软雅黑" panose="020B0503020204020204" pitchFamily="34" charset="-122"/>
+                <a:ea typeface="微软雅黑" panose="020B0503020204020204" pitchFamily="34" charset="-122"/>
+                <a:sym typeface="微软雅黑" panose="020B0503020204020204" pitchFamily="34" charset="-122"/>
               </a:rPr>
               <a:t>: </a:t>
             </a:r>
@@ -5075,9 +4875,9 @@
                 <a:solidFill>
                   <a:srgbClr val="3F3F3F"/>
                 </a:solidFill>
-                <a:latin typeface="微软雅黑" pitchFamily="34" charset="-122"/>
-                <a:ea typeface="微软雅黑" pitchFamily="34" charset="-122"/>
-                <a:sym typeface="微软雅黑" pitchFamily="34" charset="-122"/>
+                <a:latin typeface="微软雅黑" panose="020B0503020204020204" pitchFamily="34" charset="-122"/>
+                <a:ea typeface="微软雅黑" panose="020B0503020204020204" pitchFamily="34" charset="-122"/>
+                <a:sym typeface="微软雅黑" panose="020B0503020204020204" pitchFamily="34" charset="-122"/>
               </a:rPr>
               <a:t>图片遮罩效果</a:t>
             </a:r>
@@ -5085,9 +4885,9 @@
               <a:solidFill>
                 <a:srgbClr val="3F3F3F"/>
               </a:solidFill>
-              <a:latin typeface="微软雅黑" pitchFamily="34" charset="-122"/>
-              <a:ea typeface="微软雅黑" pitchFamily="34" charset="-122"/>
-              <a:sym typeface="微软雅黑" pitchFamily="34" charset="-122"/>
+              <a:latin typeface="微软雅黑" panose="020B0503020204020204" pitchFamily="34" charset="-122"/>
+              <a:ea typeface="微软雅黑" panose="020B0503020204020204" pitchFamily="34" charset="-122"/>
+              <a:sym typeface="微软雅黑" panose="020B0503020204020204" pitchFamily="34" charset="-122"/>
             </a:endParaRPr>
           </a:p>
           <a:p>
@@ -5095,43 +4895,13 @@
           </a:p>
         </p:txBody>
       </p:sp>
-      <p:pic>
-        <p:nvPicPr>
-          <p:cNvPr id="4" name="图片 3" descr="logo-new.png"/>
-          <p:cNvPicPr>
-            <a:picLocks noChangeAspect="1"/>
-          </p:cNvPicPr>
-          <p:nvPr/>
-        </p:nvPicPr>
-        <p:blipFill>
-          <a:blip r:embed="rId2">
-            <a:extLst>
-              <a:ext uri="{28A0092B-C50C-407E-A947-70E740481C1C}">
-                <a14:useLocalDpi xmlns="" xmlns:a14="http://schemas.microsoft.com/office/drawing/2010/main" val="0"/>
-              </a:ext>
-            </a:extLst>
-          </a:blip>
-          <a:stretch>
-            <a:fillRect/>
-          </a:stretch>
-        </p:blipFill>
-        <p:spPr>
-          <a:xfrm>
-            <a:off x="6964725" y="5781425"/>
-            <a:ext cx="1743000" cy="900000"/>
-          </a:xfrm>
-          <a:prstGeom prst="rect">
-            <a:avLst/>
-          </a:prstGeom>
-        </p:spPr>
-      </p:pic>
     </p:spTree>
   </p:cSld>
   <p:clrMapOvr>
     <a:masterClrMapping/>
   </p:clrMapOvr>
   <mc:AlternateContent xmlns:mc="http://schemas.openxmlformats.org/markup-compatibility/2006">
-    <mc:Choice xmlns="" xmlns:p14="http://schemas.microsoft.com/office/powerpoint/2010/main" Requires="p14">
+    <mc:Choice xmlns:p14="http://schemas.microsoft.com/office/powerpoint/2010/main" Requires="p14">
       <p:transition spd="med" p14:dur="700">
         <p:fade/>
       </p:transition>
@@ -5191,9 +4961,9 @@
                 <a:solidFill>
                   <a:srgbClr val="FF0000"/>
                 </a:solidFill>
-                <a:latin typeface="微软雅黑" pitchFamily="34" charset="-122"/>
-                <a:ea typeface="微软雅黑" pitchFamily="34" charset="-122"/>
-                <a:cs typeface="Adobe 楷体 Std R"/>
+                <a:latin typeface="微软雅黑" panose="020B0503020204020204" pitchFamily="34" charset="-122"/>
+                <a:ea typeface="微软雅黑" panose="020B0503020204020204" pitchFamily="34" charset="-122"/>
+                <a:cs typeface="Adobe 楷体 Std R" panose="02020400000000000000" charset="-122"/>
               </a:rPr>
               <a:t>CSS3</a:t>
             </a:r>
@@ -5202,9 +4972,9 @@
                 <a:solidFill>
                   <a:srgbClr val="FF0000"/>
                 </a:solidFill>
-                <a:latin typeface="微软雅黑" pitchFamily="34" charset="-122"/>
-                <a:ea typeface="微软雅黑" pitchFamily="34" charset="-122"/>
-                <a:cs typeface="Adobe 楷体 Std R"/>
+                <a:latin typeface="微软雅黑" panose="020B0503020204020204" pitchFamily="34" charset="-122"/>
+                <a:ea typeface="微软雅黑" panose="020B0503020204020204" pitchFamily="34" charset="-122"/>
+                <a:cs typeface="Adobe 楷体 Std R" panose="02020400000000000000" charset="-122"/>
               </a:rPr>
               <a:t>选择器</a:t>
             </a:r>
@@ -5242,6 +5012,11 @@
               </a:rPr>
               <a:t>否定选择器</a:t>
             </a:r>
+            <a:endParaRPr lang="zh-CN" altLang="en-US" sz="2800" dirty="0" smtClean="0">
+              <a:solidFill>
+                <a:srgbClr val="FF0000"/>
+              </a:solidFill>
+            </a:endParaRPr>
           </a:p>
           <a:p>
             <a:pPr lvl="1">
@@ -5251,6 +5026,7 @@
               <a:rPr lang="en-US" altLang="zh-CN" dirty="0" smtClean="0"/>
               <a:t>:not()</a:t>
             </a:r>
+            <a:endParaRPr lang="en-US" altLang="zh-CN" dirty="0" smtClean="0"/>
           </a:p>
           <a:p>
             <a:r>
@@ -5261,6 +5037,11 @@
               </a:rPr>
               <a:t>属性选择器</a:t>
             </a:r>
+            <a:endParaRPr lang="zh-CN" altLang="en-US" sz="2800" dirty="0" smtClean="0">
+              <a:solidFill>
+                <a:srgbClr val="FF0000"/>
+              </a:solidFill>
+            </a:endParaRPr>
           </a:p>
           <a:p>
             <a:pPr lvl="1">
@@ -5286,6 +5067,7 @@
               <a:rPr lang="en-US" altLang="zh-CN" dirty="0" smtClean="0"/>
               <a:t>]</a:t>
             </a:r>
+            <a:endParaRPr lang="en-US" altLang="zh-CN" dirty="0" smtClean="0"/>
           </a:p>
           <a:p>
             <a:pPr lvl="1">
@@ -5335,6 +5117,7 @@
               <a:rPr lang="zh-CN" altLang="en-US" dirty="0" smtClean="0"/>
               <a:t>开头</a:t>
             </a:r>
+            <a:endParaRPr lang="zh-CN" altLang="en-US" dirty="0" smtClean="0"/>
           </a:p>
           <a:p>
             <a:pPr lvl="1">
@@ -5372,6 +5155,7 @@
               <a:rPr lang="zh-CN" altLang="en-US" dirty="0" smtClean="0"/>
               <a:t>字符串</a:t>
             </a:r>
+            <a:endParaRPr lang="zh-CN" altLang="en-US" dirty="0" smtClean="0"/>
           </a:p>
           <a:p>
             <a:pPr lvl="1">
@@ -5451,6 +5235,7 @@
               <a:rPr lang="zh-CN" altLang="en-US" dirty="0" smtClean="0"/>
               <a:t>开头</a:t>
             </a:r>
+            <a:endParaRPr lang="zh-CN" altLang="en-US" dirty="0" smtClean="0"/>
           </a:p>
           <a:p>
             <a:pPr lvl="1">
@@ -5492,43 +5277,13 @@
           </a:p>
         </p:txBody>
       </p:sp>
-      <p:pic>
-        <p:nvPicPr>
-          <p:cNvPr id="4" name="图片 3" descr="logo-new.png"/>
-          <p:cNvPicPr>
-            <a:picLocks noChangeAspect="1"/>
-          </p:cNvPicPr>
-          <p:nvPr/>
-        </p:nvPicPr>
-        <p:blipFill>
-          <a:blip r:embed="rId2">
-            <a:extLst>
-              <a:ext uri="{28A0092B-C50C-407E-A947-70E740481C1C}">
-                <a14:useLocalDpi xmlns="" xmlns:a14="http://schemas.microsoft.com/office/drawing/2010/main" val="0"/>
-              </a:ext>
-            </a:extLst>
-          </a:blip>
-          <a:stretch>
-            <a:fillRect/>
-          </a:stretch>
-        </p:blipFill>
-        <p:spPr>
-          <a:xfrm>
-            <a:off x="6964725" y="5781425"/>
-            <a:ext cx="1743000" cy="900000"/>
-          </a:xfrm>
-          <a:prstGeom prst="rect">
-            <a:avLst/>
-          </a:prstGeom>
-        </p:spPr>
-      </p:pic>
     </p:spTree>
   </p:cSld>
   <p:clrMapOvr>
     <a:masterClrMapping/>
   </p:clrMapOvr>
   <mc:AlternateContent xmlns:mc="http://schemas.openxmlformats.org/markup-compatibility/2006">
-    <mc:Choice xmlns="" xmlns:p14="http://schemas.microsoft.com/office/powerpoint/2010/main" Requires="p14">
+    <mc:Choice xmlns:p14="http://schemas.microsoft.com/office/powerpoint/2010/main" Requires="p14">
       <p:transition spd="med" p14:dur="700">
         <p:fade/>
       </p:transition>
@@ -5588,9 +5343,9 @@
                 <a:solidFill>
                   <a:srgbClr val="FF0000"/>
                 </a:solidFill>
-                <a:latin typeface="微软雅黑" pitchFamily="34" charset="-122"/>
-                <a:ea typeface="微软雅黑" pitchFamily="34" charset="-122"/>
-                <a:cs typeface="Adobe 楷体 Std R"/>
+                <a:latin typeface="微软雅黑" panose="020B0503020204020204" pitchFamily="34" charset="-122"/>
+                <a:ea typeface="微软雅黑" panose="020B0503020204020204" pitchFamily="34" charset="-122"/>
+                <a:cs typeface="Adobe 楷体 Std R" panose="02020400000000000000" charset="-122"/>
               </a:rPr>
               <a:t>CSS3</a:t>
             </a:r>
@@ -5599,9 +5354,9 @@
                 <a:solidFill>
                   <a:srgbClr val="FF0000"/>
                 </a:solidFill>
-                <a:latin typeface="微软雅黑" pitchFamily="34" charset="-122"/>
-                <a:ea typeface="微软雅黑" pitchFamily="34" charset="-122"/>
-                <a:cs typeface="Adobe 楷体 Std R"/>
+                <a:latin typeface="微软雅黑" panose="020B0503020204020204" pitchFamily="34" charset="-122"/>
+                <a:ea typeface="微软雅黑" panose="020B0503020204020204" pitchFamily="34" charset="-122"/>
+                <a:cs typeface="Adobe 楷体 Std R" panose="02020400000000000000" charset="-122"/>
               </a:rPr>
               <a:t>选择器</a:t>
             </a:r>
@@ -5641,8 +5396,8 @@
                 <a:solidFill>
                   <a:srgbClr val="FF0000"/>
                 </a:solidFill>
-                <a:latin typeface="微软雅黑" pitchFamily="34" charset="-122"/>
-                <a:ea typeface="微软雅黑" pitchFamily="34" charset="-122"/>
+                <a:latin typeface="微软雅黑" panose="020B0503020204020204" pitchFamily="34" charset="-122"/>
+                <a:ea typeface="微软雅黑" panose="020B0503020204020204" pitchFamily="34" charset="-122"/>
               </a:rPr>
               <a:t>目标伪类选择器</a:t>
             </a:r>
@@ -5650,8 +5405,8 @@
               <a:solidFill>
                 <a:srgbClr val="FF0000"/>
               </a:solidFill>
-              <a:latin typeface="微软雅黑" pitchFamily="34" charset="-122"/>
-              <a:ea typeface="微软雅黑" pitchFamily="34" charset="-122"/>
+              <a:latin typeface="微软雅黑" panose="020B0503020204020204" pitchFamily="34" charset="-122"/>
+              <a:ea typeface="微软雅黑" panose="020B0503020204020204" pitchFamily="34" charset="-122"/>
             </a:endParaRPr>
           </a:p>
           <a:p>
@@ -5663,35 +5418,35 @@
             </a:pPr>
             <a:r>
               <a:rPr lang="en-US" altLang="zh-CN" sz="2400" dirty="0" smtClean="0">
-                <a:latin typeface="微软雅黑" pitchFamily="34" charset="-122"/>
-                <a:ea typeface="微软雅黑" pitchFamily="34" charset="-122"/>
+                <a:latin typeface="微软雅黑" panose="020B0503020204020204" pitchFamily="34" charset="-122"/>
+                <a:ea typeface="微软雅黑" panose="020B0503020204020204" pitchFamily="34" charset="-122"/>
               </a:rPr>
               <a:t>:target </a:t>
             </a:r>
             <a:r>
               <a:rPr lang="zh-CN" altLang="en-US" sz="2400" dirty="0" smtClean="0">
-                <a:latin typeface="微软雅黑" pitchFamily="34" charset="-122"/>
-                <a:ea typeface="微软雅黑" pitchFamily="34" charset="-122"/>
+                <a:latin typeface="微软雅黑" panose="020B0503020204020204" pitchFamily="34" charset="-122"/>
+                <a:ea typeface="微软雅黑" panose="020B0503020204020204" pitchFamily="34" charset="-122"/>
               </a:rPr>
               <a:t>用来匹配</a:t>
             </a:r>
             <a:r>
               <a:rPr lang="en-US" altLang="zh-CN" sz="2400" dirty="0" smtClean="0">
-                <a:latin typeface="微软雅黑" pitchFamily="34" charset="-122"/>
-                <a:ea typeface="微软雅黑" pitchFamily="34" charset="-122"/>
+                <a:latin typeface="微软雅黑" panose="020B0503020204020204" pitchFamily="34" charset="-122"/>
+                <a:ea typeface="微软雅黑" panose="020B0503020204020204" pitchFamily="34" charset="-122"/>
               </a:rPr>
               <a:t>url</a:t>
             </a:r>
             <a:r>
               <a:rPr lang="zh-CN" altLang="en-US" sz="2400" dirty="0" smtClean="0">
-                <a:latin typeface="微软雅黑" pitchFamily="34" charset="-122"/>
-                <a:ea typeface="微软雅黑" pitchFamily="34" charset="-122"/>
+                <a:latin typeface="微软雅黑" panose="020B0503020204020204" pitchFamily="34" charset="-122"/>
+                <a:ea typeface="微软雅黑" panose="020B0503020204020204" pitchFamily="34" charset="-122"/>
               </a:rPr>
               <a:t>指向的目标元素</a:t>
             </a:r>
             <a:endParaRPr lang="en-US" altLang="zh-CN" sz="2400" dirty="0" smtClean="0">
-              <a:latin typeface="微软雅黑" pitchFamily="34" charset="-122"/>
-              <a:ea typeface="微软雅黑" pitchFamily="34" charset="-122"/>
+              <a:latin typeface="微软雅黑" panose="020B0503020204020204" pitchFamily="34" charset="-122"/>
+              <a:ea typeface="微软雅黑" panose="020B0503020204020204" pitchFamily="34" charset="-122"/>
             </a:endParaRPr>
           </a:p>
           <a:p>
@@ -5703,42 +5458,42 @@
             </a:pPr>
             <a:r>
               <a:rPr lang="zh-CN" altLang="en-US" sz="2400" dirty="0" smtClean="0">
-                <a:latin typeface="微软雅黑" pitchFamily="34" charset="-122"/>
-                <a:ea typeface="微软雅黑" pitchFamily="34" charset="-122"/>
+                <a:latin typeface="微软雅黑" panose="020B0503020204020204" pitchFamily="34" charset="-122"/>
+                <a:ea typeface="微软雅黑" panose="020B0503020204020204" pitchFamily="34" charset="-122"/>
               </a:rPr>
               <a:t>存在</a:t>
             </a:r>
             <a:r>
               <a:rPr lang="en-US" altLang="zh-CN" sz="2400" dirty="0" smtClean="0">
-                <a:latin typeface="微软雅黑" pitchFamily="34" charset="-122"/>
-                <a:ea typeface="微软雅黑" pitchFamily="34" charset="-122"/>
+                <a:latin typeface="微软雅黑" panose="020B0503020204020204" pitchFamily="34" charset="-122"/>
+                <a:ea typeface="微软雅黑" panose="020B0503020204020204" pitchFamily="34" charset="-122"/>
               </a:rPr>
               <a:t>url</a:t>
             </a:r>
             <a:r>
               <a:rPr lang="zh-CN" altLang="en-US" sz="2400" dirty="0" smtClean="0">
-                <a:latin typeface="微软雅黑" pitchFamily="34" charset="-122"/>
-                <a:ea typeface="微软雅黑" pitchFamily="34" charset="-122"/>
+                <a:latin typeface="微软雅黑" panose="020B0503020204020204" pitchFamily="34" charset="-122"/>
+                <a:ea typeface="微软雅黑" panose="020B0503020204020204" pitchFamily="34" charset="-122"/>
               </a:rPr>
               <a:t>指向该匹配元素时</a:t>
             </a:r>
             <a:r>
               <a:rPr lang="en-US" altLang="zh-CN" sz="2400" dirty="0" smtClean="0">
-                <a:latin typeface="微软雅黑" pitchFamily="34" charset="-122"/>
-                <a:ea typeface="微软雅黑" pitchFamily="34" charset="-122"/>
+                <a:latin typeface="微软雅黑" panose="020B0503020204020204" pitchFamily="34" charset="-122"/>
+                <a:ea typeface="微软雅黑" panose="020B0503020204020204" pitchFamily="34" charset="-122"/>
               </a:rPr>
               <a:t>,</a:t>
             </a:r>
             <a:r>
               <a:rPr lang="zh-CN" altLang="en-US" sz="2400" dirty="0" smtClean="0">
-                <a:latin typeface="微软雅黑" pitchFamily="34" charset="-122"/>
-                <a:ea typeface="微软雅黑" pitchFamily="34" charset="-122"/>
+                <a:latin typeface="微软雅黑" panose="020B0503020204020204" pitchFamily="34" charset="-122"/>
+                <a:ea typeface="微软雅黑" panose="020B0503020204020204" pitchFamily="34" charset="-122"/>
               </a:rPr>
               <a:t>样式效果才会生效</a:t>
             </a:r>
             <a:endParaRPr lang="en-US" altLang="zh-CN" sz="2400" dirty="0" smtClean="0">
-              <a:latin typeface="微软雅黑" pitchFamily="34" charset="-122"/>
-              <a:ea typeface="微软雅黑" pitchFamily="34" charset="-122"/>
+              <a:latin typeface="微软雅黑" panose="020B0503020204020204" pitchFamily="34" charset="-122"/>
+              <a:ea typeface="微软雅黑" panose="020B0503020204020204" pitchFamily="34" charset="-122"/>
             </a:endParaRPr>
           </a:p>
           <a:p>
@@ -5752,8 +5507,8 @@
                 <a:solidFill>
                   <a:srgbClr val="FF0000"/>
                 </a:solidFill>
-                <a:latin typeface="微软雅黑" pitchFamily="34" charset="-122"/>
-                <a:ea typeface="微软雅黑" pitchFamily="34" charset="-122"/>
+                <a:latin typeface="微软雅黑" panose="020B0503020204020204" pitchFamily="34" charset="-122"/>
+                <a:ea typeface="微软雅黑" panose="020B0503020204020204" pitchFamily="34" charset="-122"/>
               </a:rPr>
               <a:t>伪元素</a:t>
             </a:r>
@@ -5761,8 +5516,8 @@
               <a:solidFill>
                 <a:srgbClr val="FF0000"/>
               </a:solidFill>
-              <a:latin typeface="微软雅黑" pitchFamily="34" charset="-122"/>
-              <a:ea typeface="微软雅黑" pitchFamily="34" charset="-122"/>
+              <a:latin typeface="微软雅黑" panose="020B0503020204020204" pitchFamily="34" charset="-122"/>
+              <a:ea typeface="微软雅黑" panose="020B0503020204020204" pitchFamily="34" charset="-122"/>
             </a:endParaRPr>
           </a:p>
           <a:p>
@@ -5774,18 +5529,22 @@
             </a:pPr>
             <a:r>
               <a:rPr lang="en-US" altLang="zh-CN" sz="2400" dirty="0" smtClean="0">
-                <a:latin typeface="微软雅黑" pitchFamily="34" charset="-122"/>
-                <a:ea typeface="微软雅黑" pitchFamily="34" charset="-122"/>
+                <a:latin typeface="微软雅黑" panose="020B0503020204020204" pitchFamily="34" charset="-122"/>
+                <a:ea typeface="微软雅黑" panose="020B0503020204020204" pitchFamily="34" charset="-122"/>
               </a:rPr>
               <a:t>: first-line  </a:t>
             </a:r>
             <a:r>
               <a:rPr lang="zh-CN" altLang="en-US" sz="2400" dirty="0" smtClean="0">
-                <a:latin typeface="微软雅黑" pitchFamily="34" charset="-122"/>
-                <a:ea typeface="微软雅黑" pitchFamily="34" charset="-122"/>
+                <a:latin typeface="微软雅黑" panose="020B0503020204020204" pitchFamily="34" charset="-122"/>
+                <a:ea typeface="微软雅黑" panose="020B0503020204020204" pitchFamily="34" charset="-122"/>
               </a:rPr>
               <a:t>匹配第一行文本</a:t>
             </a:r>
+            <a:endParaRPr lang="zh-CN" altLang="en-US" sz="2400" dirty="0" smtClean="0">
+              <a:latin typeface="微软雅黑" panose="020B0503020204020204" pitchFamily="34" charset="-122"/>
+              <a:ea typeface="微软雅黑" panose="020B0503020204020204" pitchFamily="34" charset="-122"/>
+            </a:endParaRPr>
           </a:p>
           <a:p>
             <a:pPr lvl="1">
@@ -5796,35 +5555,21 @@
             </a:pPr>
             <a:r>
               <a:rPr lang="en-US" altLang="zh-CN" sz="2400" dirty="0" smtClean="0">
-                <a:latin typeface="微软雅黑" pitchFamily="34" charset="-122"/>
-                <a:ea typeface="微软雅黑" pitchFamily="34" charset="-122"/>
+                <a:latin typeface="微软雅黑" panose="020B0503020204020204" pitchFamily="34" charset="-122"/>
+                <a:ea typeface="微软雅黑" panose="020B0503020204020204" pitchFamily="34" charset="-122"/>
               </a:rPr>
               <a:t>: first-letter </a:t>
             </a:r>
             <a:r>
               <a:rPr lang="zh-CN" altLang="en-US" sz="2400" dirty="0" smtClean="0">
-                <a:latin typeface="微软雅黑" pitchFamily="34" charset="-122"/>
-                <a:ea typeface="微软雅黑" pitchFamily="34" charset="-122"/>
-              </a:rPr>
-              <a:t>匹</a:t>
-            </a:r>
-            <a:r>
-              <a:rPr lang="zh-CN" altLang="en-US" sz="2400" dirty="0" smtClean="0">
-                <a:latin typeface="微软雅黑" pitchFamily="34" charset="-122"/>
-                <a:ea typeface="微软雅黑" pitchFamily="34" charset="-122"/>
-              </a:rPr>
-              <a:t>配第一首</a:t>
-            </a:r>
-            <a:r>
-              <a:rPr lang="zh-CN" altLang="en-US" sz="2400" dirty="0" smtClean="0">
-                <a:latin typeface="微软雅黑" pitchFamily="34" charset="-122"/>
-                <a:ea typeface="微软雅黑" pitchFamily="34" charset="-122"/>
-              </a:rPr>
-              <a:t>字符</a:t>
+                <a:latin typeface="微软雅黑" panose="020B0503020204020204" pitchFamily="34" charset="-122"/>
+                <a:ea typeface="微软雅黑" panose="020B0503020204020204" pitchFamily="34" charset="-122"/>
+              </a:rPr>
+              <a:t>匹配第一首字符</a:t>
             </a:r>
             <a:endParaRPr lang="en-US" altLang="zh-CN" sz="2400" dirty="0" smtClean="0">
-              <a:latin typeface="微软雅黑" pitchFamily="34" charset="-122"/>
-              <a:ea typeface="微软雅黑" pitchFamily="34" charset="-122"/>
+              <a:latin typeface="微软雅黑" panose="020B0503020204020204" pitchFamily="34" charset="-122"/>
+              <a:ea typeface="微软雅黑" panose="020B0503020204020204" pitchFamily="34" charset="-122"/>
             </a:endParaRPr>
           </a:p>
           <a:p>
@@ -5836,76 +5581,46 @@
             </a:pPr>
             <a:r>
               <a:rPr lang="en-US" altLang="zh-CN" sz="2400" dirty="0" smtClean="0">
-                <a:latin typeface="微软雅黑" pitchFamily="34" charset="-122"/>
-                <a:ea typeface="微软雅黑" pitchFamily="34" charset="-122"/>
+                <a:latin typeface="微软雅黑" panose="020B0503020204020204" pitchFamily="34" charset="-122"/>
+                <a:ea typeface="微软雅黑" panose="020B0503020204020204" pitchFamily="34" charset="-122"/>
               </a:rPr>
               <a:t>: before </a:t>
             </a:r>
             <a:r>
               <a:rPr lang="zh-CN" altLang="en-US" sz="2400" dirty="0" smtClean="0">
-                <a:latin typeface="微软雅黑" pitchFamily="34" charset="-122"/>
-                <a:ea typeface="微软雅黑" pitchFamily="34" charset="-122"/>
+                <a:latin typeface="微软雅黑" panose="020B0503020204020204" pitchFamily="34" charset="-122"/>
+                <a:ea typeface="微软雅黑" panose="020B0503020204020204" pitchFamily="34" charset="-122"/>
               </a:rPr>
               <a:t>和 </a:t>
             </a:r>
             <a:r>
               <a:rPr lang="en-US" altLang="zh-CN" sz="2400" dirty="0" smtClean="0">
-                <a:latin typeface="微软雅黑" pitchFamily="34" charset="-122"/>
-                <a:ea typeface="微软雅黑" pitchFamily="34" charset="-122"/>
+                <a:latin typeface="微软雅黑" panose="020B0503020204020204" pitchFamily="34" charset="-122"/>
+                <a:ea typeface="微软雅黑" panose="020B0503020204020204" pitchFamily="34" charset="-122"/>
               </a:rPr>
               <a:t>: after  DOM</a:t>
             </a:r>
             <a:r>
               <a:rPr lang="zh-CN" altLang="en-US" sz="2400" dirty="0" smtClean="0">
-                <a:latin typeface="微软雅黑" pitchFamily="34" charset="-122"/>
-                <a:ea typeface="微软雅黑" pitchFamily="34" charset="-122"/>
+                <a:latin typeface="微软雅黑" panose="020B0503020204020204" pitchFamily="34" charset="-122"/>
+                <a:ea typeface="微软雅黑" panose="020B0503020204020204" pitchFamily="34" charset="-122"/>
               </a:rPr>
               <a:t>元素前后插入额外的内容</a:t>
             </a:r>
             <a:endParaRPr lang="en-US" altLang="zh-CN" sz="2400" dirty="0" smtClean="0">
-              <a:latin typeface="微软雅黑" pitchFamily="34" charset="-122"/>
-              <a:ea typeface="微软雅黑" pitchFamily="34" charset="-122"/>
+              <a:latin typeface="微软雅黑" panose="020B0503020204020204" pitchFamily="34" charset="-122"/>
+              <a:ea typeface="微软雅黑" panose="020B0503020204020204" pitchFamily="34" charset="-122"/>
             </a:endParaRPr>
           </a:p>
         </p:txBody>
       </p:sp>
-      <p:pic>
-        <p:nvPicPr>
-          <p:cNvPr id="4" name="图片 3" descr="logo-new.png"/>
-          <p:cNvPicPr>
-            <a:picLocks noChangeAspect="1"/>
-          </p:cNvPicPr>
-          <p:nvPr/>
-        </p:nvPicPr>
-        <p:blipFill>
-          <a:blip r:embed="rId2">
-            <a:extLst>
-              <a:ext uri="{28A0092B-C50C-407E-A947-70E740481C1C}">
-                <a14:useLocalDpi xmlns="" xmlns:a14="http://schemas.microsoft.com/office/drawing/2010/main" val="0"/>
-              </a:ext>
-            </a:extLst>
-          </a:blip>
-          <a:stretch>
-            <a:fillRect/>
-          </a:stretch>
-        </p:blipFill>
-        <p:spPr>
-          <a:xfrm>
-            <a:off x="6964725" y="5781425"/>
-            <a:ext cx="1743000" cy="900000"/>
-          </a:xfrm>
-          <a:prstGeom prst="rect">
-            <a:avLst/>
-          </a:prstGeom>
-        </p:spPr>
-      </p:pic>
     </p:spTree>
   </p:cSld>
   <p:clrMapOvr>
     <a:masterClrMapping/>
   </p:clrMapOvr>
   <mc:AlternateContent xmlns:mc="http://schemas.openxmlformats.org/markup-compatibility/2006">
-    <mc:Choice xmlns="" xmlns:p14="http://schemas.microsoft.com/office/powerpoint/2010/main" Requires="p14">
+    <mc:Choice xmlns:p14="http://schemas.microsoft.com/office/powerpoint/2010/main" Requires="p14">
       <p:transition spd="med" p14:dur="700">
         <p:fade/>
       </p:transition>
@@ -6006,7 +5721,7 @@
               <a:buClr>
                 <a:srgbClr val="F50A64"/>
               </a:buClr>
-              <a:buFont typeface="Arial" pitchFamily="34" charset="0"/>
+              <a:buFont typeface="Arial" panose="020B0604020202020204" pitchFamily="34" charset="0"/>
               <a:buChar char="•"/>
             </a:pPr>
             <a:r>
@@ -6014,9 +5729,9 @@
                 <a:solidFill>
                   <a:srgbClr val="3F3F3F"/>
                 </a:solidFill>
-                <a:latin typeface="微软雅黑" pitchFamily="34" charset="-122"/>
-                <a:ea typeface="微软雅黑" pitchFamily="34" charset="-122"/>
-                <a:sym typeface="微软雅黑" pitchFamily="34" charset="-122"/>
+                <a:latin typeface="微软雅黑" panose="020B0503020204020204" pitchFamily="34" charset="-122"/>
+                <a:ea typeface="微软雅黑" panose="020B0503020204020204" pitchFamily="34" charset="-122"/>
+                <a:sym typeface="微软雅黑" panose="020B0503020204020204" pitchFamily="34" charset="-122"/>
               </a:rPr>
               <a:t>border-radius: 1-4</a:t>
             </a:r>
@@ -6025,9 +5740,9 @@
                 <a:solidFill>
                   <a:srgbClr val="3F3F3F"/>
                 </a:solidFill>
-                <a:latin typeface="微软雅黑" pitchFamily="34" charset="-122"/>
-                <a:ea typeface="微软雅黑" pitchFamily="34" charset="-122"/>
-                <a:sym typeface="微软雅黑" pitchFamily="34" charset="-122"/>
+                <a:latin typeface="微软雅黑" panose="020B0503020204020204" pitchFamily="34" charset="-122"/>
+                <a:ea typeface="微软雅黑" panose="020B0503020204020204" pitchFamily="34" charset="-122"/>
+                <a:sym typeface="微软雅黑" panose="020B0503020204020204" pitchFamily="34" charset="-122"/>
               </a:rPr>
               <a:t>个数字 </a:t>
             </a:r>
@@ -6036,9 +5751,9 @@
                 <a:solidFill>
                   <a:srgbClr val="3F3F3F"/>
                 </a:solidFill>
-                <a:latin typeface="微软雅黑" pitchFamily="34" charset="-122"/>
-                <a:ea typeface="微软雅黑" pitchFamily="34" charset="-122"/>
-                <a:sym typeface="微软雅黑" pitchFamily="34" charset="-122"/>
+                <a:latin typeface="微软雅黑" panose="020B0503020204020204" pitchFamily="34" charset="-122"/>
+                <a:ea typeface="微软雅黑" panose="020B0503020204020204" pitchFamily="34" charset="-122"/>
+                <a:sym typeface="微软雅黑" panose="020B0503020204020204" pitchFamily="34" charset="-122"/>
               </a:rPr>
               <a:t>/ 1-4</a:t>
             </a:r>
@@ -6047,9 +5762,9 @@
                 <a:solidFill>
                   <a:srgbClr val="3F3F3F"/>
                 </a:solidFill>
-                <a:latin typeface="微软雅黑" pitchFamily="34" charset="-122"/>
-                <a:ea typeface="微软雅黑" pitchFamily="34" charset="-122"/>
-                <a:sym typeface="微软雅黑" pitchFamily="34" charset="-122"/>
+                <a:latin typeface="微软雅黑" panose="020B0503020204020204" pitchFamily="34" charset="-122"/>
+                <a:ea typeface="微软雅黑" panose="020B0503020204020204" pitchFamily="34" charset="-122"/>
+                <a:sym typeface="微软雅黑" panose="020B0503020204020204" pitchFamily="34" charset="-122"/>
               </a:rPr>
               <a:t>个数字</a:t>
             </a:r>
@@ -6057,9 +5772,9 @@
               <a:solidFill>
                 <a:srgbClr val="3F3F3F"/>
               </a:solidFill>
-              <a:latin typeface="微软雅黑" pitchFamily="34" charset="-122"/>
-              <a:ea typeface="微软雅黑" pitchFamily="34" charset="-122"/>
-              <a:sym typeface="微软雅黑" pitchFamily="34" charset="-122"/>
+              <a:latin typeface="微软雅黑" panose="020B0503020204020204" pitchFamily="34" charset="-122"/>
+              <a:ea typeface="微软雅黑" panose="020B0503020204020204" pitchFamily="34" charset="-122"/>
+              <a:sym typeface="微软雅黑" panose="020B0503020204020204" pitchFamily="34" charset="-122"/>
             </a:endParaRPr>
           </a:p>
           <a:p>
@@ -6067,7 +5782,7 @@
               <a:lnSpc>
                 <a:spcPct val="150000"/>
               </a:lnSpc>
-              <a:buFont typeface="Arial" pitchFamily="34" charset="0"/>
+              <a:buFont typeface="Arial" panose="020B0604020202020204" pitchFamily="34" charset="0"/>
               <a:buChar char="•"/>
             </a:pPr>
             <a:r>
@@ -6075,9 +5790,9 @@
                 <a:solidFill>
                   <a:srgbClr val="3F3F3F"/>
                 </a:solidFill>
-                <a:latin typeface="微软雅黑" pitchFamily="34" charset="-122"/>
-                <a:ea typeface="微软雅黑" pitchFamily="34" charset="-122"/>
-                <a:sym typeface="微软雅黑" pitchFamily="34" charset="-122"/>
+                <a:latin typeface="微软雅黑" panose="020B0503020204020204" pitchFamily="34" charset="-122"/>
+                <a:ea typeface="微软雅黑" panose="020B0503020204020204" pitchFamily="34" charset="-122"/>
+                <a:sym typeface="微软雅黑" panose="020B0503020204020204" pitchFamily="34" charset="-122"/>
               </a:rPr>
               <a:t>前面是水平半径，后面是垂直半径</a:t>
             </a:r>
@@ -6085,9 +5800,9 @@
               <a:solidFill>
                 <a:srgbClr val="3F3F3F"/>
               </a:solidFill>
-              <a:latin typeface="微软雅黑" pitchFamily="34" charset="-122"/>
-              <a:ea typeface="微软雅黑" pitchFamily="34" charset="-122"/>
-              <a:sym typeface="微软雅黑" pitchFamily="34" charset="-122"/>
+              <a:latin typeface="微软雅黑" panose="020B0503020204020204" pitchFamily="34" charset="-122"/>
+              <a:ea typeface="微软雅黑" panose="020B0503020204020204" pitchFamily="34" charset="-122"/>
+              <a:sym typeface="微软雅黑" panose="020B0503020204020204" pitchFamily="34" charset="-122"/>
             </a:endParaRPr>
           </a:p>
           <a:p>
@@ -6095,7 +5810,7 @@
               <a:lnSpc>
                 <a:spcPct val="150000"/>
               </a:lnSpc>
-              <a:buFont typeface="Arial" pitchFamily="34" charset="0"/>
+              <a:buFont typeface="Arial" panose="020B0604020202020204" pitchFamily="34" charset="0"/>
               <a:buChar char="•"/>
             </a:pPr>
             <a:r>
@@ -6103,9 +5818,9 @@
                 <a:solidFill>
                   <a:srgbClr val="3F3F3F"/>
                 </a:solidFill>
-                <a:latin typeface="微软雅黑" pitchFamily="34" charset="-122"/>
-                <a:ea typeface="微软雅黑" pitchFamily="34" charset="-122"/>
-                <a:sym typeface="微软雅黑" pitchFamily="34" charset="-122"/>
+                <a:latin typeface="微软雅黑" panose="020B0503020204020204" pitchFamily="34" charset="-122"/>
+                <a:ea typeface="微软雅黑" panose="020B0503020204020204" pitchFamily="34" charset="-122"/>
+                <a:sym typeface="微软雅黑" panose="020B0503020204020204" pitchFamily="34" charset="-122"/>
               </a:rPr>
               <a:t>四个数字方向分别是左上  右上  右下  左下</a:t>
             </a:r>
@@ -6113,9 +5828,9 @@
               <a:solidFill>
                 <a:srgbClr val="3F3F3F"/>
               </a:solidFill>
-              <a:latin typeface="微软雅黑" pitchFamily="34" charset="-122"/>
-              <a:ea typeface="微软雅黑" pitchFamily="34" charset="-122"/>
-              <a:sym typeface="微软雅黑" pitchFamily="34" charset="-122"/>
+              <a:latin typeface="微软雅黑" panose="020B0503020204020204" pitchFamily="34" charset="-122"/>
+              <a:ea typeface="微软雅黑" panose="020B0503020204020204" pitchFamily="34" charset="-122"/>
+              <a:sym typeface="微软雅黑" panose="020B0503020204020204" pitchFamily="34" charset="-122"/>
             </a:endParaRPr>
           </a:p>
           <a:p>
@@ -6123,7 +5838,7 @@
               <a:lnSpc>
                 <a:spcPct val="150000"/>
               </a:lnSpc>
-              <a:buFont typeface="Arial" pitchFamily="34" charset="0"/>
+              <a:buFont typeface="Arial" panose="020B0604020202020204" pitchFamily="34" charset="0"/>
               <a:buChar char="•"/>
             </a:pPr>
             <a:r>
@@ -6131,9 +5846,9 @@
                 <a:solidFill>
                   <a:srgbClr val="3F3F3F"/>
                 </a:solidFill>
-                <a:latin typeface="微软雅黑" pitchFamily="34" charset="-122"/>
-                <a:ea typeface="微软雅黑" pitchFamily="34" charset="-122"/>
-                <a:sym typeface="微软雅黑" pitchFamily="34" charset="-122"/>
+                <a:latin typeface="微软雅黑" panose="020B0503020204020204" pitchFamily="34" charset="-122"/>
+                <a:ea typeface="微软雅黑" panose="020B0503020204020204" pitchFamily="34" charset="-122"/>
+                <a:sym typeface="微软雅黑" panose="020B0503020204020204" pitchFamily="34" charset="-122"/>
               </a:rPr>
               <a:t>不给“</a:t>
             </a:r>
@@ -6142,9 +5857,9 @@
                 <a:solidFill>
                   <a:srgbClr val="3F3F3F"/>
                 </a:solidFill>
-                <a:latin typeface="微软雅黑" pitchFamily="34" charset="-122"/>
-                <a:ea typeface="微软雅黑" pitchFamily="34" charset="-122"/>
-                <a:sym typeface="微软雅黑" pitchFamily="34" charset="-122"/>
+                <a:latin typeface="微软雅黑" panose="020B0503020204020204" pitchFamily="34" charset="-122"/>
+                <a:ea typeface="微软雅黑" panose="020B0503020204020204" pitchFamily="34" charset="-122"/>
+                <a:sym typeface="微软雅黑" panose="020B0503020204020204" pitchFamily="34" charset="-122"/>
               </a:rPr>
               <a:t>/”</a:t>
             </a:r>
@@ -6153,9 +5868,9 @@
                 <a:solidFill>
                   <a:srgbClr val="3F3F3F"/>
                 </a:solidFill>
-                <a:latin typeface="微软雅黑" pitchFamily="34" charset="-122"/>
-                <a:ea typeface="微软雅黑" pitchFamily="34" charset="-122"/>
-                <a:sym typeface="微软雅黑" pitchFamily="34" charset="-122"/>
+                <a:latin typeface="微软雅黑" panose="020B0503020204020204" pitchFamily="34" charset="-122"/>
+                <a:ea typeface="微软雅黑" panose="020B0503020204020204" pitchFamily="34" charset="-122"/>
+                <a:sym typeface="微软雅黑" panose="020B0503020204020204" pitchFamily="34" charset="-122"/>
               </a:rPr>
               <a:t>则水平半径和垂直半径一样</a:t>
             </a:r>
@@ -6163,9 +5878,9 @@
               <a:solidFill>
                 <a:srgbClr val="3F3F3F"/>
               </a:solidFill>
-              <a:latin typeface="微软雅黑" pitchFamily="34" charset="-122"/>
-              <a:ea typeface="微软雅黑" pitchFamily="34" charset="-122"/>
-              <a:sym typeface="微软雅黑" pitchFamily="34" charset="-122"/>
+              <a:latin typeface="微软雅黑" panose="020B0503020204020204" pitchFamily="34" charset="-122"/>
+              <a:ea typeface="微软雅黑" panose="020B0503020204020204" pitchFamily="34" charset="-122"/>
+              <a:sym typeface="微软雅黑" panose="020B0503020204020204" pitchFamily="34" charset="-122"/>
             </a:endParaRPr>
           </a:p>
           <a:p>
@@ -6173,7 +5888,7 @@
               <a:lnSpc>
                 <a:spcPct val="150000"/>
               </a:lnSpc>
-              <a:buFont typeface="Arial" pitchFamily="34" charset="0"/>
+              <a:buFont typeface="Arial" panose="020B0604020202020204" pitchFamily="34" charset="0"/>
               <a:buChar char="•"/>
             </a:pPr>
             <a:r>
@@ -6181,19 +5896,27 @@
                 <a:solidFill>
                   <a:srgbClr val="3F3F3F"/>
                 </a:solidFill>
-                <a:latin typeface="微软雅黑" pitchFamily="34" charset="-122"/>
-                <a:ea typeface="微软雅黑" pitchFamily="34" charset="-122"/>
-                <a:sym typeface="微软雅黑" pitchFamily="34" charset="-122"/>
+                <a:latin typeface="微软雅黑" panose="020B0503020204020204" pitchFamily="34" charset="-122"/>
+                <a:ea typeface="微软雅黑" panose="020B0503020204020204" pitchFamily="34" charset="-122"/>
+                <a:sym typeface="微软雅黑" panose="020B0503020204020204" pitchFamily="34" charset="-122"/>
               </a:rPr>
               <a:t>border-radius: 10px/5px;</a:t>
             </a:r>
+            <a:endParaRPr lang="en-US" altLang="zh-CN" sz="2200" dirty="0" smtClean="0">
+              <a:solidFill>
+                <a:srgbClr val="3F3F3F"/>
+              </a:solidFill>
+              <a:latin typeface="微软雅黑" panose="020B0503020204020204" pitchFamily="34" charset="-122"/>
+              <a:ea typeface="微软雅黑" panose="020B0503020204020204" pitchFamily="34" charset="-122"/>
+              <a:sym typeface="微软雅黑" panose="020B0503020204020204" pitchFamily="34" charset="-122"/>
+            </a:endParaRPr>
           </a:p>
           <a:p>
             <a:pPr marL="1200150" lvl="3" indent="-342900">
               <a:lnSpc>
                 <a:spcPct val="150000"/>
               </a:lnSpc>
-              <a:buFont typeface="Arial" pitchFamily="34" charset="0"/>
+              <a:buFont typeface="Arial" panose="020B0604020202020204" pitchFamily="34" charset="0"/>
               <a:buChar char="•"/>
             </a:pPr>
             <a:r>
@@ -6201,19 +5924,27 @@
                 <a:solidFill>
                   <a:srgbClr val="3F3F3F"/>
                 </a:solidFill>
-                <a:latin typeface="微软雅黑" pitchFamily="34" charset="-122"/>
-                <a:ea typeface="微软雅黑" pitchFamily="34" charset="-122"/>
-                <a:sym typeface="微软雅黑" pitchFamily="34" charset="-122"/>
+                <a:latin typeface="微软雅黑" panose="020B0503020204020204" pitchFamily="34" charset="-122"/>
+                <a:ea typeface="微软雅黑" panose="020B0503020204020204" pitchFamily="34" charset="-122"/>
+                <a:sym typeface="微软雅黑" panose="020B0503020204020204" pitchFamily="34" charset="-122"/>
               </a:rPr>
               <a:t>border-radius:60px 40px 30px 20px /30px 20px 10px 5</a:t>
             </a:r>
+            <a:endParaRPr lang="en-US" altLang="zh-CN" sz="2200" dirty="0" smtClean="0">
+              <a:solidFill>
+                <a:srgbClr val="3F3F3F"/>
+              </a:solidFill>
+              <a:latin typeface="微软雅黑" panose="020B0503020204020204" pitchFamily="34" charset="-122"/>
+              <a:ea typeface="微软雅黑" panose="020B0503020204020204" pitchFamily="34" charset="-122"/>
+              <a:sym typeface="微软雅黑" panose="020B0503020204020204" pitchFamily="34" charset="-122"/>
+            </a:endParaRPr>
           </a:p>
           <a:p>
             <a:pPr marL="742950" lvl="2" indent="-342900">
               <a:lnSpc>
                 <a:spcPct val="150000"/>
               </a:lnSpc>
-              <a:buFont typeface="Arial" pitchFamily="34" charset="0"/>
+              <a:buFont typeface="Arial" panose="020B0604020202020204" pitchFamily="34" charset="0"/>
               <a:buChar char="•"/>
             </a:pPr>
             <a:r>
@@ -6221,9 +5952,9 @@
                 <a:solidFill>
                   <a:srgbClr val="3F3F3F"/>
                 </a:solidFill>
-                <a:latin typeface="微软雅黑" pitchFamily="34" charset="-122"/>
-                <a:ea typeface="微软雅黑" pitchFamily="34" charset="-122"/>
-                <a:sym typeface="微软雅黑" pitchFamily="34" charset="-122"/>
+                <a:latin typeface="微软雅黑" panose="020B0503020204020204" pitchFamily="34" charset="-122"/>
+                <a:ea typeface="微软雅黑" panose="020B0503020204020204" pitchFamily="34" charset="-122"/>
+                <a:sym typeface="微软雅黑" panose="020B0503020204020204" pitchFamily="34" charset="-122"/>
               </a:rPr>
               <a:t>例子 </a:t>
             </a:r>
@@ -6232,9 +5963,9 @@
                 <a:solidFill>
                   <a:srgbClr val="3F3F3F"/>
                 </a:solidFill>
-                <a:latin typeface="微软雅黑" pitchFamily="34" charset="-122"/>
-                <a:ea typeface="微软雅黑" pitchFamily="34" charset="-122"/>
-                <a:sym typeface="微软雅黑" pitchFamily="34" charset="-122"/>
+                <a:latin typeface="微软雅黑" panose="020B0503020204020204" pitchFamily="34" charset="-122"/>
+                <a:ea typeface="微软雅黑" panose="020B0503020204020204" pitchFamily="34" charset="-122"/>
+                <a:sym typeface="微软雅黑" panose="020B0503020204020204" pitchFamily="34" charset="-122"/>
               </a:rPr>
               <a:t>: </a:t>
             </a:r>
@@ -6243,9 +5974,9 @@
                 <a:solidFill>
                   <a:srgbClr val="3F3F3F"/>
                 </a:solidFill>
-                <a:latin typeface="微软雅黑" pitchFamily="34" charset="-122"/>
-                <a:ea typeface="微软雅黑" pitchFamily="34" charset="-122"/>
-                <a:sym typeface="微软雅黑" pitchFamily="34" charset="-122"/>
+                <a:latin typeface="微软雅黑" panose="020B0503020204020204" pitchFamily="34" charset="-122"/>
+                <a:ea typeface="微软雅黑" panose="020B0503020204020204" pitchFamily="34" charset="-122"/>
+                <a:sym typeface="微软雅黑" panose="020B0503020204020204" pitchFamily="34" charset="-122"/>
               </a:rPr>
               <a:t>圆  椭圆  半圆  扇形 </a:t>
             </a:r>
@@ -6253,50 +5984,20 @@
               <a:solidFill>
                 <a:srgbClr val="3F3F3F"/>
               </a:solidFill>
-              <a:latin typeface="微软雅黑" pitchFamily="34" charset="-122"/>
-              <a:ea typeface="微软雅黑" pitchFamily="34" charset="-122"/>
-              <a:sym typeface="微软雅黑" pitchFamily="34" charset="-122"/>
+              <a:latin typeface="微软雅黑" panose="020B0503020204020204" pitchFamily="34" charset="-122"/>
+              <a:ea typeface="微软雅黑" panose="020B0503020204020204" pitchFamily="34" charset="-122"/>
+              <a:sym typeface="微软雅黑" panose="020B0503020204020204" pitchFamily="34" charset="-122"/>
             </a:endParaRPr>
           </a:p>
         </p:txBody>
       </p:sp>
-      <p:pic>
-        <p:nvPicPr>
-          <p:cNvPr id="4" name="图片 3" descr="logo-new.png"/>
-          <p:cNvPicPr>
-            <a:picLocks noChangeAspect="1"/>
-          </p:cNvPicPr>
-          <p:nvPr/>
-        </p:nvPicPr>
-        <p:blipFill>
-          <a:blip r:embed="rId2">
-            <a:extLst>
-              <a:ext uri="{28A0092B-C50C-407E-A947-70E740481C1C}">
-                <a14:useLocalDpi xmlns="" xmlns:a14="http://schemas.microsoft.com/office/drawing/2010/main" val="0"/>
-              </a:ext>
-            </a:extLst>
-          </a:blip>
-          <a:stretch>
-            <a:fillRect/>
-          </a:stretch>
-        </p:blipFill>
-        <p:spPr>
-          <a:xfrm>
-            <a:off x="6964725" y="5781425"/>
-            <a:ext cx="1743000" cy="900000"/>
-          </a:xfrm>
-          <a:prstGeom prst="rect">
-            <a:avLst/>
-          </a:prstGeom>
-        </p:spPr>
-      </p:pic>
     </p:spTree>
   </p:cSld>
   <p:clrMapOvr>
     <a:masterClrMapping/>
   </p:clrMapOvr>
   <mc:AlternateContent xmlns:mc="http://schemas.openxmlformats.org/markup-compatibility/2006">
-    <mc:Choice xmlns="" xmlns:p14="http://schemas.microsoft.com/office/powerpoint/2010/main" Requires="p14">
+    <mc:Choice xmlns:p14="http://schemas.microsoft.com/office/powerpoint/2010/main" Requires="p14">
       <p:transition spd="med" p14:dur="700">
         <p:fade/>
       </p:transition>
@@ -6397,18 +6098,25 @@
                 <a:solidFill>
                   <a:srgbClr val="FF0000"/>
                 </a:solidFill>
-                <a:latin typeface="微软雅黑" pitchFamily="34" charset="-122"/>
-                <a:ea typeface="微软雅黑" pitchFamily="34" charset="-122"/>
+                <a:latin typeface="微软雅黑" panose="020B0503020204020204" pitchFamily="34" charset="-122"/>
+                <a:ea typeface="微软雅黑" panose="020B0503020204020204" pitchFamily="34" charset="-122"/>
               </a:rPr>
               <a:t>linear- gradient</a:t>
             </a:r>
+            <a:endParaRPr lang="en-US" altLang="zh-CN" sz="4400" dirty="0" smtClean="0">
+              <a:solidFill>
+                <a:srgbClr val="FF0000"/>
+              </a:solidFill>
+              <a:latin typeface="微软雅黑" panose="020B0503020204020204" pitchFamily="34" charset="-122"/>
+              <a:ea typeface="微软雅黑" panose="020B0503020204020204" pitchFamily="34" charset="-122"/>
+            </a:endParaRPr>
           </a:p>
           <a:p>
             <a:pPr lvl="1">
               <a:lnSpc>
                 <a:spcPct val="170000"/>
               </a:lnSpc>
-              <a:buFont typeface="Arial" pitchFamily="34" charset="0"/>
+              <a:buFont typeface="Arial" panose="020B0604020202020204" pitchFamily="34" charset="0"/>
               <a:buChar char="•"/>
             </a:pPr>
             <a:r>
@@ -6416,9 +6124,9 @@
                 <a:solidFill>
                   <a:srgbClr val="3F3F3F"/>
                 </a:solidFill>
-                <a:latin typeface="微软雅黑" pitchFamily="34" charset="-122"/>
-                <a:ea typeface="微软雅黑" pitchFamily="34" charset="-122"/>
-                <a:sym typeface="微软雅黑" pitchFamily="34" charset="-122"/>
+                <a:latin typeface="微软雅黑" panose="020B0503020204020204" pitchFamily="34" charset="-122"/>
+                <a:ea typeface="微软雅黑" panose="020B0503020204020204" pitchFamily="34" charset="-122"/>
+                <a:sym typeface="微软雅黑" panose="020B0503020204020204" pitchFamily="34" charset="-122"/>
               </a:rPr>
               <a:t>linear-gradient([&lt;</a:t>
             </a:r>
@@ -6427,9 +6135,9 @@
                 <a:solidFill>
                   <a:srgbClr val="3F3F3F"/>
                 </a:solidFill>
-                <a:latin typeface="微软雅黑" pitchFamily="34" charset="-122"/>
-                <a:ea typeface="微软雅黑" pitchFamily="34" charset="-122"/>
-                <a:sym typeface="微软雅黑" pitchFamily="34" charset="-122"/>
+                <a:latin typeface="微软雅黑" panose="020B0503020204020204" pitchFamily="34" charset="-122"/>
+                <a:ea typeface="微软雅黑" panose="020B0503020204020204" pitchFamily="34" charset="-122"/>
+                <a:sym typeface="微软雅黑" panose="020B0503020204020204" pitchFamily="34" charset="-122"/>
               </a:rPr>
               <a:t>起点</a:t>
             </a:r>
@@ -6438,9 +6146,9 @@
                 <a:solidFill>
                   <a:srgbClr val="3F3F3F"/>
                 </a:solidFill>
-                <a:latin typeface="微软雅黑" pitchFamily="34" charset="-122"/>
-                <a:ea typeface="微软雅黑" pitchFamily="34" charset="-122"/>
-                <a:sym typeface="微软雅黑" pitchFamily="34" charset="-122"/>
+                <a:latin typeface="微软雅黑" panose="020B0503020204020204" pitchFamily="34" charset="-122"/>
+                <a:ea typeface="微软雅黑" panose="020B0503020204020204" pitchFamily="34" charset="-122"/>
+                <a:sym typeface="微软雅黑" panose="020B0503020204020204" pitchFamily="34" charset="-122"/>
               </a:rPr>
               <a:t>&gt; || &lt;</a:t>
             </a:r>
@@ -6449,9 +6157,9 @@
                 <a:solidFill>
                   <a:srgbClr val="3F3F3F"/>
                 </a:solidFill>
-                <a:latin typeface="微软雅黑" pitchFamily="34" charset="-122"/>
-                <a:ea typeface="微软雅黑" pitchFamily="34" charset="-122"/>
-                <a:sym typeface="微软雅黑" pitchFamily="34" charset="-122"/>
+                <a:latin typeface="微软雅黑" panose="020B0503020204020204" pitchFamily="34" charset="-122"/>
+                <a:ea typeface="微软雅黑" panose="020B0503020204020204" pitchFamily="34" charset="-122"/>
+                <a:sym typeface="微软雅黑" panose="020B0503020204020204" pitchFamily="34" charset="-122"/>
               </a:rPr>
               <a:t>角度</a:t>
             </a:r>
@@ -6460,9 +6168,9 @@
                 <a:solidFill>
                   <a:srgbClr val="3F3F3F"/>
                 </a:solidFill>
-                <a:latin typeface="微软雅黑" pitchFamily="34" charset="-122"/>
-                <a:ea typeface="微软雅黑" pitchFamily="34" charset="-122"/>
-                <a:sym typeface="微软雅黑" pitchFamily="34" charset="-122"/>
+                <a:latin typeface="微软雅黑" panose="020B0503020204020204" pitchFamily="34" charset="-122"/>
+                <a:ea typeface="微软雅黑" panose="020B0503020204020204" pitchFamily="34" charset="-122"/>
+                <a:sym typeface="微软雅黑" panose="020B0503020204020204" pitchFamily="34" charset="-122"/>
               </a:rPr>
               <a:t>&gt;,]? &lt;</a:t>
             </a:r>
@@ -6471,9 +6179,9 @@
                 <a:solidFill>
                   <a:srgbClr val="3F3F3F"/>
                 </a:solidFill>
-                <a:latin typeface="微软雅黑" pitchFamily="34" charset="-122"/>
-                <a:ea typeface="微软雅黑" pitchFamily="34" charset="-122"/>
-                <a:sym typeface="微软雅黑" pitchFamily="34" charset="-122"/>
+                <a:latin typeface="微软雅黑" panose="020B0503020204020204" pitchFamily="34" charset="-122"/>
+                <a:ea typeface="微软雅黑" panose="020B0503020204020204" pitchFamily="34" charset="-122"/>
+                <a:sym typeface="微软雅黑" panose="020B0503020204020204" pitchFamily="34" charset="-122"/>
               </a:rPr>
               <a:t>点</a:t>
             </a:r>
@@ -6482,9 +6190,9 @@
                 <a:solidFill>
                   <a:srgbClr val="3F3F3F"/>
                 </a:solidFill>
-                <a:latin typeface="微软雅黑" pitchFamily="34" charset="-122"/>
-                <a:ea typeface="微软雅黑" pitchFamily="34" charset="-122"/>
-                <a:sym typeface="微软雅黑" pitchFamily="34" charset="-122"/>
+                <a:latin typeface="微软雅黑" panose="020B0503020204020204" pitchFamily="34" charset="-122"/>
+                <a:ea typeface="微软雅黑" panose="020B0503020204020204" pitchFamily="34" charset="-122"/>
+                <a:sym typeface="微软雅黑" panose="020B0503020204020204" pitchFamily="34" charset="-122"/>
               </a:rPr>
               <a:t>&gt;, &lt;</a:t>
             </a:r>
@@ -6493,9 +6201,9 @@
                 <a:solidFill>
                   <a:srgbClr val="3F3F3F"/>
                 </a:solidFill>
-                <a:latin typeface="微软雅黑" pitchFamily="34" charset="-122"/>
-                <a:ea typeface="微软雅黑" pitchFamily="34" charset="-122"/>
-                <a:sym typeface="微软雅黑" pitchFamily="34" charset="-122"/>
+                <a:latin typeface="微软雅黑" panose="020B0503020204020204" pitchFamily="34" charset="-122"/>
+                <a:ea typeface="微软雅黑" panose="020B0503020204020204" pitchFamily="34" charset="-122"/>
+                <a:sym typeface="微软雅黑" panose="020B0503020204020204" pitchFamily="34" charset="-122"/>
               </a:rPr>
               <a:t>点</a:t>
             </a:r>
@@ -6504,15 +6212,15 @@
                 <a:solidFill>
                   <a:srgbClr val="3F3F3F"/>
                 </a:solidFill>
-                <a:latin typeface="微软雅黑" pitchFamily="34" charset="-122"/>
-                <a:ea typeface="微软雅黑" pitchFamily="34" charset="-122"/>
-                <a:sym typeface="微软雅黑" pitchFamily="34" charset="-122"/>
+                <a:latin typeface="微软雅黑" panose="020B0503020204020204" pitchFamily="34" charset="-122"/>
+                <a:ea typeface="微软雅黑" panose="020B0503020204020204" pitchFamily="34" charset="-122"/>
+                <a:sym typeface="微软雅黑" panose="020B0503020204020204" pitchFamily="34" charset="-122"/>
               </a:rPr>
               <a:t>&gt;…)</a:t>
             </a:r>
             <a:endParaRPr lang="en-US" altLang="zh-CN" sz="3600" dirty="0" smtClean="0">
-              <a:latin typeface="微软雅黑" pitchFamily="34" charset="-122"/>
-              <a:ea typeface="微软雅黑" pitchFamily="34" charset="-122"/>
+              <a:latin typeface="微软雅黑" panose="020B0503020204020204" pitchFamily="34" charset="-122"/>
+              <a:ea typeface="微软雅黑" panose="020B0503020204020204" pitchFamily="34" charset="-122"/>
             </a:endParaRPr>
           </a:p>
           <a:p>
@@ -6520,19 +6228,19 @@
               <a:lnSpc>
                 <a:spcPct val="170000"/>
               </a:lnSpc>
-              <a:buFont typeface="Arial" pitchFamily="34" charset="0"/>
+              <a:buFont typeface="Arial" panose="020B0604020202020204" pitchFamily="34" charset="0"/>
               <a:buChar char="•"/>
             </a:pPr>
             <a:r>
               <a:rPr lang="zh-CN" altLang="en-US" sz="3600" dirty="0" smtClean="0">
-                <a:latin typeface="微软雅黑" pitchFamily="34" charset="-122"/>
-                <a:ea typeface="微软雅黑" pitchFamily="34" charset="-122"/>
+                <a:latin typeface="微软雅黑" panose="020B0503020204020204" pitchFamily="34" charset="-122"/>
+                <a:ea typeface="微软雅黑" panose="020B0503020204020204" pitchFamily="34" charset="-122"/>
               </a:rPr>
               <a:t>只能用在背景上</a:t>
             </a:r>
             <a:endParaRPr lang="en-US" altLang="zh-CN" sz="3600" dirty="0" smtClean="0">
-              <a:latin typeface="微软雅黑" pitchFamily="34" charset="-122"/>
-              <a:ea typeface="微软雅黑" pitchFamily="34" charset="-122"/>
+              <a:latin typeface="微软雅黑" panose="020B0503020204020204" pitchFamily="34" charset="-122"/>
+              <a:ea typeface="微软雅黑" panose="020B0503020204020204" pitchFamily="34" charset="-122"/>
             </a:endParaRPr>
           </a:p>
           <a:p>
@@ -6540,19 +6248,19 @@
               <a:lnSpc>
                 <a:spcPct val="170000"/>
               </a:lnSpc>
-              <a:buFont typeface="Arial" pitchFamily="34" charset="0"/>
+              <a:buFont typeface="Arial" panose="020B0604020202020204" pitchFamily="34" charset="0"/>
               <a:buChar char="•"/>
             </a:pPr>
             <a:r>
               <a:rPr lang="zh-CN" altLang="en-US" sz="3600" dirty="0" smtClean="0">
-                <a:latin typeface="微软雅黑" pitchFamily="34" charset="-122"/>
-                <a:ea typeface="微软雅黑" pitchFamily="34" charset="-122"/>
+                <a:latin typeface="微软雅黑" panose="020B0503020204020204" pitchFamily="34" charset="-122"/>
+                <a:ea typeface="微软雅黑" panose="020B0503020204020204" pitchFamily="34" charset="-122"/>
               </a:rPr>
               <a:t>颜色是沿着一条直线轴变化</a:t>
             </a:r>
             <a:endParaRPr lang="en-US" altLang="zh-CN" sz="3600" dirty="0" smtClean="0">
-              <a:latin typeface="微软雅黑" pitchFamily="34" charset="-122"/>
-              <a:ea typeface="微软雅黑" pitchFamily="34" charset="-122"/>
+              <a:latin typeface="微软雅黑" panose="020B0503020204020204" pitchFamily="34" charset="-122"/>
+              <a:ea typeface="微软雅黑" panose="020B0503020204020204" pitchFamily="34" charset="-122"/>
             </a:endParaRPr>
           </a:p>
           <a:p>
@@ -6560,7 +6268,7 @@
               <a:lnSpc>
                 <a:spcPct val="170000"/>
               </a:lnSpc>
-              <a:buFont typeface="Arial" pitchFamily="34" charset="0"/>
+              <a:buFont typeface="Arial" panose="020B0604020202020204" pitchFamily="34" charset="0"/>
               <a:buChar char="•"/>
             </a:pPr>
             <a:r>
@@ -6568,9 +6276,9 @@
                 <a:solidFill>
                   <a:srgbClr val="3F3F3F"/>
                 </a:solidFill>
-                <a:latin typeface="微软雅黑" pitchFamily="34" charset="-122"/>
-                <a:ea typeface="微软雅黑" pitchFamily="34" charset="-122"/>
-                <a:sym typeface="微软雅黑" pitchFamily="34" charset="-122"/>
+                <a:latin typeface="微软雅黑" panose="020B0503020204020204" pitchFamily="34" charset="-122"/>
+                <a:ea typeface="微软雅黑" panose="020B0503020204020204" pitchFamily="34" charset="-122"/>
+                <a:sym typeface="微软雅黑" panose="020B0503020204020204" pitchFamily="34" charset="-122"/>
               </a:rPr>
               <a:t>参数</a:t>
             </a:r>
@@ -6578,9 +6286,9 @@
               <a:solidFill>
                 <a:srgbClr val="3F3F3F"/>
               </a:solidFill>
-              <a:latin typeface="微软雅黑" pitchFamily="34" charset="-122"/>
-              <a:ea typeface="微软雅黑" pitchFamily="34" charset="-122"/>
-              <a:sym typeface="微软雅黑" pitchFamily="34" charset="-122"/>
+              <a:latin typeface="微软雅黑" panose="020B0503020204020204" pitchFamily="34" charset="-122"/>
+              <a:ea typeface="微软雅黑" panose="020B0503020204020204" pitchFamily="34" charset="-122"/>
+              <a:sym typeface="微软雅黑" panose="020B0503020204020204" pitchFamily="34" charset="-122"/>
             </a:endParaRPr>
           </a:p>
           <a:p>
@@ -6594,12 +6302,20 @@
                 <a:solidFill>
                   <a:srgbClr val="3F3F3F"/>
                 </a:solidFill>
-                <a:latin typeface="微软雅黑" pitchFamily="34" charset="-122"/>
-                <a:ea typeface="微软雅黑" pitchFamily="34" charset="-122"/>
-                <a:sym typeface="微软雅黑" pitchFamily="34" charset="-122"/>
+                <a:latin typeface="微软雅黑" panose="020B0503020204020204" pitchFamily="34" charset="-122"/>
+                <a:ea typeface="微软雅黑" panose="020B0503020204020204" pitchFamily="34" charset="-122"/>
+                <a:sym typeface="微软雅黑" panose="020B0503020204020204" pitchFamily="34" charset="-122"/>
               </a:rPr>
               <a:t>起点：从什么方向开始渐变</a:t>
             </a:r>
+            <a:endParaRPr lang="zh-CN" altLang="en-US" sz="3600" dirty="0" smtClean="0">
+              <a:solidFill>
+                <a:srgbClr val="3F3F3F"/>
+              </a:solidFill>
+              <a:latin typeface="微软雅黑" panose="020B0503020204020204" pitchFamily="34" charset="-122"/>
+              <a:ea typeface="微软雅黑" panose="020B0503020204020204" pitchFamily="34" charset="-122"/>
+              <a:sym typeface="微软雅黑" panose="020B0503020204020204" pitchFamily="34" charset="-122"/>
+            </a:endParaRPr>
           </a:p>
           <a:p>
             <a:pPr marL="1657350" lvl="4" indent="-342900">
@@ -6612,9 +6328,9 @@
                 <a:solidFill>
                   <a:srgbClr val="3F3F3F"/>
                 </a:solidFill>
-                <a:latin typeface="微软雅黑" pitchFamily="34" charset="-122"/>
-                <a:ea typeface="微软雅黑" pitchFamily="34" charset="-122"/>
-                <a:sym typeface="微软雅黑" pitchFamily="34" charset="-122"/>
+                <a:latin typeface="微软雅黑" panose="020B0503020204020204" pitchFamily="34" charset="-122"/>
+                <a:ea typeface="微软雅黑" panose="020B0503020204020204" pitchFamily="34" charset="-122"/>
+                <a:sym typeface="微软雅黑" panose="020B0503020204020204" pitchFamily="34" charset="-122"/>
               </a:rPr>
               <a:t>left</a:t>
             </a:r>
@@ -6623,9 +6339,9 @@
                 <a:solidFill>
                   <a:srgbClr val="3F3F3F"/>
                 </a:solidFill>
-                <a:latin typeface="微软雅黑" pitchFamily="34" charset="-122"/>
-                <a:ea typeface="微软雅黑" pitchFamily="34" charset="-122"/>
-                <a:sym typeface="微软雅黑" pitchFamily="34" charset="-122"/>
+                <a:latin typeface="微软雅黑" panose="020B0503020204020204" pitchFamily="34" charset="-122"/>
+                <a:ea typeface="微软雅黑" panose="020B0503020204020204" pitchFamily="34" charset="-122"/>
+                <a:sym typeface="微软雅黑" panose="020B0503020204020204" pitchFamily="34" charset="-122"/>
               </a:rPr>
               <a:t>、</a:t>
             </a:r>
@@ -6634,9 +6350,9 @@
                 <a:solidFill>
                   <a:srgbClr val="3F3F3F"/>
                 </a:solidFill>
-                <a:latin typeface="微软雅黑" pitchFamily="34" charset="-122"/>
-                <a:ea typeface="微软雅黑" pitchFamily="34" charset="-122"/>
-                <a:sym typeface="微软雅黑" pitchFamily="34" charset="-122"/>
+                <a:latin typeface="微软雅黑" panose="020B0503020204020204" pitchFamily="34" charset="-122"/>
+                <a:ea typeface="微软雅黑" panose="020B0503020204020204" pitchFamily="34" charset="-122"/>
+                <a:sym typeface="微软雅黑" panose="020B0503020204020204" pitchFamily="34" charset="-122"/>
               </a:rPr>
               <a:t>top</a:t>
             </a:r>
@@ -6645,9 +6361,9 @@
                 <a:solidFill>
                   <a:srgbClr val="3F3F3F"/>
                 </a:solidFill>
-                <a:latin typeface="微软雅黑" pitchFamily="34" charset="-122"/>
-                <a:ea typeface="微软雅黑" pitchFamily="34" charset="-122"/>
-                <a:sym typeface="微软雅黑" pitchFamily="34" charset="-122"/>
+                <a:latin typeface="微软雅黑" panose="020B0503020204020204" pitchFamily="34" charset="-122"/>
+                <a:ea typeface="微软雅黑" panose="020B0503020204020204" pitchFamily="34" charset="-122"/>
+                <a:sym typeface="微软雅黑" panose="020B0503020204020204" pitchFamily="34" charset="-122"/>
               </a:rPr>
               <a:t>、</a:t>
             </a:r>
@@ -6656,9 +6372,9 @@
                 <a:solidFill>
                   <a:srgbClr val="3F3F3F"/>
                 </a:solidFill>
-                <a:latin typeface="微软雅黑" pitchFamily="34" charset="-122"/>
-                <a:ea typeface="微软雅黑" pitchFamily="34" charset="-122"/>
-                <a:sym typeface="微软雅黑" pitchFamily="34" charset="-122"/>
+                <a:latin typeface="微软雅黑" panose="020B0503020204020204" pitchFamily="34" charset="-122"/>
+                <a:ea typeface="微软雅黑" panose="020B0503020204020204" pitchFamily="34" charset="-122"/>
+                <a:sym typeface="微软雅黑" panose="020B0503020204020204" pitchFamily="34" charset="-122"/>
               </a:rPr>
               <a:t>left top</a:t>
             </a:r>
@@ -6666,9 +6382,9 @@
               <a:solidFill>
                 <a:srgbClr val="3F3F3F"/>
               </a:solidFill>
-              <a:latin typeface="微软雅黑" pitchFamily="34" charset="-122"/>
-              <a:ea typeface="微软雅黑" pitchFamily="34" charset="-122"/>
-              <a:sym typeface="微软雅黑" pitchFamily="34" charset="-122"/>
+              <a:latin typeface="微软雅黑" panose="020B0503020204020204" pitchFamily="34" charset="-122"/>
+              <a:ea typeface="微软雅黑" panose="020B0503020204020204" pitchFamily="34" charset="-122"/>
+              <a:sym typeface="微软雅黑" panose="020B0503020204020204" pitchFamily="34" charset="-122"/>
             </a:endParaRPr>
           </a:p>
           <a:p>
@@ -6682,9 +6398,9 @@
                 <a:solidFill>
                   <a:srgbClr val="3F3F3F"/>
                 </a:solidFill>
-                <a:latin typeface="微软雅黑" pitchFamily="34" charset="-122"/>
-                <a:ea typeface="微软雅黑" pitchFamily="34" charset="-122"/>
-                <a:sym typeface="微软雅黑" pitchFamily="34" charset="-122"/>
+                <a:latin typeface="微软雅黑" panose="020B0503020204020204" pitchFamily="34" charset="-122"/>
+                <a:ea typeface="微软雅黑" panose="020B0503020204020204" pitchFamily="34" charset="-122"/>
+                <a:sym typeface="微软雅黑" panose="020B0503020204020204" pitchFamily="34" charset="-122"/>
               </a:rPr>
               <a:t>角度：从什么角度开始渐变</a:t>
             </a:r>
@@ -6692,9 +6408,9 @@
               <a:solidFill>
                 <a:srgbClr val="3F3F3F"/>
               </a:solidFill>
-              <a:latin typeface="微软雅黑" pitchFamily="34" charset="-122"/>
-              <a:ea typeface="微软雅黑" pitchFamily="34" charset="-122"/>
-              <a:sym typeface="微软雅黑" pitchFamily="34" charset="-122"/>
+              <a:latin typeface="微软雅黑" panose="020B0503020204020204" pitchFamily="34" charset="-122"/>
+              <a:ea typeface="微软雅黑" panose="020B0503020204020204" pitchFamily="34" charset="-122"/>
+              <a:sym typeface="微软雅黑" panose="020B0503020204020204" pitchFamily="34" charset="-122"/>
             </a:endParaRPr>
           </a:p>
           <a:p>
@@ -6708,9 +6424,9 @@
                 <a:solidFill>
                   <a:srgbClr val="3F3F3F"/>
                 </a:solidFill>
-                <a:latin typeface="微软雅黑" pitchFamily="34" charset="-122"/>
-                <a:ea typeface="微软雅黑" pitchFamily="34" charset="-122"/>
-                <a:sym typeface="微软雅黑" pitchFamily="34" charset="-122"/>
+                <a:latin typeface="微软雅黑" panose="020B0503020204020204" pitchFamily="34" charset="-122"/>
+                <a:ea typeface="微软雅黑" panose="020B0503020204020204" pitchFamily="34" charset="-122"/>
+                <a:sym typeface="微软雅黑" panose="020B0503020204020204" pitchFamily="34" charset="-122"/>
               </a:rPr>
               <a:t>xxx deg</a:t>
             </a:r>
@@ -6719,9 +6435,9 @@
                 <a:solidFill>
                   <a:srgbClr val="3F3F3F"/>
                 </a:solidFill>
-                <a:latin typeface="微软雅黑" pitchFamily="34" charset="-122"/>
-                <a:ea typeface="微软雅黑" pitchFamily="34" charset="-122"/>
-                <a:sym typeface="微软雅黑" pitchFamily="34" charset="-122"/>
+                <a:latin typeface="微软雅黑" panose="020B0503020204020204" pitchFamily="34" charset="-122"/>
+                <a:ea typeface="微软雅黑" panose="020B0503020204020204" pitchFamily="34" charset="-122"/>
+                <a:sym typeface="微软雅黑" panose="020B0503020204020204" pitchFamily="34" charset="-122"/>
               </a:rPr>
               <a:t>的形式</a:t>
             </a:r>
@@ -6729,9 +6445,9 @@
               <a:solidFill>
                 <a:srgbClr val="3F3F3F"/>
               </a:solidFill>
-              <a:latin typeface="微软雅黑" pitchFamily="34" charset="-122"/>
-              <a:ea typeface="微软雅黑" pitchFamily="34" charset="-122"/>
-              <a:sym typeface="微软雅黑" pitchFamily="34" charset="-122"/>
+              <a:latin typeface="微软雅黑" panose="020B0503020204020204" pitchFamily="34" charset="-122"/>
+              <a:ea typeface="微软雅黑" panose="020B0503020204020204" pitchFamily="34" charset="-122"/>
+              <a:sym typeface="微软雅黑" panose="020B0503020204020204" pitchFamily="34" charset="-122"/>
             </a:endParaRPr>
           </a:p>
           <a:p>
@@ -6745,9 +6461,9 @@
                 <a:solidFill>
                   <a:srgbClr val="3F3F3F"/>
                 </a:solidFill>
-                <a:latin typeface="微软雅黑" pitchFamily="34" charset="-122"/>
-                <a:ea typeface="微软雅黑" pitchFamily="34" charset="-122"/>
-                <a:sym typeface="微软雅黑" pitchFamily="34" charset="-122"/>
+                <a:latin typeface="微软雅黑" panose="020B0503020204020204" pitchFamily="34" charset="-122"/>
+                <a:ea typeface="微软雅黑" panose="020B0503020204020204" pitchFamily="34" charset="-122"/>
+                <a:sym typeface="微软雅黑" panose="020B0503020204020204" pitchFamily="34" charset="-122"/>
               </a:rPr>
               <a:t>点：渐变点的颜色和位置</a:t>
             </a:r>
@@ -6755,9 +6471,9 @@
               <a:solidFill>
                 <a:srgbClr val="3F3F3F"/>
               </a:solidFill>
-              <a:latin typeface="微软雅黑" pitchFamily="34" charset="-122"/>
-              <a:ea typeface="微软雅黑" pitchFamily="34" charset="-122"/>
-              <a:sym typeface="微软雅黑" pitchFamily="34" charset="-122"/>
+              <a:latin typeface="微软雅黑" panose="020B0503020204020204" pitchFamily="34" charset="-122"/>
+              <a:ea typeface="微软雅黑" panose="020B0503020204020204" pitchFamily="34" charset="-122"/>
+              <a:sym typeface="微软雅黑" panose="020B0503020204020204" pitchFamily="34" charset="-122"/>
             </a:endParaRPr>
           </a:p>
           <a:p>
@@ -6771,9 +6487,9 @@
                 <a:solidFill>
                   <a:srgbClr val="3F3F3F"/>
                 </a:solidFill>
-                <a:latin typeface="微软雅黑" pitchFamily="34" charset="-122"/>
-                <a:ea typeface="微软雅黑" pitchFamily="34" charset="-122"/>
-                <a:sym typeface="微软雅黑" pitchFamily="34" charset="-122"/>
+                <a:latin typeface="微软雅黑" panose="020B0503020204020204" pitchFamily="34" charset="-122"/>
+                <a:ea typeface="微软雅黑" panose="020B0503020204020204" pitchFamily="34" charset="-122"/>
+                <a:sym typeface="微软雅黑" panose="020B0503020204020204" pitchFamily="34" charset="-122"/>
               </a:rPr>
               <a:t>red 50%</a:t>
             </a:r>
@@ -6782,9 +6498,9 @@
                 <a:solidFill>
                   <a:srgbClr val="3F3F3F"/>
                 </a:solidFill>
-                <a:latin typeface="微软雅黑" pitchFamily="34" charset="-122"/>
-                <a:ea typeface="微软雅黑" pitchFamily="34" charset="-122"/>
-                <a:sym typeface="微软雅黑" pitchFamily="34" charset="-122"/>
+                <a:latin typeface="微软雅黑" panose="020B0503020204020204" pitchFamily="34" charset="-122"/>
+                <a:ea typeface="微软雅黑" panose="020B0503020204020204" pitchFamily="34" charset="-122"/>
+                <a:sym typeface="微软雅黑" panose="020B0503020204020204" pitchFamily="34" charset="-122"/>
               </a:rPr>
               <a:t>，位置可选</a:t>
             </a:r>
@@ -6792,9 +6508,9 @@
               <a:solidFill>
                 <a:srgbClr val="3F3F3F"/>
               </a:solidFill>
-              <a:latin typeface="微软雅黑" pitchFamily="34" charset="-122"/>
-              <a:ea typeface="微软雅黑" pitchFamily="34" charset="-122"/>
-              <a:sym typeface="微软雅黑" pitchFamily="34" charset="-122"/>
+              <a:latin typeface="微软雅黑" panose="020B0503020204020204" pitchFamily="34" charset="-122"/>
+              <a:ea typeface="微软雅黑" panose="020B0503020204020204" pitchFamily="34" charset="-122"/>
+              <a:sym typeface="微软雅黑" panose="020B0503020204020204" pitchFamily="34" charset="-122"/>
             </a:endParaRPr>
           </a:p>
           <a:p>
@@ -6802,19 +6518,19 @@
               <a:lnSpc>
                 <a:spcPct val="170000"/>
               </a:lnSpc>
-              <a:buFont typeface="Arial" pitchFamily="34" charset="0"/>
+              <a:buFont typeface="Arial" panose="020B0604020202020204" pitchFamily="34" charset="0"/>
               <a:buChar char="•"/>
             </a:pPr>
             <a:r>
               <a:rPr lang="zh-CN" altLang="en-US" sz="3600" dirty="0" smtClean="0">
-                <a:latin typeface="微软雅黑" pitchFamily="34" charset="-122"/>
-                <a:ea typeface="微软雅黑" pitchFamily="34" charset="-122"/>
+                <a:latin typeface="微软雅黑" panose="020B0503020204020204" pitchFamily="34" charset="-122"/>
+                <a:ea typeface="微软雅黑" panose="020B0503020204020204" pitchFamily="34" charset="-122"/>
               </a:rPr>
               <a:t>重复线性渐变</a:t>
             </a:r>
             <a:endParaRPr lang="en-US" altLang="zh-CN" sz="3600" dirty="0" smtClean="0">
-              <a:latin typeface="微软雅黑" pitchFamily="34" charset="-122"/>
-              <a:ea typeface="微软雅黑" pitchFamily="34" charset="-122"/>
+              <a:latin typeface="微软雅黑" panose="020B0503020204020204" pitchFamily="34" charset="-122"/>
+              <a:ea typeface="微软雅黑" panose="020B0503020204020204" pitchFamily="34" charset="-122"/>
             </a:endParaRPr>
           </a:p>
           <a:p>
@@ -6826,43 +6542,13 @@
           </a:p>
         </p:txBody>
       </p:sp>
-      <p:pic>
-        <p:nvPicPr>
-          <p:cNvPr id="4" name="图片 3" descr="logo-new.png"/>
-          <p:cNvPicPr>
-            <a:picLocks noChangeAspect="1"/>
-          </p:cNvPicPr>
-          <p:nvPr/>
-        </p:nvPicPr>
-        <p:blipFill>
-          <a:blip r:embed="rId2">
-            <a:extLst>
-              <a:ext uri="{28A0092B-C50C-407E-A947-70E740481C1C}">
-                <a14:useLocalDpi xmlns="" xmlns:a14="http://schemas.microsoft.com/office/drawing/2010/main" val="0"/>
-              </a:ext>
-            </a:extLst>
-          </a:blip>
-          <a:stretch>
-            <a:fillRect/>
-          </a:stretch>
-        </p:blipFill>
-        <p:spPr>
-          <a:xfrm>
-            <a:off x="6964725" y="5781425"/>
-            <a:ext cx="1743000" cy="900000"/>
-          </a:xfrm>
-          <a:prstGeom prst="rect">
-            <a:avLst/>
-          </a:prstGeom>
-        </p:spPr>
-      </p:pic>
     </p:spTree>
   </p:cSld>
   <p:clrMapOvr>
     <a:masterClrMapping/>
   </p:clrMapOvr>
   <mc:AlternateContent xmlns:mc="http://schemas.openxmlformats.org/markup-compatibility/2006">
-    <mc:Choice xmlns="" xmlns:p14="http://schemas.microsoft.com/office/powerpoint/2010/main" Requires="p14">
+    <mc:Choice xmlns:p14="http://schemas.microsoft.com/office/powerpoint/2010/main" Requires="p14">
       <p:transition spd="med" p14:dur="700">
         <p:fade/>
       </p:transition>
@@ -6960,7 +6646,7 @@
               <a:buClr>
                 <a:srgbClr val="F50A64"/>
               </a:buClr>
-              <a:buFont typeface="Arial" pitchFamily="34" charset="0"/>
+              <a:buFont typeface="Arial" panose="020B0604020202020204" pitchFamily="34" charset="0"/>
               <a:buChar char="•"/>
             </a:pPr>
             <a:r>
@@ -6968,39 +6654,22 @@
                 <a:solidFill>
                   <a:srgbClr val="FF0000"/>
                 </a:solidFill>
-                <a:latin typeface="微软雅黑" pitchFamily="34" charset="-122"/>
-                <a:ea typeface="微软雅黑" pitchFamily="34" charset="-122"/>
+                <a:latin typeface="微软雅黑" panose="020B0503020204020204" pitchFamily="34" charset="-122"/>
+                <a:ea typeface="微软雅黑" panose="020B0503020204020204" pitchFamily="34" charset="-122"/>
               </a:rPr>
               <a:t>radial-gradient</a:t>
             </a:r>
             <a:r>
               <a:rPr lang="en-US" altLang="zh-CN" sz="2400" dirty="0" smtClean="0">
-                <a:latin typeface="微软雅黑" pitchFamily="34" charset="-122"/>
-                <a:ea typeface="微软雅黑" pitchFamily="34" charset="-122"/>
-              </a:rPr>
-              <a:t>([[&lt;shape&gt; || &lt;size&gt;] [</a:t>
-            </a:r>
-            <a:r>
-              <a:rPr lang="en-US" altLang="zh-CN" sz="2400" dirty="0" smtClean="0">
-                <a:latin typeface="微软雅黑" pitchFamily="34" charset="-122"/>
-                <a:ea typeface="微软雅黑" pitchFamily="34" charset="-122"/>
-              </a:rPr>
-              <a:t>at &lt;position&gt;]?,| at &lt;position&gt;,]?&lt;</a:t>
-            </a:r>
-            <a:r>
-              <a:rPr lang="en-US" altLang="zh-CN" sz="2400" dirty="0" smtClean="0">
-                <a:latin typeface="微软雅黑" pitchFamily="34" charset="-122"/>
-                <a:ea typeface="微软雅黑" pitchFamily="34" charset="-122"/>
-              </a:rPr>
-              <a:t>color-stop&gt;[,&lt;</a:t>
-            </a:r>
-            <a:r>
-              <a:rPr lang="en-US" altLang="zh-CN" sz="2400" dirty="0" smtClean="0">
-                <a:latin typeface="微软雅黑" pitchFamily="34" charset="-122"/>
-                <a:ea typeface="微软雅黑" pitchFamily="34" charset="-122"/>
-              </a:rPr>
-              <a:t>color-stop&gt;]+);</a:t>
-            </a:r>
+                <a:latin typeface="微软雅黑" panose="020B0503020204020204" pitchFamily="34" charset="-122"/>
+                <a:ea typeface="微软雅黑" panose="020B0503020204020204" pitchFamily="34" charset="-122"/>
+              </a:rPr>
+              <a:t>([[&lt;shape&gt; || &lt;size&gt;] [at &lt;position&gt;]?,| at &lt;position&gt;,]?&lt;color-stop&gt;[,&lt;color-stop&gt;]+);</a:t>
+            </a:r>
+            <a:endParaRPr lang="en-US" altLang="zh-CN" sz="2400" dirty="0" smtClean="0">
+              <a:latin typeface="微软雅黑" panose="020B0503020204020204" pitchFamily="34" charset="-122"/>
+              <a:ea typeface="微软雅黑" panose="020B0503020204020204" pitchFamily="34" charset="-122"/>
+            </a:endParaRPr>
           </a:p>
           <a:p>
             <a:pPr marL="342900" lvl="1" indent="-342900">
@@ -7010,7 +6679,7 @@
               <a:buClr>
                 <a:srgbClr val="F50A64"/>
               </a:buClr>
-              <a:buFont typeface="Arial" pitchFamily="34" charset="0"/>
+              <a:buFont typeface="Arial" panose="020B0604020202020204" pitchFamily="34" charset="0"/>
               <a:buChar char="•"/>
             </a:pPr>
             <a:r>
@@ -7018,8 +6687,8 @@
               <a:t>从“一个点”向多方向颜色渐变</a:t>
             </a:r>
             <a:endParaRPr lang="en-US" altLang="zh-CN" sz="2400" dirty="0" smtClean="0">
-              <a:latin typeface="微软雅黑" pitchFamily="34" charset="-122"/>
-              <a:ea typeface="微软雅黑" pitchFamily="34" charset="-122"/>
+              <a:latin typeface="微软雅黑" panose="020B0503020204020204" pitchFamily="34" charset="-122"/>
+              <a:ea typeface="微软雅黑" panose="020B0503020204020204" pitchFamily="34" charset="-122"/>
             </a:endParaRPr>
           </a:p>
           <a:p>
@@ -7027,7 +6696,7 @@
               <a:lnSpc>
                 <a:spcPct val="150000"/>
               </a:lnSpc>
-              <a:buFont typeface="Arial" pitchFamily="34" charset="0"/>
+              <a:buFont typeface="Arial" panose="020B0604020202020204" pitchFamily="34" charset="0"/>
               <a:buChar char="•"/>
             </a:pPr>
             <a:r>
@@ -7035,9 +6704,9 @@
                 <a:solidFill>
                   <a:srgbClr val="3F3F3F"/>
                 </a:solidFill>
-                <a:latin typeface="微软雅黑" pitchFamily="34" charset="-122"/>
-                <a:ea typeface="微软雅黑" pitchFamily="34" charset="-122"/>
-                <a:sym typeface="微软雅黑" pitchFamily="34" charset="-122"/>
+                <a:latin typeface="微软雅黑" panose="020B0503020204020204" pitchFamily="34" charset="-122"/>
+                <a:ea typeface="微软雅黑" panose="020B0503020204020204" pitchFamily="34" charset="-122"/>
+                <a:sym typeface="微软雅黑" panose="020B0503020204020204" pitchFamily="34" charset="-122"/>
               </a:rPr>
               <a:t>shape</a:t>
             </a:r>
@@ -7046,9 +6715,9 @@
                 <a:solidFill>
                   <a:srgbClr val="3F3F3F"/>
                 </a:solidFill>
-                <a:latin typeface="微软雅黑" pitchFamily="34" charset="-122"/>
-                <a:ea typeface="微软雅黑" pitchFamily="34" charset="-122"/>
-                <a:sym typeface="微软雅黑" pitchFamily="34" charset="-122"/>
+                <a:latin typeface="微软雅黑" panose="020B0503020204020204" pitchFamily="34" charset="-122"/>
+                <a:ea typeface="微软雅黑" panose="020B0503020204020204" pitchFamily="34" charset="-122"/>
+                <a:sym typeface="微软雅黑" panose="020B0503020204020204" pitchFamily="34" charset="-122"/>
               </a:rPr>
               <a:t>形状</a:t>
             </a:r>
@@ -7057,9 +6726,9 @@
                 <a:solidFill>
                   <a:srgbClr val="3F3F3F"/>
                 </a:solidFill>
-                <a:latin typeface="微软雅黑" pitchFamily="34" charset="-122"/>
-                <a:ea typeface="微软雅黑" pitchFamily="34" charset="-122"/>
-                <a:sym typeface="微软雅黑" pitchFamily="34" charset="-122"/>
+                <a:latin typeface="微软雅黑" panose="020B0503020204020204" pitchFamily="34" charset="-122"/>
+                <a:ea typeface="微软雅黑" panose="020B0503020204020204" pitchFamily="34" charset="-122"/>
+                <a:sym typeface="微软雅黑" panose="020B0503020204020204" pitchFamily="34" charset="-122"/>
               </a:rPr>
               <a:t> </a:t>
             </a:r>
@@ -7068,9 +6737,9 @@
                 <a:solidFill>
                   <a:srgbClr val="3F3F3F"/>
                 </a:solidFill>
-                <a:latin typeface="微软雅黑" pitchFamily="34" charset="-122"/>
-                <a:ea typeface="微软雅黑" pitchFamily="34" charset="-122"/>
-                <a:sym typeface="微软雅黑" pitchFamily="34" charset="-122"/>
+                <a:latin typeface="微软雅黑" panose="020B0503020204020204" pitchFamily="34" charset="-122"/>
+                <a:ea typeface="微软雅黑" panose="020B0503020204020204" pitchFamily="34" charset="-122"/>
+                <a:sym typeface="微软雅黑" panose="020B0503020204020204" pitchFamily="34" charset="-122"/>
               </a:rPr>
               <a:t>：</a:t>
             </a:r>
@@ -7079,9 +6748,9 @@
                 <a:solidFill>
                   <a:srgbClr val="3F3F3F"/>
                 </a:solidFill>
-                <a:latin typeface="微软雅黑" pitchFamily="34" charset="-122"/>
-                <a:ea typeface="微软雅黑" pitchFamily="34" charset="-122"/>
-                <a:sym typeface="微软雅黑" pitchFamily="34" charset="-122"/>
+                <a:latin typeface="微软雅黑" panose="020B0503020204020204" pitchFamily="34" charset="-122"/>
+                <a:ea typeface="微软雅黑" panose="020B0503020204020204" pitchFamily="34" charset="-122"/>
+                <a:sym typeface="微软雅黑" panose="020B0503020204020204" pitchFamily="34" charset="-122"/>
               </a:rPr>
               <a:t> ellipse</a:t>
             </a:r>
@@ -7090,9 +6759,9 @@
                 <a:solidFill>
                   <a:srgbClr val="3F3F3F"/>
                 </a:solidFill>
-                <a:latin typeface="微软雅黑" pitchFamily="34" charset="-122"/>
-                <a:ea typeface="微软雅黑" pitchFamily="34" charset="-122"/>
-                <a:sym typeface="微软雅黑" pitchFamily="34" charset="-122"/>
+                <a:latin typeface="微软雅黑" panose="020B0503020204020204" pitchFamily="34" charset="-122"/>
+                <a:ea typeface="微软雅黑" panose="020B0503020204020204" pitchFamily="34" charset="-122"/>
+                <a:sym typeface="微软雅黑" panose="020B0503020204020204" pitchFamily="34" charset="-122"/>
               </a:rPr>
               <a:t>、</a:t>
             </a:r>
@@ -7101,9 +6770,9 @@
                 <a:solidFill>
                   <a:srgbClr val="3F3F3F"/>
                 </a:solidFill>
-                <a:latin typeface="微软雅黑" pitchFamily="34" charset="-122"/>
-                <a:ea typeface="微软雅黑" pitchFamily="34" charset="-122"/>
-                <a:sym typeface="微软雅黑" pitchFamily="34" charset="-122"/>
+                <a:latin typeface="微软雅黑" panose="020B0503020204020204" pitchFamily="34" charset="-122"/>
+                <a:ea typeface="微软雅黑" panose="020B0503020204020204" pitchFamily="34" charset="-122"/>
+                <a:sym typeface="微软雅黑" panose="020B0503020204020204" pitchFamily="34" charset="-122"/>
               </a:rPr>
               <a:t>circle  </a:t>
             </a:r>
@@ -7112,9 +6781,9 @@
                 <a:solidFill>
                   <a:srgbClr val="3F3F3F"/>
                 </a:solidFill>
-                <a:latin typeface="微软雅黑" pitchFamily="34" charset="-122"/>
-                <a:ea typeface="微软雅黑" pitchFamily="34" charset="-122"/>
-                <a:sym typeface="微软雅黑" pitchFamily="34" charset="-122"/>
+                <a:latin typeface="微软雅黑" panose="020B0503020204020204" pitchFamily="34" charset="-122"/>
+                <a:ea typeface="微软雅黑" panose="020B0503020204020204" pitchFamily="34" charset="-122"/>
+                <a:sym typeface="微软雅黑" panose="020B0503020204020204" pitchFamily="34" charset="-122"/>
               </a:rPr>
               <a:t>或设置水平半径</a:t>
             </a:r>
@@ -7123,9 +6792,9 @@
                 <a:solidFill>
                   <a:srgbClr val="3F3F3F"/>
                 </a:solidFill>
-                <a:latin typeface="微软雅黑" pitchFamily="34" charset="-122"/>
-                <a:ea typeface="微软雅黑" pitchFamily="34" charset="-122"/>
-                <a:sym typeface="微软雅黑" pitchFamily="34" charset="-122"/>
+                <a:latin typeface="微软雅黑" panose="020B0503020204020204" pitchFamily="34" charset="-122"/>
+                <a:ea typeface="微软雅黑" panose="020B0503020204020204" pitchFamily="34" charset="-122"/>
+                <a:sym typeface="微软雅黑" panose="020B0503020204020204" pitchFamily="34" charset="-122"/>
               </a:rPr>
               <a:t>,</a:t>
             </a:r>
@@ -7134,9 +6803,9 @@
                 <a:solidFill>
                   <a:srgbClr val="3F3F3F"/>
                 </a:solidFill>
-                <a:latin typeface="微软雅黑" pitchFamily="34" charset="-122"/>
-                <a:ea typeface="微软雅黑" pitchFamily="34" charset="-122"/>
-                <a:sym typeface="微软雅黑" pitchFamily="34" charset="-122"/>
+                <a:latin typeface="微软雅黑" panose="020B0503020204020204" pitchFamily="34" charset="-122"/>
+                <a:ea typeface="微软雅黑" panose="020B0503020204020204" pitchFamily="34" charset="-122"/>
+                <a:sym typeface="微软雅黑" panose="020B0503020204020204" pitchFamily="34" charset="-122"/>
               </a:rPr>
               <a:t>垂直半径</a:t>
             </a:r>
@@ -7144,9 +6813,9 @@
               <a:solidFill>
                 <a:srgbClr val="3F3F3F"/>
               </a:solidFill>
-              <a:latin typeface="微软雅黑" pitchFamily="34" charset="-122"/>
-              <a:ea typeface="微软雅黑" pitchFamily="34" charset="-122"/>
-              <a:sym typeface="微软雅黑" pitchFamily="34" charset="-122"/>
+              <a:latin typeface="微软雅黑" panose="020B0503020204020204" pitchFamily="34" charset="-122"/>
+              <a:ea typeface="微软雅黑" panose="020B0503020204020204" pitchFamily="34" charset="-122"/>
+              <a:sym typeface="微软雅黑" panose="020B0503020204020204" pitchFamily="34" charset="-122"/>
             </a:endParaRPr>
           </a:p>
           <a:p>
@@ -7154,7 +6823,7 @@
               <a:lnSpc>
                 <a:spcPct val="150000"/>
               </a:lnSpc>
-              <a:buFont typeface="Arial" pitchFamily="34" charset="0"/>
+              <a:buFont typeface="Arial" panose="020B0604020202020204" pitchFamily="34" charset="0"/>
               <a:buChar char="•"/>
             </a:pPr>
             <a:r>
@@ -7162,26 +6831,30 @@
                 <a:solidFill>
                   <a:srgbClr val="3F3F3F"/>
                 </a:solidFill>
-                <a:latin typeface="微软雅黑" pitchFamily="34" charset="-122"/>
-                <a:ea typeface="微软雅黑" pitchFamily="34" charset="-122"/>
-                <a:sym typeface="微软雅黑" pitchFamily="34" charset="-122"/>
+                <a:latin typeface="微软雅黑" panose="020B0503020204020204" pitchFamily="34" charset="-122"/>
+                <a:ea typeface="微软雅黑" panose="020B0503020204020204" pitchFamily="34" charset="-122"/>
+                <a:sym typeface="微软雅黑" panose="020B0503020204020204" pitchFamily="34" charset="-122"/>
               </a:rPr>
               <a:t>size:</a:t>
             </a:r>
             <a:r>
               <a:rPr lang="zh-CN" altLang="en-US" sz="2400" dirty="0" smtClean="0">
-                <a:latin typeface="微软雅黑" pitchFamily="34" charset="-122"/>
-                <a:ea typeface="微软雅黑" pitchFamily="34" charset="-122"/>
+                <a:latin typeface="微软雅黑" panose="020B0503020204020204" pitchFamily="34" charset="-122"/>
+                <a:ea typeface="微软雅黑" panose="020B0503020204020204" pitchFamily="34" charset="-122"/>
               </a:rPr>
               <a:t>渐变的大小，即渐变到哪里停止，有如下关键词</a:t>
             </a:r>
             <a:r>
               <a:rPr lang="en-US" altLang="zh-CN" sz="2400" dirty="0" smtClean="0">
-                <a:latin typeface="微软雅黑" pitchFamily="34" charset="-122"/>
-                <a:ea typeface="微软雅黑" pitchFamily="34" charset="-122"/>
+                <a:latin typeface="微软雅黑" panose="020B0503020204020204" pitchFamily="34" charset="-122"/>
+                <a:ea typeface="微软雅黑" panose="020B0503020204020204" pitchFamily="34" charset="-122"/>
               </a:rPr>
               <a:t>:</a:t>
             </a:r>
+            <a:endParaRPr lang="en-US" altLang="zh-CN" sz="2400" dirty="0" smtClean="0">
+              <a:latin typeface="微软雅黑" panose="020B0503020204020204" pitchFamily="34" charset="-122"/>
+              <a:ea typeface="微软雅黑" panose="020B0503020204020204" pitchFamily="34" charset="-122"/>
+            </a:endParaRPr>
           </a:p>
           <a:p>
             <a:pPr marL="342900" lvl="1" indent="-342900">
@@ -7192,49 +6865,49 @@
             </a:pPr>
             <a:r>
               <a:rPr lang="en-US" altLang="zh-CN" sz="2400" dirty="0" smtClean="0">
-                <a:latin typeface="微软雅黑" pitchFamily="34" charset="-122"/>
-                <a:ea typeface="微软雅黑" pitchFamily="34" charset="-122"/>
+                <a:latin typeface="微软雅黑" panose="020B0503020204020204" pitchFamily="34" charset="-122"/>
+                <a:ea typeface="微软雅黑" panose="020B0503020204020204" pitchFamily="34" charset="-122"/>
               </a:rPr>
               <a:t>    </a:t>
             </a:r>
             <a:r>
               <a:rPr lang="zh-CN" altLang="en-US" sz="2400" dirty="0" smtClean="0">
-                <a:latin typeface="微软雅黑" pitchFamily="34" charset="-122"/>
-                <a:ea typeface="微软雅黑" pitchFamily="34" charset="-122"/>
+                <a:latin typeface="微软雅黑" panose="020B0503020204020204" pitchFamily="34" charset="-122"/>
+                <a:ea typeface="微软雅黑" panose="020B0503020204020204" pitchFamily="34" charset="-122"/>
               </a:rPr>
               <a:t> </a:t>
             </a:r>
             <a:r>
               <a:rPr lang="en-US" altLang="zh-CN" sz="2400" dirty="0" smtClean="0">
-                <a:latin typeface="微软雅黑" pitchFamily="34" charset="-122"/>
-                <a:ea typeface="微软雅黑" pitchFamily="34" charset="-122"/>
+                <a:latin typeface="微软雅黑" panose="020B0503020204020204" pitchFamily="34" charset="-122"/>
+                <a:ea typeface="微软雅黑" panose="020B0503020204020204" pitchFamily="34" charset="-122"/>
               </a:rPr>
               <a:t>closest-side</a:t>
             </a:r>
             <a:r>
               <a:rPr lang="zh-CN" altLang="en-US" sz="2400" dirty="0" smtClean="0">
-                <a:latin typeface="微软雅黑" pitchFamily="34" charset="-122"/>
-                <a:ea typeface="微软雅黑" pitchFamily="34" charset="-122"/>
+                <a:latin typeface="微软雅黑" panose="020B0503020204020204" pitchFamily="34" charset="-122"/>
+                <a:ea typeface="微软雅黑" panose="020B0503020204020204" pitchFamily="34" charset="-122"/>
               </a:rPr>
               <a:t>：最近边； </a:t>
             </a:r>
             <a:r>
               <a:rPr lang="en-US" altLang="zh-CN" sz="2400" dirty="0" smtClean="0">
-                <a:latin typeface="微软雅黑" pitchFamily="34" charset="-122"/>
-                <a:ea typeface="微软雅黑" pitchFamily="34" charset="-122"/>
+                <a:latin typeface="微软雅黑" panose="020B0503020204020204" pitchFamily="34" charset="-122"/>
+                <a:ea typeface="微软雅黑" panose="020B0503020204020204" pitchFamily="34" charset="-122"/>
               </a:rPr>
               <a:t>farthest-side</a:t>
             </a:r>
             <a:r>
               <a:rPr lang="zh-CN" altLang="en-US" sz="2400" dirty="0" smtClean="0">
-                <a:latin typeface="微软雅黑" pitchFamily="34" charset="-122"/>
-                <a:ea typeface="微软雅黑" pitchFamily="34" charset="-122"/>
+                <a:latin typeface="微软雅黑" panose="020B0503020204020204" pitchFamily="34" charset="-122"/>
+                <a:ea typeface="微软雅黑" panose="020B0503020204020204" pitchFamily="34" charset="-122"/>
               </a:rPr>
               <a:t>：最远边；</a:t>
             </a:r>
             <a:endParaRPr lang="en-US" altLang="zh-CN" sz="2400" dirty="0" smtClean="0">
-              <a:latin typeface="微软雅黑" pitchFamily="34" charset="-122"/>
-              <a:ea typeface="微软雅黑" pitchFamily="34" charset="-122"/>
+              <a:latin typeface="微软雅黑" panose="020B0503020204020204" pitchFamily="34" charset="-122"/>
+              <a:ea typeface="微软雅黑" panose="020B0503020204020204" pitchFamily="34" charset="-122"/>
             </a:endParaRPr>
           </a:p>
           <a:p>
@@ -7246,64 +6919,64 @@
             </a:pPr>
             <a:r>
               <a:rPr lang="en-US" altLang="zh-CN" sz="2400" dirty="0" smtClean="0">
-                <a:latin typeface="微软雅黑" pitchFamily="34" charset="-122"/>
-                <a:ea typeface="微软雅黑" pitchFamily="34" charset="-122"/>
+                <a:latin typeface="微软雅黑" panose="020B0503020204020204" pitchFamily="34" charset="-122"/>
+                <a:ea typeface="微软雅黑" panose="020B0503020204020204" pitchFamily="34" charset="-122"/>
               </a:rPr>
               <a:t>	</a:t>
             </a:r>
             <a:r>
               <a:rPr lang="zh-CN" altLang="en-US" sz="2400" dirty="0" smtClean="0">
-                <a:latin typeface="微软雅黑" pitchFamily="34" charset="-122"/>
-                <a:ea typeface="微软雅黑" pitchFamily="34" charset="-122"/>
+                <a:latin typeface="微软雅黑" panose="020B0503020204020204" pitchFamily="34" charset="-122"/>
+                <a:ea typeface="微软雅黑" panose="020B0503020204020204" pitchFamily="34" charset="-122"/>
               </a:rPr>
               <a:t> </a:t>
             </a:r>
             <a:r>
               <a:rPr lang="en-US" altLang="zh-CN" sz="2400" dirty="0" smtClean="0">
-                <a:latin typeface="微软雅黑" pitchFamily="34" charset="-122"/>
-                <a:ea typeface="微软雅黑" pitchFamily="34" charset="-122"/>
+                <a:latin typeface="微软雅黑" panose="020B0503020204020204" pitchFamily="34" charset="-122"/>
+                <a:ea typeface="微软雅黑" panose="020B0503020204020204" pitchFamily="34" charset="-122"/>
               </a:rPr>
               <a:t>closest-corner</a:t>
             </a:r>
             <a:r>
               <a:rPr lang="zh-CN" altLang="en-US" sz="2400" dirty="0" smtClean="0">
-                <a:latin typeface="微软雅黑" pitchFamily="34" charset="-122"/>
-                <a:ea typeface="微软雅黑" pitchFamily="34" charset="-122"/>
+                <a:latin typeface="微软雅黑" panose="020B0503020204020204" pitchFamily="34" charset="-122"/>
+                <a:ea typeface="微软雅黑" panose="020B0503020204020204" pitchFamily="34" charset="-122"/>
               </a:rPr>
               <a:t>：最近角； </a:t>
             </a:r>
             <a:r>
               <a:rPr lang="en-US" altLang="zh-CN" sz="2400" dirty="0" smtClean="0">
-                <a:latin typeface="微软雅黑" pitchFamily="34" charset="-122"/>
-                <a:ea typeface="微软雅黑" pitchFamily="34" charset="-122"/>
+                <a:latin typeface="微软雅黑" panose="020B0503020204020204" pitchFamily="34" charset="-122"/>
+                <a:ea typeface="微软雅黑" panose="020B0503020204020204" pitchFamily="34" charset="-122"/>
               </a:rPr>
               <a:t>farthest-corner</a:t>
             </a:r>
             <a:r>
               <a:rPr lang="zh-CN" altLang="en-US" sz="2400" dirty="0" smtClean="0">
-                <a:latin typeface="微软雅黑" pitchFamily="34" charset="-122"/>
-                <a:ea typeface="微软雅黑" pitchFamily="34" charset="-122"/>
+                <a:latin typeface="微软雅黑" panose="020B0503020204020204" pitchFamily="34" charset="-122"/>
+                <a:ea typeface="微软雅黑" panose="020B0503020204020204" pitchFamily="34" charset="-122"/>
               </a:rPr>
               <a:t>：最远角 </a:t>
             </a:r>
             <a:r>
               <a:rPr lang="en-US" altLang="zh-CN" sz="2400" dirty="0" smtClean="0">
-                <a:latin typeface="微软雅黑" pitchFamily="34" charset="-122"/>
-                <a:ea typeface="微软雅黑" pitchFamily="34" charset="-122"/>
+                <a:latin typeface="微软雅黑" panose="020B0503020204020204" pitchFamily="34" charset="-122"/>
+                <a:ea typeface="微软雅黑" panose="020B0503020204020204" pitchFamily="34" charset="-122"/>
               </a:rPr>
               <a:t>(</a:t>
             </a:r>
             <a:r>
               <a:rPr lang="zh-CN" altLang="en-US" sz="2400" dirty="0" smtClean="0">
-                <a:latin typeface="微软雅黑" pitchFamily="34" charset="-122"/>
-                <a:ea typeface="微软雅黑" pitchFamily="34" charset="-122"/>
+                <a:latin typeface="微软雅黑" panose="020B0503020204020204" pitchFamily="34" charset="-122"/>
+                <a:ea typeface="微软雅黑" panose="020B0503020204020204" pitchFamily="34" charset="-122"/>
               </a:rPr>
               <a:t>默认值</a:t>
             </a:r>
             <a:r>
               <a:rPr lang="en-US" altLang="zh-CN" sz="2400" dirty="0" smtClean="0">
-                <a:latin typeface="微软雅黑" pitchFamily="34" charset="-122"/>
-                <a:ea typeface="微软雅黑" pitchFamily="34" charset="-122"/>
+                <a:latin typeface="微软雅黑" panose="020B0503020204020204" pitchFamily="34" charset="-122"/>
+                <a:ea typeface="微软雅黑" panose="020B0503020204020204" pitchFamily="34" charset="-122"/>
               </a:rPr>
               <a:t>)</a:t>
             </a:r>
@@ -7311,9 +6984,9 @@
               <a:solidFill>
                 <a:srgbClr val="3F3F3F"/>
               </a:solidFill>
-              <a:latin typeface="微软雅黑" pitchFamily="34" charset="-122"/>
-              <a:ea typeface="微软雅黑" pitchFamily="34" charset="-122"/>
-              <a:sym typeface="微软雅黑" pitchFamily="34" charset="-122"/>
+              <a:latin typeface="微软雅黑" panose="020B0503020204020204" pitchFamily="34" charset="-122"/>
+              <a:ea typeface="微软雅黑" panose="020B0503020204020204" pitchFamily="34" charset="-122"/>
+              <a:sym typeface="微软雅黑" panose="020B0503020204020204" pitchFamily="34" charset="-122"/>
             </a:endParaRPr>
           </a:p>
           <a:p>
@@ -7321,13 +6994,13 @@
               <a:lnSpc>
                 <a:spcPct val="150000"/>
               </a:lnSpc>
-              <a:buFont typeface="Arial" pitchFamily="34" charset="0"/>
+              <a:buFont typeface="Arial" panose="020B0604020202020204" pitchFamily="34" charset="0"/>
               <a:buChar char="•"/>
             </a:pPr>
             <a:r>
               <a:rPr lang="en-US" altLang="zh-CN" sz="2400" dirty="0" smtClean="0">
-                <a:latin typeface="微软雅黑" pitchFamily="34" charset="-122"/>
-                <a:ea typeface="微软雅黑" pitchFamily="34" charset="-122"/>
+                <a:latin typeface="微软雅黑" panose="020B0503020204020204" pitchFamily="34" charset="-122"/>
+                <a:ea typeface="微软雅黑" panose="020B0503020204020204" pitchFamily="34" charset="-122"/>
               </a:rPr>
               <a:t>position </a:t>
             </a:r>
@@ -7336,9 +7009,9 @@
                 <a:solidFill>
                   <a:srgbClr val="3F3F3F"/>
                 </a:solidFill>
-                <a:latin typeface="微软雅黑" pitchFamily="34" charset="-122"/>
-                <a:ea typeface="微软雅黑" pitchFamily="34" charset="-122"/>
-                <a:sym typeface="微软雅黑" pitchFamily="34" charset="-122"/>
+                <a:latin typeface="微软雅黑" panose="020B0503020204020204" pitchFamily="34" charset="-122"/>
+                <a:ea typeface="微软雅黑" panose="020B0503020204020204" pitchFamily="34" charset="-122"/>
+                <a:sym typeface="微软雅黑" panose="020B0503020204020204" pitchFamily="34" charset="-122"/>
               </a:rPr>
               <a:t>：关键词</a:t>
             </a:r>
@@ -7347,9 +7020,9 @@
                 <a:solidFill>
                   <a:srgbClr val="3F3F3F"/>
                 </a:solidFill>
-                <a:latin typeface="微软雅黑" pitchFamily="34" charset="-122"/>
-                <a:ea typeface="微软雅黑" pitchFamily="34" charset="-122"/>
-                <a:sym typeface="微软雅黑" pitchFamily="34" charset="-122"/>
+                <a:latin typeface="微软雅黑" panose="020B0503020204020204" pitchFamily="34" charset="-122"/>
+                <a:ea typeface="微软雅黑" panose="020B0503020204020204" pitchFamily="34" charset="-122"/>
+                <a:sym typeface="微软雅黑" panose="020B0503020204020204" pitchFamily="34" charset="-122"/>
               </a:rPr>
               <a:t>|</a:t>
             </a:r>
@@ -7358,9 +7031,9 @@
                 <a:solidFill>
                   <a:srgbClr val="3F3F3F"/>
                 </a:solidFill>
-                <a:latin typeface="微软雅黑" pitchFamily="34" charset="-122"/>
-                <a:ea typeface="微软雅黑" pitchFamily="34" charset="-122"/>
-                <a:sym typeface="微软雅黑" pitchFamily="34" charset="-122"/>
+                <a:latin typeface="微软雅黑" panose="020B0503020204020204" pitchFamily="34" charset="-122"/>
+                <a:ea typeface="微软雅黑" panose="020B0503020204020204" pitchFamily="34" charset="-122"/>
+                <a:sym typeface="微软雅黑" panose="020B0503020204020204" pitchFamily="34" charset="-122"/>
               </a:rPr>
               <a:t>数值</a:t>
             </a:r>
@@ -7369,9 +7042,9 @@
                 <a:solidFill>
                   <a:srgbClr val="3F3F3F"/>
                 </a:solidFill>
-                <a:latin typeface="微软雅黑" pitchFamily="34" charset="-122"/>
-                <a:ea typeface="微软雅黑" pitchFamily="34" charset="-122"/>
-                <a:sym typeface="微软雅黑" pitchFamily="34" charset="-122"/>
+                <a:latin typeface="微软雅黑" panose="020B0503020204020204" pitchFamily="34" charset="-122"/>
+                <a:ea typeface="微软雅黑" panose="020B0503020204020204" pitchFamily="34" charset="-122"/>
+                <a:sym typeface="微软雅黑" panose="020B0503020204020204" pitchFamily="34" charset="-122"/>
               </a:rPr>
               <a:t>|</a:t>
             </a:r>
@@ -7380,9 +7053,9 @@
                 <a:solidFill>
                   <a:srgbClr val="3F3F3F"/>
                 </a:solidFill>
-                <a:latin typeface="微软雅黑" pitchFamily="34" charset="-122"/>
-                <a:ea typeface="微软雅黑" pitchFamily="34" charset="-122"/>
-                <a:sym typeface="微软雅黑" pitchFamily="34" charset="-122"/>
+                <a:latin typeface="微软雅黑" panose="020B0503020204020204" pitchFamily="34" charset="-122"/>
+                <a:ea typeface="微软雅黑" panose="020B0503020204020204" pitchFamily="34" charset="-122"/>
+                <a:sym typeface="微软雅黑" panose="020B0503020204020204" pitchFamily="34" charset="-122"/>
               </a:rPr>
               <a:t>百分比</a:t>
             </a:r>
@@ -7390,9 +7063,9 @@
               <a:solidFill>
                 <a:srgbClr val="3F3F3F"/>
               </a:solidFill>
-              <a:latin typeface="微软雅黑" pitchFamily="34" charset="-122"/>
-              <a:ea typeface="微软雅黑" pitchFamily="34" charset="-122"/>
-              <a:sym typeface="微软雅黑" pitchFamily="34" charset="-122"/>
+              <a:latin typeface="微软雅黑" panose="020B0503020204020204" pitchFamily="34" charset="-122"/>
+              <a:ea typeface="微软雅黑" panose="020B0503020204020204" pitchFamily="34" charset="-122"/>
+              <a:sym typeface="微软雅黑" panose="020B0503020204020204" pitchFamily="34" charset="-122"/>
             </a:endParaRPr>
           </a:p>
           <a:p>
@@ -7400,7 +7073,7 @@
               <a:lnSpc>
                 <a:spcPct val="150000"/>
               </a:lnSpc>
-              <a:buFont typeface="Arial" pitchFamily="34" charset="0"/>
+              <a:buFont typeface="Arial" panose="020B0604020202020204" pitchFamily="34" charset="0"/>
               <a:buChar char="•"/>
             </a:pPr>
             <a:r>
@@ -7408,9 +7081,9 @@
                 <a:solidFill>
                   <a:srgbClr val="3F3F3F"/>
                 </a:solidFill>
-                <a:latin typeface="微软雅黑" pitchFamily="34" charset="-122"/>
-                <a:ea typeface="微软雅黑" pitchFamily="34" charset="-122"/>
-                <a:sym typeface="微软雅黑" pitchFamily="34" charset="-122"/>
+                <a:latin typeface="微软雅黑" panose="020B0503020204020204" pitchFamily="34" charset="-122"/>
+                <a:ea typeface="微软雅黑" panose="020B0503020204020204" pitchFamily="34" charset="-122"/>
+                <a:sym typeface="微软雅黑" panose="020B0503020204020204" pitchFamily="34" charset="-122"/>
               </a:rPr>
               <a:t>重复的径向渐变</a:t>
             </a:r>
@@ -7418,50 +7091,20 @@
               <a:solidFill>
                 <a:srgbClr val="3F3F3F"/>
               </a:solidFill>
-              <a:latin typeface="微软雅黑" pitchFamily="34" charset="-122"/>
-              <a:ea typeface="微软雅黑" pitchFamily="34" charset="-122"/>
-              <a:sym typeface="微软雅黑" pitchFamily="34" charset="-122"/>
+              <a:latin typeface="微软雅黑" panose="020B0503020204020204" pitchFamily="34" charset="-122"/>
+              <a:ea typeface="微软雅黑" panose="020B0503020204020204" pitchFamily="34" charset="-122"/>
+              <a:sym typeface="微软雅黑" panose="020B0503020204020204" pitchFamily="34" charset="-122"/>
             </a:endParaRPr>
           </a:p>
         </p:txBody>
       </p:sp>
-      <p:pic>
-        <p:nvPicPr>
-          <p:cNvPr id="4" name="图片 3" descr="logo-new.png"/>
-          <p:cNvPicPr>
-            <a:picLocks noChangeAspect="1"/>
-          </p:cNvPicPr>
-          <p:nvPr/>
-        </p:nvPicPr>
-        <p:blipFill>
-          <a:blip r:embed="rId2">
-            <a:extLst>
-              <a:ext uri="{28A0092B-C50C-407E-A947-70E740481C1C}">
-                <a14:useLocalDpi xmlns="" xmlns:a14="http://schemas.microsoft.com/office/drawing/2010/main" val="0"/>
-              </a:ext>
-            </a:extLst>
-          </a:blip>
-          <a:stretch>
-            <a:fillRect/>
-          </a:stretch>
-        </p:blipFill>
-        <p:spPr>
-          <a:xfrm>
-            <a:off x="6964725" y="5781425"/>
-            <a:ext cx="1743000" cy="900000"/>
-          </a:xfrm>
-          <a:prstGeom prst="rect">
-            <a:avLst/>
-          </a:prstGeom>
-        </p:spPr>
-      </p:pic>
     </p:spTree>
   </p:cSld>
   <p:clrMapOvr>
     <a:masterClrMapping/>
   </p:clrMapOvr>
   <mc:AlternateContent xmlns:mc="http://schemas.openxmlformats.org/markup-compatibility/2006">
-    <mc:Choice xmlns="" xmlns:p14="http://schemas.microsoft.com/office/powerpoint/2010/main" Requires="p14">
+    <mc:Choice xmlns:p14="http://schemas.microsoft.com/office/powerpoint/2010/main" Requires="p14">
       <p:transition spd="med" p14:dur="700">
         <p:fade/>
       </p:transition>
@@ -7552,124 +7195,131 @@
                 <a:solidFill>
                   <a:srgbClr val="FF0000"/>
                 </a:solidFill>
-                <a:latin typeface="微软雅黑" pitchFamily="34" charset="-122"/>
-                <a:ea typeface="微软雅黑" pitchFamily="34" charset="-122"/>
+                <a:latin typeface="微软雅黑" panose="020B0503020204020204" pitchFamily="34" charset="-122"/>
+                <a:ea typeface="微软雅黑" panose="020B0503020204020204" pitchFamily="34" charset="-122"/>
               </a:rPr>
               <a:t>background-origin</a:t>
             </a:r>
+            <a:endParaRPr lang="en-US" altLang="zh-CN" sz="2400" dirty="0" smtClean="0">
+              <a:solidFill>
+                <a:srgbClr val="FF0000"/>
+              </a:solidFill>
+              <a:latin typeface="微软雅黑" panose="020B0503020204020204" pitchFamily="34" charset="-122"/>
+              <a:ea typeface="微软雅黑" panose="020B0503020204020204" pitchFamily="34" charset="-122"/>
+            </a:endParaRPr>
           </a:p>
           <a:p>
             <a:pPr lvl="1">
-              <a:buFont typeface="Arial" pitchFamily="34" charset="0"/>
+              <a:buFont typeface="Arial" panose="020B0604020202020204" pitchFamily="34" charset="0"/>
               <a:buChar char="•"/>
             </a:pPr>
             <a:r>
               <a:rPr lang="en-US" altLang="zh-CN" sz="2400" dirty="0" smtClean="0">
-                <a:latin typeface="微软雅黑" pitchFamily="34" charset="-122"/>
-                <a:ea typeface="微软雅黑" pitchFamily="34" charset="-122"/>
+                <a:latin typeface="微软雅黑" panose="020B0503020204020204" pitchFamily="34" charset="-122"/>
+                <a:ea typeface="微软雅黑" panose="020B0503020204020204" pitchFamily="34" charset="-122"/>
               </a:rPr>
               <a:t>padding-box </a:t>
             </a:r>
             <a:r>
               <a:rPr lang="zh-CN" altLang="en-US" sz="2400" dirty="0" smtClean="0">
-                <a:latin typeface="微软雅黑" pitchFamily="34" charset="-122"/>
-                <a:ea typeface="微软雅黑" pitchFamily="34" charset="-122"/>
+                <a:latin typeface="微软雅黑" panose="020B0503020204020204" pitchFamily="34" charset="-122"/>
+                <a:ea typeface="微软雅黑" panose="020B0503020204020204" pitchFamily="34" charset="-122"/>
               </a:rPr>
               <a:t>从</a:t>
             </a:r>
             <a:r>
               <a:rPr lang="en-US" altLang="zh-CN" sz="2400" dirty="0" smtClean="0">
-                <a:latin typeface="微软雅黑" pitchFamily="34" charset="-122"/>
-                <a:ea typeface="微软雅黑" pitchFamily="34" charset="-122"/>
+                <a:latin typeface="微软雅黑" panose="020B0503020204020204" pitchFamily="34" charset="-122"/>
+                <a:ea typeface="微软雅黑" panose="020B0503020204020204" pitchFamily="34" charset="-122"/>
               </a:rPr>
               <a:t>padding</a:t>
             </a:r>
             <a:r>
               <a:rPr lang="zh-CN" altLang="en-US" sz="2400" dirty="0" smtClean="0">
-                <a:latin typeface="微软雅黑" pitchFamily="34" charset="-122"/>
-                <a:ea typeface="微软雅黑" pitchFamily="34" charset="-122"/>
+                <a:latin typeface="微软雅黑" panose="020B0503020204020204" pitchFamily="34" charset="-122"/>
+                <a:ea typeface="微软雅黑" panose="020B0503020204020204" pitchFamily="34" charset="-122"/>
               </a:rPr>
               <a:t>区域显示</a:t>
             </a:r>
             <a:endParaRPr lang="en-US" altLang="zh-CN" sz="2400" dirty="0" smtClean="0">
-              <a:latin typeface="微软雅黑" pitchFamily="34" charset="-122"/>
-              <a:ea typeface="微软雅黑" pitchFamily="34" charset="-122"/>
+              <a:latin typeface="微软雅黑" panose="020B0503020204020204" pitchFamily="34" charset="-122"/>
+              <a:ea typeface="微软雅黑" panose="020B0503020204020204" pitchFamily="34" charset="-122"/>
             </a:endParaRPr>
           </a:p>
           <a:p>
             <a:pPr lvl="1">
-              <a:buFont typeface="Arial" pitchFamily="34" charset="0"/>
+              <a:buFont typeface="Arial" panose="020B0604020202020204" pitchFamily="34" charset="0"/>
               <a:buChar char="•"/>
             </a:pPr>
             <a:r>
               <a:rPr lang="en-US" altLang="zh-CN" sz="2400" dirty="0" smtClean="0">
-                <a:latin typeface="微软雅黑" pitchFamily="34" charset="-122"/>
-                <a:ea typeface="微软雅黑" pitchFamily="34" charset="-122"/>
+                <a:latin typeface="微软雅黑" panose="020B0503020204020204" pitchFamily="34" charset="-122"/>
+                <a:ea typeface="微软雅黑" panose="020B0503020204020204" pitchFamily="34" charset="-122"/>
               </a:rPr>
               <a:t>border-box </a:t>
             </a:r>
             <a:r>
               <a:rPr lang="zh-CN" altLang="en-US" sz="2400" dirty="0" smtClean="0">
-                <a:latin typeface="微软雅黑" pitchFamily="34" charset="-122"/>
-                <a:ea typeface="微软雅黑" pitchFamily="34" charset="-122"/>
+                <a:latin typeface="微软雅黑" panose="020B0503020204020204" pitchFamily="34" charset="-122"/>
+                <a:ea typeface="微软雅黑" panose="020B0503020204020204" pitchFamily="34" charset="-122"/>
               </a:rPr>
               <a:t>从</a:t>
             </a:r>
             <a:r>
               <a:rPr lang="en-US" altLang="zh-CN" sz="2400" dirty="0" smtClean="0">
-                <a:latin typeface="微软雅黑" pitchFamily="34" charset="-122"/>
-                <a:ea typeface="微软雅黑" pitchFamily="34" charset="-122"/>
+                <a:latin typeface="微软雅黑" panose="020B0503020204020204" pitchFamily="34" charset="-122"/>
+                <a:ea typeface="微软雅黑" panose="020B0503020204020204" pitchFamily="34" charset="-122"/>
               </a:rPr>
               <a:t>border</a:t>
             </a:r>
             <a:r>
               <a:rPr lang="zh-CN" altLang="en-US" sz="2400" dirty="0" smtClean="0">
-                <a:latin typeface="微软雅黑" pitchFamily="34" charset="-122"/>
-                <a:ea typeface="微软雅黑" pitchFamily="34" charset="-122"/>
+                <a:latin typeface="微软雅黑" panose="020B0503020204020204" pitchFamily="34" charset="-122"/>
+                <a:ea typeface="微软雅黑" panose="020B0503020204020204" pitchFamily="34" charset="-122"/>
               </a:rPr>
               <a:t>区域显示</a:t>
             </a:r>
             <a:endParaRPr lang="en-US" altLang="zh-CN" sz="2400" dirty="0" smtClean="0">
-              <a:latin typeface="微软雅黑" pitchFamily="34" charset="-122"/>
-              <a:ea typeface="微软雅黑" pitchFamily="34" charset="-122"/>
+              <a:latin typeface="微软雅黑" panose="020B0503020204020204" pitchFamily="34" charset="-122"/>
+              <a:ea typeface="微软雅黑" panose="020B0503020204020204" pitchFamily="34" charset="-122"/>
             </a:endParaRPr>
           </a:p>
           <a:p>
             <a:pPr lvl="1">
-              <a:buFont typeface="Arial" pitchFamily="34" charset="0"/>
+              <a:buFont typeface="Arial" panose="020B0604020202020204" pitchFamily="34" charset="0"/>
               <a:buChar char="•"/>
             </a:pPr>
             <a:r>
               <a:rPr lang="en-US" altLang="zh-CN" sz="2400" dirty="0" smtClean="0">
-                <a:latin typeface="微软雅黑" pitchFamily="34" charset="-122"/>
-                <a:ea typeface="微软雅黑" pitchFamily="34" charset="-122"/>
+                <a:latin typeface="微软雅黑" panose="020B0503020204020204" pitchFamily="34" charset="-122"/>
+                <a:ea typeface="微软雅黑" panose="020B0503020204020204" pitchFamily="34" charset="-122"/>
               </a:rPr>
               <a:t>content-box </a:t>
             </a:r>
             <a:r>
               <a:rPr lang="zh-CN" altLang="en-US" sz="2400" dirty="0" smtClean="0">
-                <a:latin typeface="微软雅黑" pitchFamily="34" charset="-122"/>
-                <a:ea typeface="微软雅黑" pitchFamily="34" charset="-122"/>
+                <a:latin typeface="微软雅黑" panose="020B0503020204020204" pitchFamily="34" charset="-122"/>
+                <a:ea typeface="微软雅黑" panose="020B0503020204020204" pitchFamily="34" charset="-122"/>
               </a:rPr>
               <a:t>从</a:t>
             </a:r>
             <a:r>
               <a:rPr lang="en-US" altLang="zh-CN" sz="2400" dirty="0" smtClean="0">
-                <a:latin typeface="微软雅黑" pitchFamily="34" charset="-122"/>
-                <a:ea typeface="微软雅黑" pitchFamily="34" charset="-122"/>
+                <a:latin typeface="微软雅黑" panose="020B0503020204020204" pitchFamily="34" charset="-122"/>
+                <a:ea typeface="微软雅黑" panose="020B0503020204020204" pitchFamily="34" charset="-122"/>
               </a:rPr>
               <a:t>content</a:t>
             </a:r>
             <a:r>
               <a:rPr lang="zh-CN" altLang="en-US" sz="2400" dirty="0" smtClean="0">
-                <a:latin typeface="微软雅黑" pitchFamily="34" charset="-122"/>
-                <a:ea typeface="微软雅黑" pitchFamily="34" charset="-122"/>
+                <a:latin typeface="微软雅黑" panose="020B0503020204020204" pitchFamily="34" charset="-122"/>
+                <a:ea typeface="微软雅黑" panose="020B0503020204020204" pitchFamily="34" charset="-122"/>
               </a:rPr>
               <a:t>区域显示</a:t>
             </a:r>
             <a:endParaRPr lang="en-US" altLang="zh-CN" sz="2400" dirty="0" smtClean="0">
-              <a:latin typeface="微软雅黑" pitchFamily="34" charset="-122"/>
-              <a:ea typeface="微软雅黑" pitchFamily="34" charset="-122"/>
+              <a:latin typeface="微软雅黑" panose="020B0503020204020204" pitchFamily="34" charset="-122"/>
+              <a:ea typeface="微软雅黑" panose="020B0503020204020204" pitchFamily="34" charset="-122"/>
             </a:endParaRPr>
           </a:p>
           <a:p>
@@ -7678,189 +7328,166 @@
                 <a:solidFill>
                   <a:srgbClr val="FF0000"/>
                 </a:solidFill>
-                <a:latin typeface="微软雅黑" pitchFamily="34" charset="-122"/>
-                <a:ea typeface="微软雅黑" pitchFamily="34" charset="-122"/>
+                <a:latin typeface="微软雅黑" panose="020B0503020204020204" pitchFamily="34" charset="-122"/>
+                <a:ea typeface="微软雅黑" panose="020B0503020204020204" pitchFamily="34" charset="-122"/>
               </a:rPr>
               <a:t>background-clip</a:t>
             </a:r>
+            <a:endParaRPr lang="en-US" altLang="zh-CN" sz="2400" dirty="0" smtClean="0">
+              <a:solidFill>
+                <a:srgbClr val="FF0000"/>
+              </a:solidFill>
+              <a:latin typeface="微软雅黑" panose="020B0503020204020204" pitchFamily="34" charset="-122"/>
+              <a:ea typeface="微软雅黑" panose="020B0503020204020204" pitchFamily="34" charset="-122"/>
+            </a:endParaRPr>
           </a:p>
           <a:p>
             <a:pPr lvl="1">
-              <a:buFont typeface="Arial" pitchFamily="34" charset="0"/>
+              <a:buFont typeface="Arial" panose="020B0604020202020204" pitchFamily="34" charset="0"/>
               <a:buChar char="•"/>
             </a:pPr>
             <a:r>
               <a:rPr lang="en-US" altLang="zh-CN" sz="2400" dirty="0" smtClean="0">
-                <a:latin typeface="微软雅黑" pitchFamily="34" charset="-122"/>
-                <a:ea typeface="微软雅黑" pitchFamily="34" charset="-122"/>
+                <a:latin typeface="微软雅黑" panose="020B0503020204020204" pitchFamily="34" charset="-122"/>
+                <a:ea typeface="微软雅黑" panose="020B0503020204020204" pitchFamily="34" charset="-122"/>
               </a:rPr>
               <a:t>padding-box  </a:t>
             </a:r>
             <a:r>
               <a:rPr lang="zh-CN" altLang="en-US" sz="2400" dirty="0" smtClean="0">
-                <a:latin typeface="微软雅黑" pitchFamily="34" charset="-122"/>
-                <a:ea typeface="微软雅黑" pitchFamily="34" charset="-122"/>
+                <a:latin typeface="微软雅黑" panose="020B0503020204020204" pitchFamily="34" charset="-122"/>
+                <a:ea typeface="微软雅黑" panose="020B0503020204020204" pitchFamily="34" charset="-122"/>
               </a:rPr>
               <a:t>从</a:t>
             </a:r>
             <a:r>
               <a:rPr lang="en-US" altLang="zh-CN" sz="2400" dirty="0" smtClean="0">
-                <a:latin typeface="微软雅黑" pitchFamily="34" charset="-122"/>
-                <a:ea typeface="微软雅黑" pitchFamily="34" charset="-122"/>
+                <a:latin typeface="微软雅黑" panose="020B0503020204020204" pitchFamily="34" charset="-122"/>
+                <a:ea typeface="微软雅黑" panose="020B0503020204020204" pitchFamily="34" charset="-122"/>
               </a:rPr>
               <a:t>padding</a:t>
             </a:r>
             <a:r>
               <a:rPr lang="zh-CN" altLang="en-US" sz="2400" dirty="0" smtClean="0">
-                <a:latin typeface="微软雅黑" pitchFamily="34" charset="-122"/>
-                <a:ea typeface="微软雅黑" pitchFamily="34" charset="-122"/>
+                <a:latin typeface="微软雅黑" panose="020B0503020204020204" pitchFamily="34" charset="-122"/>
+                <a:ea typeface="微软雅黑" panose="020B0503020204020204" pitchFamily="34" charset="-122"/>
               </a:rPr>
               <a:t>区域向外裁剪</a:t>
             </a:r>
             <a:endParaRPr lang="en-US" altLang="zh-CN" sz="2400" dirty="0" smtClean="0">
-              <a:latin typeface="微软雅黑" pitchFamily="34" charset="-122"/>
-              <a:ea typeface="微软雅黑" pitchFamily="34" charset="-122"/>
+              <a:latin typeface="微软雅黑" panose="020B0503020204020204" pitchFamily="34" charset="-122"/>
+              <a:ea typeface="微软雅黑" panose="020B0503020204020204" pitchFamily="34" charset="-122"/>
             </a:endParaRPr>
           </a:p>
           <a:p>
             <a:pPr lvl="1">
-              <a:buFont typeface="Arial" pitchFamily="34" charset="0"/>
+              <a:buFont typeface="Arial" panose="020B0604020202020204" pitchFamily="34" charset="0"/>
               <a:buChar char="•"/>
             </a:pPr>
             <a:r>
               <a:rPr lang="en-US" altLang="zh-CN" sz="2400" dirty="0" smtClean="0">
-                <a:latin typeface="微软雅黑" pitchFamily="34" charset="-122"/>
-                <a:ea typeface="微软雅黑" pitchFamily="34" charset="-122"/>
+                <a:latin typeface="微软雅黑" panose="020B0503020204020204" pitchFamily="34" charset="-122"/>
+                <a:ea typeface="微软雅黑" panose="020B0503020204020204" pitchFamily="34" charset="-122"/>
               </a:rPr>
               <a:t>border-box  </a:t>
             </a:r>
             <a:r>
               <a:rPr lang="zh-CN" altLang="en-US" sz="2400" dirty="0" smtClean="0">
-                <a:latin typeface="微软雅黑" pitchFamily="34" charset="-122"/>
-                <a:ea typeface="微软雅黑" pitchFamily="34" charset="-122"/>
+                <a:latin typeface="微软雅黑" panose="020B0503020204020204" pitchFamily="34" charset="-122"/>
+                <a:ea typeface="微软雅黑" panose="020B0503020204020204" pitchFamily="34" charset="-122"/>
               </a:rPr>
               <a:t>从</a:t>
             </a:r>
             <a:r>
               <a:rPr lang="en-US" altLang="zh-CN" sz="2400" dirty="0" smtClean="0">
-                <a:latin typeface="微软雅黑" pitchFamily="34" charset="-122"/>
-                <a:ea typeface="微软雅黑" pitchFamily="34" charset="-122"/>
+                <a:latin typeface="微软雅黑" panose="020B0503020204020204" pitchFamily="34" charset="-122"/>
+                <a:ea typeface="微软雅黑" panose="020B0503020204020204" pitchFamily="34" charset="-122"/>
               </a:rPr>
               <a:t>border</a:t>
             </a:r>
             <a:r>
               <a:rPr lang="zh-CN" altLang="en-US" sz="2400" dirty="0" smtClean="0">
-                <a:latin typeface="微软雅黑" pitchFamily="34" charset="-122"/>
-                <a:ea typeface="微软雅黑" pitchFamily="34" charset="-122"/>
+                <a:latin typeface="微软雅黑" panose="020B0503020204020204" pitchFamily="34" charset="-122"/>
+                <a:ea typeface="微软雅黑" panose="020B0503020204020204" pitchFamily="34" charset="-122"/>
               </a:rPr>
               <a:t>区域往外裁剪</a:t>
             </a:r>
             <a:endParaRPr lang="en-US" altLang="zh-CN" sz="2400" dirty="0" smtClean="0">
-              <a:latin typeface="微软雅黑" pitchFamily="34" charset="-122"/>
-              <a:ea typeface="微软雅黑" pitchFamily="34" charset="-122"/>
+              <a:latin typeface="微软雅黑" panose="020B0503020204020204" pitchFamily="34" charset="-122"/>
+              <a:ea typeface="微软雅黑" panose="020B0503020204020204" pitchFamily="34" charset="-122"/>
             </a:endParaRPr>
           </a:p>
           <a:p>
             <a:pPr lvl="1">
-              <a:buFont typeface="Arial" pitchFamily="34" charset="0"/>
+              <a:buFont typeface="Arial" panose="020B0604020202020204" pitchFamily="34" charset="0"/>
               <a:buChar char="•"/>
             </a:pPr>
             <a:r>
               <a:rPr lang="en-US" altLang="zh-CN" sz="2400" dirty="0" smtClean="0">
-                <a:latin typeface="微软雅黑" pitchFamily="34" charset="-122"/>
-                <a:ea typeface="微软雅黑" pitchFamily="34" charset="-122"/>
+                <a:latin typeface="微软雅黑" panose="020B0503020204020204" pitchFamily="34" charset="-122"/>
+                <a:ea typeface="微软雅黑" panose="020B0503020204020204" pitchFamily="34" charset="-122"/>
               </a:rPr>
               <a:t>content-box  </a:t>
             </a:r>
             <a:r>
               <a:rPr lang="zh-CN" altLang="en-US" sz="2400" dirty="0" smtClean="0">
-                <a:latin typeface="微软雅黑" pitchFamily="34" charset="-122"/>
-                <a:ea typeface="微软雅黑" pitchFamily="34" charset="-122"/>
+                <a:latin typeface="微软雅黑" panose="020B0503020204020204" pitchFamily="34" charset="-122"/>
+                <a:ea typeface="微软雅黑" panose="020B0503020204020204" pitchFamily="34" charset="-122"/>
               </a:rPr>
               <a:t>从</a:t>
             </a:r>
             <a:r>
               <a:rPr lang="en-US" altLang="zh-CN" sz="2400" dirty="0" smtClean="0">
-                <a:latin typeface="微软雅黑" pitchFamily="34" charset="-122"/>
-                <a:ea typeface="微软雅黑" pitchFamily="34" charset="-122"/>
+                <a:latin typeface="微软雅黑" panose="020B0503020204020204" pitchFamily="34" charset="-122"/>
+                <a:ea typeface="微软雅黑" panose="020B0503020204020204" pitchFamily="34" charset="-122"/>
               </a:rPr>
               <a:t>content</a:t>
             </a:r>
             <a:r>
               <a:rPr lang="zh-CN" altLang="en-US" sz="2400" dirty="0" smtClean="0">
-                <a:latin typeface="微软雅黑" pitchFamily="34" charset="-122"/>
-                <a:ea typeface="微软雅黑" pitchFamily="34" charset="-122"/>
+                <a:latin typeface="微软雅黑" panose="020B0503020204020204" pitchFamily="34" charset="-122"/>
+                <a:ea typeface="微软雅黑" panose="020B0503020204020204" pitchFamily="34" charset="-122"/>
               </a:rPr>
               <a:t>区域往外裁剪</a:t>
             </a:r>
             <a:endParaRPr lang="en-US" altLang="zh-CN" sz="2400" dirty="0" smtClean="0">
-              <a:latin typeface="微软雅黑" pitchFamily="34" charset="-122"/>
-              <a:ea typeface="微软雅黑" pitchFamily="34" charset="-122"/>
+              <a:latin typeface="微软雅黑" panose="020B0503020204020204" pitchFamily="34" charset="-122"/>
+              <a:ea typeface="微软雅黑" panose="020B0503020204020204" pitchFamily="34" charset="-122"/>
             </a:endParaRPr>
           </a:p>
           <a:p>
             <a:pPr lvl="1">
-              <a:buFont typeface="Arial" pitchFamily="34" charset="0"/>
+              <a:buFont typeface="Arial" panose="020B0604020202020204" pitchFamily="34" charset="0"/>
               <a:buChar char="•"/>
             </a:pPr>
             <a:r>
               <a:rPr lang="en-US" altLang="zh-CN" sz="2400" dirty="0" smtClean="0">
-                <a:latin typeface="微软雅黑" pitchFamily="34" charset="-122"/>
-                <a:ea typeface="微软雅黑" pitchFamily="34" charset="-122"/>
+                <a:latin typeface="微软雅黑" panose="020B0503020204020204" pitchFamily="34" charset="-122"/>
+                <a:ea typeface="微软雅黑" panose="020B0503020204020204" pitchFamily="34" charset="-122"/>
               </a:rPr>
               <a:t>text   </a:t>
             </a:r>
             <a:r>
               <a:rPr lang="zh-CN" altLang="en-US" sz="2400" dirty="0" smtClean="0">
-                <a:latin typeface="微软雅黑" pitchFamily="34" charset="-122"/>
-                <a:ea typeface="微软雅黑" pitchFamily="34" charset="-122"/>
+                <a:latin typeface="微软雅黑" panose="020B0503020204020204" pitchFamily="34" charset="-122"/>
+                <a:ea typeface="微软雅黑" panose="020B0503020204020204" pitchFamily="34" charset="-122"/>
               </a:rPr>
               <a:t>文本裁剪</a:t>
             </a:r>
             <a:endParaRPr lang="en-US" altLang="zh-CN" sz="2400" dirty="0" smtClean="0">
-              <a:latin typeface="微软雅黑" pitchFamily="34" charset="-122"/>
-              <a:ea typeface="微软雅黑" pitchFamily="34" charset="-122"/>
+              <a:latin typeface="微软雅黑" panose="020B0503020204020204" pitchFamily="34" charset="-122"/>
+              <a:ea typeface="微软雅黑" panose="020B0503020204020204" pitchFamily="34" charset="-122"/>
             </a:endParaRPr>
           </a:p>
         </p:txBody>
       </p:sp>
-      <p:pic>
-        <p:nvPicPr>
-          <p:cNvPr id="4" name="图片 3" descr="logo-new.png"/>
-          <p:cNvPicPr>
-            <a:picLocks noChangeAspect="1"/>
-          </p:cNvPicPr>
-          <p:nvPr/>
-        </p:nvPicPr>
-        <p:blipFill>
-          <a:blip r:embed="rId2">
-            <a:extLst>
-              <a:ext uri="{28A0092B-C50C-407E-A947-70E740481C1C}">
-                <a14:useLocalDpi xmlns="" xmlns:a14="http://schemas.microsoft.com/office/drawing/2010/main" val="0"/>
-              </a:ext>
-            </a:extLst>
-          </a:blip>
-          <a:stretch>
-            <a:fillRect/>
-          </a:stretch>
-        </p:blipFill>
-        <p:spPr>
-          <a:xfrm>
-            <a:off x="6964725" y="5781425"/>
-            <a:ext cx="1743000" cy="900000"/>
-          </a:xfrm>
-          <a:prstGeom prst="rect">
-            <a:avLst/>
-          </a:prstGeom>
-        </p:spPr>
-      </p:pic>
     </p:spTree>
   </p:cSld>
   <p:clrMapOvr>
     <a:masterClrMapping/>
   </p:clrMapOvr>
   <mc:AlternateContent xmlns:mc="http://schemas.openxmlformats.org/markup-compatibility/2006">
-    <mc:Choice xmlns="" xmlns:p14="http://schemas.microsoft.com/office/powerpoint/2010/main" Requires="p14">
+    <mc:Choice xmlns:p14="http://schemas.microsoft.com/office/powerpoint/2010/main" Requires="p14">
       <p:transition spd="med" p14:dur="700">
         <p:fade/>
       </p:transition>
@@ -7954,168 +7581,173 @@
               </a:rPr>
               <a:t>background-size</a:t>
             </a:r>
-          </a:p>
-          <a:p>
-            <a:pPr lvl="1">
-              <a:buFont typeface="Arial" pitchFamily="34" charset="0"/>
-              <a:buChar char="•"/>
-            </a:pPr>
-            <a:r>
-              <a:rPr lang="en-US" altLang="zh-CN" sz="2400" dirty="0" smtClean="0">
-                <a:latin typeface="微软雅黑" pitchFamily="34" charset="-122"/>
-                <a:ea typeface="微软雅黑" pitchFamily="34" charset="-122"/>
-              </a:rPr>
-              <a:t>100% 100%  </a:t>
-            </a:r>
-            <a:r>
-              <a:rPr lang="zh-CN" altLang="en-US" sz="2400" dirty="0" smtClean="0">
-                <a:latin typeface="微软雅黑" pitchFamily="34" charset="-122"/>
-                <a:ea typeface="微软雅黑" pitchFamily="34" charset="-122"/>
-              </a:rPr>
-              <a:t>百分比</a:t>
-            </a:r>
-            <a:endParaRPr lang="en-US" altLang="zh-CN" sz="2400" dirty="0" smtClean="0">
-              <a:latin typeface="微软雅黑" pitchFamily="34" charset="-122"/>
-              <a:ea typeface="微软雅黑" pitchFamily="34" charset="-122"/>
-            </a:endParaRPr>
-          </a:p>
-          <a:p>
-            <a:pPr lvl="1">
-              <a:buFont typeface="Arial" pitchFamily="34" charset="0"/>
-              <a:buChar char="•"/>
-            </a:pPr>
-            <a:r>
-              <a:rPr lang="en-US" altLang="zh-CN" sz="2400" dirty="0" smtClean="0">
-                <a:latin typeface="微软雅黑" pitchFamily="34" charset="-122"/>
-                <a:ea typeface="微软雅黑" pitchFamily="34" charset="-122"/>
-              </a:rPr>
-              <a:t>10px 10px </a:t>
-            </a:r>
-            <a:r>
-              <a:rPr lang="zh-CN" altLang="en-US" sz="2400" dirty="0" smtClean="0">
-                <a:latin typeface="微软雅黑" pitchFamily="34" charset="-122"/>
-                <a:ea typeface="微软雅黑" pitchFamily="34" charset="-122"/>
-              </a:rPr>
-              <a:t>数值</a:t>
-            </a:r>
-            <a:endParaRPr lang="en-US" altLang="zh-CN" sz="2400" dirty="0" smtClean="0">
-              <a:latin typeface="微软雅黑" pitchFamily="34" charset="-122"/>
-              <a:ea typeface="微软雅黑" pitchFamily="34" charset="-122"/>
-            </a:endParaRPr>
-          </a:p>
-          <a:p>
-            <a:pPr lvl="1">
-              <a:buFont typeface="Arial" pitchFamily="34" charset="0"/>
-              <a:buChar char="•"/>
-            </a:pPr>
-            <a:r>
-              <a:rPr lang="en-US" altLang="zh-CN" sz="2400" dirty="0" smtClean="0">
-                <a:latin typeface="微软雅黑" pitchFamily="34" charset="-122"/>
-                <a:ea typeface="微软雅黑" pitchFamily="34" charset="-122"/>
-              </a:rPr>
-              <a:t>contain   </a:t>
-            </a:r>
-            <a:r>
-              <a:rPr lang="zh-CN" altLang="en-US" sz="2400" dirty="0" smtClean="0">
-                <a:latin typeface="微软雅黑" pitchFamily="34" charset="-122"/>
-                <a:ea typeface="微软雅黑" pitchFamily="34" charset="-122"/>
-              </a:rPr>
-              <a:t>按原始比例收缩</a:t>
-            </a:r>
-            <a:r>
-              <a:rPr lang="en-US" altLang="zh-CN" sz="2400" dirty="0" smtClean="0">
-                <a:latin typeface="微软雅黑" pitchFamily="34" charset="-122"/>
-                <a:ea typeface="微软雅黑" pitchFamily="34" charset="-122"/>
-              </a:rPr>
-              <a:t>,</a:t>
-            </a:r>
-            <a:r>
-              <a:rPr lang="zh-CN" altLang="en-US" sz="2400" dirty="0" smtClean="0">
-                <a:latin typeface="微软雅黑" pitchFamily="34" charset="-122"/>
-                <a:ea typeface="微软雅黑" pitchFamily="34" charset="-122"/>
-              </a:rPr>
-              <a:t>背景图显示完整</a:t>
-            </a:r>
-            <a:r>
-              <a:rPr lang="en-US" altLang="zh-CN" sz="2400" dirty="0" smtClean="0">
-                <a:latin typeface="微软雅黑" pitchFamily="34" charset="-122"/>
-                <a:ea typeface="微软雅黑" pitchFamily="34" charset="-122"/>
-              </a:rPr>
-              <a:t>,</a:t>
-            </a:r>
-            <a:r>
-              <a:rPr lang="zh-CN" altLang="en-US" sz="2400" dirty="0" smtClean="0">
-                <a:latin typeface="微软雅黑" pitchFamily="34" charset="-122"/>
-                <a:ea typeface="微软雅黑" pitchFamily="34" charset="-122"/>
-              </a:rPr>
-              <a:t>但不一定铺满整个容器</a:t>
-            </a:r>
-            <a:endParaRPr lang="en-US" altLang="zh-CN" sz="2400" dirty="0" smtClean="0">
-              <a:latin typeface="微软雅黑" pitchFamily="34" charset="-122"/>
-              <a:ea typeface="微软雅黑" pitchFamily="34" charset="-122"/>
-            </a:endParaRPr>
-          </a:p>
-          <a:p>
-            <a:pPr lvl="1">
-              <a:buFont typeface="Arial" pitchFamily="34" charset="0"/>
-              <a:buChar char="•"/>
-            </a:pPr>
-            <a:r>
-              <a:rPr lang="en-US" altLang="zh-CN" sz="2400" dirty="0" smtClean="0">
-                <a:latin typeface="微软雅黑" pitchFamily="34" charset="-122"/>
-                <a:ea typeface="微软雅黑" pitchFamily="34" charset="-122"/>
-              </a:rPr>
-              <a:t>cover   </a:t>
-            </a:r>
-            <a:r>
-              <a:rPr lang="zh-CN" altLang="en-US" sz="2400" dirty="0" smtClean="0">
-                <a:latin typeface="微软雅黑" pitchFamily="34" charset="-122"/>
-                <a:ea typeface="微软雅黑" pitchFamily="34" charset="-122"/>
-              </a:rPr>
-              <a:t>按原始比例收缩</a:t>
-            </a:r>
-            <a:r>
-              <a:rPr lang="en-US" altLang="zh-CN" sz="2400" dirty="0" smtClean="0">
-                <a:latin typeface="微软雅黑" pitchFamily="34" charset="-122"/>
-                <a:ea typeface="微软雅黑" pitchFamily="34" charset="-122"/>
-              </a:rPr>
-              <a:t>,</a:t>
-            </a:r>
-            <a:r>
-              <a:rPr lang="zh-CN" altLang="en-US" sz="2400" dirty="0" smtClean="0">
-                <a:latin typeface="微软雅黑" pitchFamily="34" charset="-122"/>
-                <a:ea typeface="微软雅黑" pitchFamily="34" charset="-122"/>
-              </a:rPr>
-              <a:t>背景图可能显示不完整</a:t>
-            </a:r>
-            <a:r>
-              <a:rPr lang="en-US" altLang="zh-CN" sz="2400" dirty="0" smtClean="0">
-                <a:latin typeface="微软雅黑" pitchFamily="34" charset="-122"/>
-                <a:ea typeface="微软雅黑" pitchFamily="34" charset="-122"/>
-              </a:rPr>
-              <a:t>,</a:t>
-            </a:r>
-            <a:r>
-              <a:rPr lang="zh-CN" altLang="en-US" sz="2400" dirty="0" smtClean="0">
-                <a:latin typeface="微软雅黑" pitchFamily="34" charset="-122"/>
-                <a:ea typeface="微软雅黑" pitchFamily="34" charset="-122"/>
-              </a:rPr>
-              <a:t>但铺满整个容器</a:t>
-            </a:r>
             <a:endParaRPr lang="en-US" altLang="zh-CN" sz="2800" dirty="0" smtClean="0">
               <a:solidFill>
                 <a:srgbClr val="FF0000"/>
               </a:solidFill>
-              <a:latin typeface="微软雅黑" pitchFamily="34" charset="-122"/>
-              <a:ea typeface="微软雅黑" pitchFamily="34" charset="-122"/>
             </a:endParaRPr>
           </a:p>
           <a:p>
-            <a:pPr marL="342900" lvl="1" indent="-342900">
-              <a:buFont typeface="Arial"/>
+            <a:pPr lvl="1">
+              <a:buFont typeface="Arial" panose="020B0604020202020204" pitchFamily="34" charset="0"/>
               <a:buChar char="•"/>
             </a:pPr>
             <a:r>
+              <a:rPr lang="en-US" altLang="zh-CN" sz="2400" dirty="0" smtClean="0">
+                <a:latin typeface="微软雅黑" panose="020B0503020204020204" pitchFamily="34" charset="-122"/>
+                <a:ea typeface="微软雅黑" panose="020B0503020204020204" pitchFamily="34" charset="-122"/>
+              </a:rPr>
+              <a:t>100% 100%  </a:t>
+            </a:r>
+            <a:r>
+              <a:rPr lang="zh-CN" altLang="en-US" sz="2400" dirty="0" smtClean="0">
+                <a:latin typeface="微软雅黑" panose="020B0503020204020204" pitchFamily="34" charset="-122"/>
+                <a:ea typeface="微软雅黑" panose="020B0503020204020204" pitchFamily="34" charset="-122"/>
+              </a:rPr>
+              <a:t>百分比</a:t>
+            </a:r>
+            <a:endParaRPr lang="en-US" altLang="zh-CN" sz="2400" dirty="0" smtClean="0">
+              <a:latin typeface="微软雅黑" panose="020B0503020204020204" pitchFamily="34" charset="-122"/>
+              <a:ea typeface="微软雅黑" panose="020B0503020204020204" pitchFamily="34" charset="-122"/>
+            </a:endParaRPr>
+          </a:p>
+          <a:p>
+            <a:pPr lvl="1">
+              <a:buFont typeface="Arial" panose="020B0604020202020204" pitchFamily="34" charset="0"/>
+              <a:buChar char="•"/>
+            </a:pPr>
+            <a:r>
+              <a:rPr lang="en-US" altLang="zh-CN" sz="2400" dirty="0" smtClean="0">
+                <a:latin typeface="微软雅黑" panose="020B0503020204020204" pitchFamily="34" charset="-122"/>
+                <a:ea typeface="微软雅黑" panose="020B0503020204020204" pitchFamily="34" charset="-122"/>
+              </a:rPr>
+              <a:t>10px 10px </a:t>
+            </a:r>
+            <a:r>
+              <a:rPr lang="zh-CN" altLang="en-US" sz="2400" dirty="0" smtClean="0">
+                <a:latin typeface="微软雅黑" panose="020B0503020204020204" pitchFamily="34" charset="-122"/>
+                <a:ea typeface="微软雅黑" panose="020B0503020204020204" pitchFamily="34" charset="-122"/>
+              </a:rPr>
+              <a:t>数值</a:t>
+            </a:r>
+            <a:endParaRPr lang="en-US" altLang="zh-CN" sz="2400" dirty="0" smtClean="0">
+              <a:latin typeface="微软雅黑" panose="020B0503020204020204" pitchFamily="34" charset="-122"/>
+              <a:ea typeface="微软雅黑" panose="020B0503020204020204" pitchFamily="34" charset="-122"/>
+            </a:endParaRPr>
+          </a:p>
+          <a:p>
+            <a:pPr lvl="1">
+              <a:buFont typeface="Arial" panose="020B0604020202020204" pitchFamily="34" charset="0"/>
+              <a:buChar char="•"/>
+            </a:pPr>
+            <a:r>
+              <a:rPr lang="en-US" altLang="zh-CN" sz="2400" dirty="0" smtClean="0">
+                <a:latin typeface="微软雅黑" panose="020B0503020204020204" pitchFamily="34" charset="-122"/>
+                <a:ea typeface="微软雅黑" panose="020B0503020204020204" pitchFamily="34" charset="-122"/>
+              </a:rPr>
+              <a:t>contain   </a:t>
+            </a:r>
+            <a:r>
+              <a:rPr lang="zh-CN" altLang="en-US" sz="2400" dirty="0" smtClean="0">
+                <a:latin typeface="微软雅黑" panose="020B0503020204020204" pitchFamily="34" charset="-122"/>
+                <a:ea typeface="微软雅黑" panose="020B0503020204020204" pitchFamily="34" charset="-122"/>
+              </a:rPr>
+              <a:t>按原始比例收缩</a:t>
+            </a:r>
+            <a:r>
+              <a:rPr lang="en-US" altLang="zh-CN" sz="2400" dirty="0" smtClean="0">
+                <a:latin typeface="微软雅黑" panose="020B0503020204020204" pitchFamily="34" charset="-122"/>
+                <a:ea typeface="微软雅黑" panose="020B0503020204020204" pitchFamily="34" charset="-122"/>
+              </a:rPr>
+              <a:t>,</a:t>
+            </a:r>
+            <a:r>
+              <a:rPr lang="zh-CN" altLang="en-US" sz="2400" dirty="0" smtClean="0">
+                <a:latin typeface="微软雅黑" panose="020B0503020204020204" pitchFamily="34" charset="-122"/>
+                <a:ea typeface="微软雅黑" panose="020B0503020204020204" pitchFamily="34" charset="-122"/>
+              </a:rPr>
+              <a:t>背景图显示完整</a:t>
+            </a:r>
+            <a:r>
+              <a:rPr lang="en-US" altLang="zh-CN" sz="2400" dirty="0" smtClean="0">
+                <a:latin typeface="微软雅黑" panose="020B0503020204020204" pitchFamily="34" charset="-122"/>
+                <a:ea typeface="微软雅黑" panose="020B0503020204020204" pitchFamily="34" charset="-122"/>
+              </a:rPr>
+              <a:t>,</a:t>
+            </a:r>
+            <a:r>
+              <a:rPr lang="zh-CN" altLang="en-US" sz="2400" dirty="0" smtClean="0">
+                <a:latin typeface="微软雅黑" panose="020B0503020204020204" pitchFamily="34" charset="-122"/>
+                <a:ea typeface="微软雅黑" panose="020B0503020204020204" pitchFamily="34" charset="-122"/>
+              </a:rPr>
+              <a:t>但不一定铺满整个容器</a:t>
+            </a:r>
+            <a:endParaRPr lang="en-US" altLang="zh-CN" sz="2400" dirty="0" smtClean="0">
+              <a:latin typeface="微软雅黑" panose="020B0503020204020204" pitchFamily="34" charset="-122"/>
+              <a:ea typeface="微软雅黑" panose="020B0503020204020204" pitchFamily="34" charset="-122"/>
+            </a:endParaRPr>
+          </a:p>
+          <a:p>
+            <a:pPr lvl="1">
+              <a:buFont typeface="Arial" panose="020B0604020202020204" pitchFamily="34" charset="0"/>
+              <a:buChar char="•"/>
+            </a:pPr>
+            <a:r>
+              <a:rPr lang="en-US" altLang="zh-CN" sz="2400" dirty="0" smtClean="0">
+                <a:latin typeface="微软雅黑" panose="020B0503020204020204" pitchFamily="34" charset="-122"/>
+                <a:ea typeface="微软雅黑" panose="020B0503020204020204" pitchFamily="34" charset="-122"/>
+              </a:rPr>
+              <a:t>cover   </a:t>
+            </a:r>
+            <a:r>
+              <a:rPr lang="zh-CN" altLang="en-US" sz="2400" dirty="0" smtClean="0">
+                <a:latin typeface="微软雅黑" panose="020B0503020204020204" pitchFamily="34" charset="-122"/>
+                <a:ea typeface="微软雅黑" panose="020B0503020204020204" pitchFamily="34" charset="-122"/>
+              </a:rPr>
+              <a:t>按原始比例收缩</a:t>
+            </a:r>
+            <a:r>
+              <a:rPr lang="en-US" altLang="zh-CN" sz="2400" dirty="0" smtClean="0">
+                <a:latin typeface="微软雅黑" panose="020B0503020204020204" pitchFamily="34" charset="-122"/>
+                <a:ea typeface="微软雅黑" panose="020B0503020204020204" pitchFamily="34" charset="-122"/>
+              </a:rPr>
+              <a:t>,</a:t>
+            </a:r>
+            <a:r>
+              <a:rPr lang="zh-CN" altLang="en-US" sz="2400" dirty="0" smtClean="0">
+                <a:latin typeface="微软雅黑" panose="020B0503020204020204" pitchFamily="34" charset="-122"/>
+                <a:ea typeface="微软雅黑" panose="020B0503020204020204" pitchFamily="34" charset="-122"/>
+              </a:rPr>
+              <a:t>背景图可能显示不完整</a:t>
+            </a:r>
+            <a:r>
+              <a:rPr lang="en-US" altLang="zh-CN" sz="2400" dirty="0" smtClean="0">
+                <a:latin typeface="微软雅黑" panose="020B0503020204020204" pitchFamily="34" charset="-122"/>
+                <a:ea typeface="微软雅黑" panose="020B0503020204020204" pitchFamily="34" charset="-122"/>
+              </a:rPr>
+              <a:t>,</a:t>
+            </a:r>
+            <a:r>
+              <a:rPr lang="zh-CN" altLang="en-US" sz="2400" dirty="0" smtClean="0">
+                <a:latin typeface="微软雅黑" panose="020B0503020204020204" pitchFamily="34" charset="-122"/>
+                <a:ea typeface="微软雅黑" panose="020B0503020204020204" pitchFamily="34" charset="-122"/>
+              </a:rPr>
+              <a:t>但铺满整个容器</a:t>
+            </a:r>
+            <a:endParaRPr lang="en-US" altLang="zh-CN" sz="2800" dirty="0" smtClean="0">
+              <a:solidFill>
+                <a:srgbClr val="FF0000"/>
+              </a:solidFill>
+              <a:latin typeface="微软雅黑" panose="020B0503020204020204" pitchFamily="34" charset="-122"/>
+              <a:ea typeface="微软雅黑" panose="020B0503020204020204" pitchFamily="34" charset="-122"/>
+            </a:endParaRPr>
+          </a:p>
+          <a:p>
+            <a:pPr marL="342900" lvl="1" indent="-342900">
+              <a:buFont typeface="Arial" panose="020B0604020202020204"/>
+              <a:buChar char="•"/>
+            </a:pPr>
+            <a:r>
               <a:rPr lang="en-US" altLang="zh-CN" dirty="0" smtClean="0">
                 <a:solidFill>
                   <a:srgbClr val="FF0000"/>
@@ -8123,47 +7755,52 @@
               </a:rPr>
               <a:t>background-attachment </a:t>
             </a:r>
+            <a:endParaRPr lang="en-US" altLang="zh-CN" dirty="0" smtClean="0">
+              <a:solidFill>
+                <a:srgbClr val="FF0000"/>
+              </a:solidFill>
+            </a:endParaRPr>
           </a:p>
           <a:p>
             <a:pPr marL="742950" lvl="2" indent="-342900"/>
             <a:r>
               <a:rPr lang="zh-CN" altLang="en-US" dirty="0" smtClean="0">
-                <a:latin typeface="微软雅黑" pitchFamily="34" charset="-122"/>
-                <a:ea typeface="微软雅黑" pitchFamily="34" charset="-122"/>
+                <a:latin typeface="微软雅黑" panose="020B0503020204020204" pitchFamily="34" charset="-122"/>
+                <a:ea typeface="微软雅黑" panose="020B0503020204020204" pitchFamily="34" charset="-122"/>
               </a:rPr>
               <a:t>背景图片是滚动的还是固定的 </a:t>
             </a:r>
             <a:r>
               <a:rPr lang="en-US" altLang="zh-CN" dirty="0" smtClean="0">
-                <a:latin typeface="微软雅黑" pitchFamily="34" charset="-122"/>
-                <a:ea typeface="微软雅黑" pitchFamily="34" charset="-122"/>
+                <a:latin typeface="微软雅黑" panose="020B0503020204020204" pitchFamily="34" charset="-122"/>
+                <a:ea typeface="微软雅黑" panose="020B0503020204020204" pitchFamily="34" charset="-122"/>
               </a:rPr>
               <a:t>fixed(</a:t>
             </a:r>
             <a:r>
               <a:rPr lang="zh-CN" altLang="en-US" dirty="0" smtClean="0">
-                <a:latin typeface="微软雅黑" pitchFamily="34" charset="-122"/>
-                <a:ea typeface="微软雅黑" pitchFamily="34" charset="-122"/>
+                <a:latin typeface="微软雅黑" panose="020B0503020204020204" pitchFamily="34" charset="-122"/>
+                <a:ea typeface="微软雅黑" panose="020B0503020204020204" pitchFamily="34" charset="-122"/>
               </a:rPr>
               <a:t>固定的</a:t>
             </a:r>
             <a:r>
               <a:rPr lang="en-US" altLang="zh-CN" dirty="0" smtClean="0">
-                <a:latin typeface="微软雅黑" pitchFamily="34" charset="-122"/>
-                <a:ea typeface="微软雅黑" pitchFamily="34" charset="-122"/>
+                <a:latin typeface="微软雅黑" panose="020B0503020204020204" pitchFamily="34" charset="-122"/>
+                <a:ea typeface="微软雅黑" panose="020B0503020204020204" pitchFamily="34" charset="-122"/>
               </a:rPr>
               <a:t>) </a:t>
             </a:r>
             <a:r>
               <a:rPr lang="zh-CN" altLang="en-US" dirty="0" smtClean="0">
-                <a:latin typeface="微软雅黑" pitchFamily="34" charset="-122"/>
-                <a:ea typeface="微软雅黑" pitchFamily="34" charset="-122"/>
+                <a:latin typeface="微软雅黑" panose="020B0503020204020204" pitchFamily="34" charset="-122"/>
+                <a:ea typeface="微软雅黑" panose="020B0503020204020204" pitchFamily="34" charset="-122"/>
               </a:rPr>
               <a:t>默认是滚动的</a:t>
             </a:r>
             <a:endParaRPr lang="en-US" altLang="zh-CN" dirty="0" smtClean="0">
-              <a:latin typeface="微软雅黑" pitchFamily="34" charset="-122"/>
-              <a:ea typeface="微软雅黑" pitchFamily="34" charset="-122"/>
+              <a:latin typeface="微软雅黑" panose="020B0503020204020204" pitchFamily="34" charset="-122"/>
+              <a:ea typeface="微软雅黑" panose="020B0503020204020204" pitchFamily="34" charset="-122"/>
             </a:endParaRPr>
           </a:p>
           <a:p>
@@ -8184,43 +7821,13 @@
           </a:p>
         </p:txBody>
       </p:sp>
-      <p:pic>
-        <p:nvPicPr>
-          <p:cNvPr id="4" name="图片 3" descr="logo-new.png"/>
-          <p:cNvPicPr>
-            <a:picLocks noChangeAspect="1"/>
-          </p:cNvPicPr>
-          <p:nvPr/>
-        </p:nvPicPr>
-        <p:blipFill>
-          <a:blip r:embed="rId2">
-            <a:extLst>
-              <a:ext uri="{28A0092B-C50C-407E-A947-70E740481C1C}">
-                <a14:useLocalDpi xmlns="" xmlns:a14="http://schemas.microsoft.com/office/drawing/2010/main" val="0"/>
-              </a:ext>
-            </a:extLst>
-          </a:blip>
-          <a:stretch>
-            <a:fillRect/>
-          </a:stretch>
-        </p:blipFill>
-        <p:spPr>
-          <a:xfrm>
-            <a:off x="6964725" y="5781425"/>
-            <a:ext cx="1743000" cy="900000"/>
-          </a:xfrm>
-          <a:prstGeom prst="rect">
-            <a:avLst/>
-          </a:prstGeom>
-        </p:spPr>
-      </p:pic>
     </p:spTree>
   </p:cSld>
   <p:clrMapOvr>
     <a:masterClrMapping/>
   </p:clrMapOvr>
   <mc:AlternateContent xmlns:mc="http://schemas.openxmlformats.org/markup-compatibility/2006">
-    <mc:Choice xmlns="" xmlns:p14="http://schemas.microsoft.com/office/powerpoint/2010/main" Requires="p14">
+    <mc:Choice xmlns:p14="http://schemas.microsoft.com/office/powerpoint/2010/main" Requires="p14">
       <p:transition spd="med" p14:dur="700">
         <p:fade/>
       </p:transition>
@@ -8358,10 +7965,11 @@
               <a:rPr lang="en-US" altLang="zh-CN" dirty="0" smtClean="0"/>
               <a:t> inset;</a:t>
             </a:r>
+            <a:endParaRPr lang="en-US" altLang="zh-CN" dirty="0" smtClean="0"/>
           </a:p>
           <a:p>
             <a:pPr lvl="1">
-              <a:buFont typeface="Arial" pitchFamily="34" charset="0"/>
+              <a:buFont typeface="Arial" panose="020B0604020202020204" pitchFamily="34" charset="0"/>
               <a:buChar char="•"/>
             </a:pPr>
             <a:r>
@@ -8380,7 +7988,7 @@
           </a:p>
           <a:p>
             <a:pPr lvl="1">
-              <a:buFont typeface="Arial" pitchFamily="34" charset="0"/>
+              <a:buFont typeface="Arial" panose="020B0604020202020204" pitchFamily="34" charset="0"/>
               <a:buChar char="•"/>
             </a:pPr>
             <a:r>
@@ -8395,7 +8003,7 @@
           </a:p>
           <a:p>
             <a:pPr lvl="1">
-              <a:buFont typeface="Arial" pitchFamily="34" charset="0"/>
+              <a:buFont typeface="Arial" panose="020B0604020202020204" pitchFamily="34" charset="0"/>
               <a:buChar char="•"/>
             </a:pPr>
             <a:r>
@@ -8410,7 +8018,7 @@
           </a:p>
           <a:p>
             <a:pPr lvl="1">
-              <a:buFont typeface="Arial" pitchFamily="34" charset="0"/>
+              <a:buFont typeface="Arial" panose="020B0604020202020204" pitchFamily="34" charset="0"/>
               <a:buChar char="•"/>
             </a:pPr>
             <a:r>
@@ -8425,7 +8033,7 @@
           </a:p>
           <a:p>
             <a:pPr lvl="1">
-              <a:buFont typeface="Arial" pitchFamily="34" charset="0"/>
+              <a:buFont typeface="Arial" panose="020B0604020202020204" pitchFamily="34" charset="0"/>
               <a:buChar char="•"/>
             </a:pPr>
             <a:r>
@@ -8440,7 +8048,7 @@
           </a:p>
           <a:p>
             <a:pPr lvl="1">
-              <a:buFont typeface="Arial" pitchFamily="34" charset="0"/>
+              <a:buFont typeface="Arial" panose="020B0604020202020204" pitchFamily="34" charset="0"/>
               <a:buChar char="•"/>
             </a:pPr>
             <a:r>
@@ -8455,43 +8063,13 @@
           </a:p>
         </p:txBody>
       </p:sp>
-      <p:pic>
-        <p:nvPicPr>
-          <p:cNvPr id="4" name="图片 3" descr="logo-new.png"/>
-          <p:cNvPicPr>
-            <a:picLocks noChangeAspect="1"/>
-          </p:cNvPicPr>
-          <p:nvPr/>
-        </p:nvPicPr>
-        <p:blipFill>
-          <a:blip r:embed="rId2">
-            <a:extLst>
-              <a:ext uri="{28A0092B-C50C-407E-A947-70E740481C1C}">
-                <a14:useLocalDpi xmlns="" xmlns:a14="http://schemas.microsoft.com/office/drawing/2010/main" val="0"/>
-              </a:ext>
-            </a:extLst>
-          </a:blip>
-          <a:stretch>
-            <a:fillRect/>
-          </a:stretch>
-        </p:blipFill>
-        <p:spPr>
-          <a:xfrm>
-            <a:off x="6964725" y="5781425"/>
-            <a:ext cx="1743000" cy="900000"/>
-          </a:xfrm>
-          <a:prstGeom prst="rect">
-            <a:avLst/>
-          </a:prstGeom>
-        </p:spPr>
-      </p:pic>
     </p:spTree>
   </p:cSld>
   <p:clrMapOvr>
     <a:masterClrMapping/>
   </p:clrMapOvr>
   <mc:AlternateContent xmlns:mc="http://schemas.openxmlformats.org/markup-compatibility/2006">
-    <mc:Choice xmlns="" xmlns:p14="http://schemas.microsoft.com/office/powerpoint/2010/main" Requires="p14">
+    <mc:Choice xmlns:p14="http://schemas.microsoft.com/office/powerpoint/2010/main" Requires="p14">
       <p:transition spd="med" p14:dur="700">
         <p:fade/>
       </p:transition>
@@ -8828,7 +8406,11 @@
       </a:style>
     </a:lnDef>
   </a:objectDefaults>
-  <a:extraClrSchemeLst/>
+  <a:extLst>
+    <a:ext uri="{05A4C25C-085E-4340-85A3-A5531E510DB2}">
+      <thm15:themeFamily xmlns:thm15="http://schemas.microsoft.com/office/thememl/2012/main" name="Office Theme" id="{62F939B6-93AF-4DB8-9C6B-D6C7DFDC589F}" vid="{4A3C46E8-61CC-4603-A589-7422A47A8E4A}"/>
+    </a:ext>
+  </a:extLst>
 </a:theme>
 </file>
 
@@ -9148,6 +8730,10 @@
       </a:style>
     </a:lnDef>
   </a:objectDefaults>
-  <a:extraClrSchemeLst/>
+  <a:extLst>
+    <a:ext uri="{05A4C25C-085E-4340-85A3-A5531E510DB2}">
+      <thm15:themeFamily xmlns:thm15="http://schemas.microsoft.com/office/thememl/2012/main" name="Office Theme" id="{62F939B6-93AF-4DB8-9C6B-D6C7DFDC589F}" vid="{4A3C46E8-61CC-4603-A589-7422A47A8E4A}"/>
+    </a:ext>
+  </a:extLst>
 </a:theme>
 </file>